--- a/Rapport de fin + Powerpoint/exia.pptx
+++ b/Rapport de fin + Powerpoint/exia.pptx
@@ -5,15 +5,27 @@
     <p:sldMasterId id="2147483648" r:id="rId1"/>
   </p:sldMasterIdLst>
   <p:notesMasterIdLst>
-    <p:notesMasterId r:id="rId8"/>
+    <p:notesMasterId r:id="rId20"/>
   </p:notesMasterIdLst>
   <p:sldIdLst>
     <p:sldId id="256" r:id="rId2"/>
     <p:sldId id="258" r:id="rId3"/>
-    <p:sldId id="259" r:id="rId4"/>
-    <p:sldId id="260" r:id="rId5"/>
-    <p:sldId id="261" r:id="rId6"/>
-    <p:sldId id="262" r:id="rId7"/>
+    <p:sldId id="262" r:id="rId4"/>
+    <p:sldId id="259" r:id="rId5"/>
+    <p:sldId id="260" r:id="rId6"/>
+    <p:sldId id="261" r:id="rId7"/>
+    <p:sldId id="263" r:id="rId8"/>
+    <p:sldId id="264" r:id="rId9"/>
+    <p:sldId id="265" r:id="rId10"/>
+    <p:sldId id="266" r:id="rId11"/>
+    <p:sldId id="267" r:id="rId12"/>
+    <p:sldId id="268" r:id="rId13"/>
+    <p:sldId id="269" r:id="rId14"/>
+    <p:sldId id="270" r:id="rId15"/>
+    <p:sldId id="271" r:id="rId16"/>
+    <p:sldId id="272" r:id="rId17"/>
+    <p:sldId id="273" r:id="rId18"/>
+    <p:sldId id="274" r:id="rId19"/>
   </p:sldIdLst>
   <p:sldSz cx="12192000" cy="6858000"/>
   <p:notesSz cx="6858000" cy="9144000"/>
@@ -120,6 +132,32 @@
 </p:presentation>
 </file>
 
+<file path=ppt/commentAuthors.xml><?xml version="1.0" encoding="utf-8"?>
+<p:cmAuthorLst xmlns:a="http://schemas.openxmlformats.org/drawingml/2006/main" xmlns:r="http://schemas.openxmlformats.org/officeDocument/2006/relationships" xmlns:p="http://schemas.openxmlformats.org/presentationml/2006/main">
+  <p:cmAuthor id="1" name="Quentin CD" initials="QC" lastIdx="1" clrIdx="0">
+    <p:extLst>
+      <p:ext uri="{19B8F6BF-5375-455C-9EA6-DF929625EA0E}">
+        <p15:presenceInfo xmlns:p15="http://schemas.microsoft.com/office/powerpoint/2012/main" userId="0bb1bcdce59b19b1" providerId="Windows Live"/>
+      </p:ext>
+    </p:extLst>
+  </p:cmAuthor>
+</p:cmAuthorLst>
+</file>
+
+<file path=ppt/comments/comment1.xml><?xml version="1.0" encoding="utf-8"?>
+<p:cmLst xmlns:a="http://schemas.openxmlformats.org/drawingml/2006/main" xmlns:r="http://schemas.openxmlformats.org/officeDocument/2006/relationships" xmlns:p="http://schemas.openxmlformats.org/presentationml/2006/main">
+  <p:cm authorId="1" dt="2016-12-15T12:34:51.409" idx="1">
+    <p:pos x="10" y="10"/>
+    <p:text/>
+    <p:extLst>
+      <p:ext uri="{C676402C-5697-4E1C-873F-D02D1690AC5C}">
+        <p15:threadingInfo xmlns:p15="http://schemas.microsoft.com/office/powerpoint/2012/main" timeZoneBias="-60"/>
+      </p:ext>
+    </p:extLst>
+  </p:cm>
+</p:cmLst>
+</file>
+
 <file path=ppt/notesMasters/notesMaster1.xml><?xml version="1.0" encoding="utf-8"?>
 <p:notesMaster xmlns:a="http://schemas.openxmlformats.org/drawingml/2006/main" xmlns:r="http://schemas.openxmlformats.org/officeDocument/2006/relationships" xmlns:p="http://schemas.openxmlformats.org/presentationml/2006/main">
   <p:cSld>
@@ -297,7 +335,6 @@
               <a:rPr lang="fr-FR"/>
               <a:t>Cinquième niveau</a:t>
             </a:r>
-            <a:endParaRPr lang="fr-FR"/>
           </a:p>
         </p:txBody>
       </p:sp>
@@ -3404,119 +3441,6 @@
           </a:p>
         </p:txBody>
       </p:sp>
-      <p:sp>
-        <p:nvSpPr>
-          <p:cNvPr id="3" name="Subtitle 2"/>
-          <p:cNvSpPr>
-            <a:spLocks noGrp="1"/>
-          </p:cNvSpPr>
-          <p:nvPr>
-            <p:ph type="subTitle" idx="1"/>
-          </p:nvPr>
-        </p:nvSpPr>
-        <p:spPr>
-          <a:xfrm>
-            <a:off x="1581665" y="1996367"/>
-            <a:ext cx="9144000" cy="1655762"/>
-          </a:xfrm>
-        </p:spPr>
-        <p:txBody>
-          <a:bodyPr/>
-          <a:lstStyle/>
-          <a:p>
-            <a:r>
-              <a:rPr lang="en-US" dirty="0">
-                <a:solidFill>
-                  <a:schemeClr val="bg2">
-                    <a:lumMod val="75000"/>
-                  </a:schemeClr>
-                </a:solidFill>
-              </a:rPr>
-              <a:t>//</a:t>
-            </a:r>
-            <a:r>
-              <a:rPr lang="en-US" dirty="0" err="1">
-                <a:solidFill>
-                  <a:schemeClr val="bg2">
-                    <a:lumMod val="75000"/>
-                  </a:schemeClr>
-                </a:solidFill>
-              </a:rPr>
-              <a:t>Inserer</a:t>
-            </a:r>
-            <a:r>
-              <a:rPr lang="en-US" dirty="0">
-                <a:solidFill>
-                  <a:schemeClr val="bg2">
-                    <a:lumMod val="75000"/>
-                  </a:schemeClr>
-                </a:solidFill>
-              </a:rPr>
-              <a:t> </a:t>
-            </a:r>
-            <a:r>
-              <a:rPr lang="en-US" dirty="0" err="1">
-                <a:solidFill>
-                  <a:schemeClr val="bg2">
-                    <a:lumMod val="75000"/>
-                  </a:schemeClr>
-                </a:solidFill>
-              </a:rPr>
-              <a:t>ici</a:t>
-            </a:r>
-            <a:r>
-              <a:rPr lang="en-US" dirty="0">
-                <a:solidFill>
-                  <a:schemeClr val="bg2">
-                    <a:lumMod val="75000"/>
-                  </a:schemeClr>
-                </a:solidFill>
-              </a:rPr>
-              <a:t> un </a:t>
-            </a:r>
-            <a:r>
-              <a:rPr lang="en-US" dirty="0" err="1">
-                <a:solidFill>
-                  <a:schemeClr val="bg2">
-                    <a:lumMod val="75000"/>
-                  </a:schemeClr>
-                </a:solidFill>
-              </a:rPr>
-              <a:t>écran</a:t>
-            </a:r>
-            <a:r>
-              <a:rPr lang="en-US" dirty="0">
-                <a:solidFill>
-                  <a:schemeClr val="bg2">
-                    <a:lumMod val="75000"/>
-                  </a:schemeClr>
-                </a:solidFill>
-              </a:rPr>
-              <a:t> de </a:t>
-            </a:r>
-            <a:r>
-              <a:rPr lang="en-US" dirty="0" err="1">
-                <a:solidFill>
-                  <a:schemeClr val="bg2">
-                    <a:lumMod val="75000"/>
-                  </a:schemeClr>
-                </a:solidFill>
-              </a:rPr>
-              <a:t>veille</a:t>
-            </a:r>
-            <a:endParaRPr lang="en-US" dirty="0">
-              <a:solidFill>
-                <a:schemeClr val="bg2">
-                  <a:lumMod val="75000"/>
-                </a:schemeClr>
-              </a:solidFill>
-            </a:endParaRPr>
-          </a:p>
-          <a:p>
-            <a:endParaRPr lang="en-US" dirty="0"/>
-          </a:p>
-        </p:txBody>
-      </p:sp>
       <p:pic>
         <p:nvPicPr>
           <p:cNvPr id="4" name="Picture 3"/>
@@ -3661,10 +3585,5586 @@
           </a:p>
         </p:txBody>
       </p:sp>
+      <p:pic>
+        <p:nvPicPr>
+          <p:cNvPr id="10" name="Image 9" descr="C:\Users\Vaubourg\AppData\Local\Microsoft\Windows\INetCacheContent.Word\horloge.png"/>
+          <p:cNvPicPr/>
+          <p:nvPr/>
+        </p:nvPicPr>
+        <p:blipFill>
+          <a:blip r:embed="rId4">
+            <a:extLst>
+              <a:ext uri="{28A0092B-C50C-407E-A947-70E740481C1C}">
+                <a14:useLocalDpi xmlns:a14="http://schemas.microsoft.com/office/drawing/2010/main" val="0"/>
+              </a:ext>
+            </a:extLst>
+          </a:blip>
+          <a:srcRect/>
+          <a:stretch>
+            <a:fillRect/>
+          </a:stretch>
+        </p:blipFill>
+        <p:spPr bwMode="auto">
+          <a:xfrm>
+            <a:off x="3870744" y="1996364"/>
+            <a:ext cx="4114800" cy="2875083"/>
+          </a:xfrm>
+          <a:prstGeom prst="rect">
+            <a:avLst/>
+          </a:prstGeom>
+          <a:noFill/>
+          <a:ln>
+            <a:noFill/>
+          </a:ln>
+        </p:spPr>
+      </p:pic>
+      <p:pic>
+        <p:nvPicPr>
+          <p:cNvPr id="11" name="Image 10" descr="C:\Users\Vaubourg\AppData\Local\Microsoft\Windows\INetCacheContent.Word\static.png"/>
+          <p:cNvPicPr/>
+          <p:nvPr/>
+        </p:nvPicPr>
+        <p:blipFill>
+          <a:blip r:embed="rId5">
+            <a:extLst>
+              <a:ext uri="{28A0092B-C50C-407E-A947-70E740481C1C}">
+                <a14:useLocalDpi xmlns:a14="http://schemas.microsoft.com/office/drawing/2010/main" val="0"/>
+              </a:ext>
+            </a:extLst>
+          </a:blip>
+          <a:srcRect/>
+          <a:stretch>
+            <a:fillRect/>
+          </a:stretch>
+        </p:blipFill>
+        <p:spPr bwMode="auto">
+          <a:xfrm>
+            <a:off x="58458" y="1996366"/>
+            <a:ext cx="3720630" cy="2875083"/>
+          </a:xfrm>
+          <a:prstGeom prst="rect">
+            <a:avLst/>
+          </a:prstGeom>
+          <a:noFill/>
+          <a:ln>
+            <a:noFill/>
+          </a:ln>
+        </p:spPr>
+      </p:pic>
+      <p:pic>
+        <p:nvPicPr>
+          <p:cNvPr id="12" name="Image 11" descr="C:\Users\Vaubourg\AppData\Local\Microsoft\Windows\INetCacheContent.Word\interactif.png"/>
+          <p:cNvPicPr/>
+          <p:nvPr/>
+        </p:nvPicPr>
+        <p:blipFill>
+          <a:blip r:embed="rId6">
+            <a:extLst>
+              <a:ext uri="{28A0092B-C50C-407E-A947-70E740481C1C}">
+                <a14:useLocalDpi xmlns:a14="http://schemas.microsoft.com/office/drawing/2010/main" val="0"/>
+              </a:ext>
+            </a:extLst>
+          </a:blip>
+          <a:srcRect/>
+          <a:stretch>
+            <a:fillRect/>
+          </a:stretch>
+        </p:blipFill>
+        <p:spPr bwMode="auto">
+          <a:xfrm>
+            <a:off x="8051800" y="1996364"/>
+            <a:ext cx="4140200" cy="2875083"/>
+          </a:xfrm>
+          <a:prstGeom prst="rect">
+            <a:avLst/>
+          </a:prstGeom>
+          <a:noFill/>
+          <a:ln>
+            <a:noFill/>
+          </a:ln>
+        </p:spPr>
+      </p:pic>
     </p:spTree>
     <p:extLst>
       <p:ext uri="{BB962C8B-B14F-4D97-AF65-F5344CB8AC3E}">
         <p14:creationId xmlns:p14="http://schemas.microsoft.com/office/powerpoint/2010/main" val="2881786675"/>
+      </p:ext>
+    </p:extLst>
+  </p:cSld>
+  <p:clrMapOvr>
+    <a:masterClrMapping/>
+  </p:clrMapOvr>
+</p:sld>
+</file>
+
+<file path=ppt/slides/slide10.xml><?xml version="1.0" encoding="utf-8"?>
+<p:sld xmlns:a="http://schemas.openxmlformats.org/drawingml/2006/main" xmlns:r="http://schemas.openxmlformats.org/officeDocument/2006/relationships" xmlns:p="http://schemas.openxmlformats.org/presentationml/2006/main">
+  <p:cSld>
+    <p:spTree>
+      <p:nvGrpSpPr>
+        <p:cNvPr id="1" name=""/>
+        <p:cNvGrpSpPr/>
+        <p:nvPr/>
+      </p:nvGrpSpPr>
+      <p:grpSpPr>
+        <a:xfrm>
+          <a:off x="0" y="0"/>
+          <a:ext cx="0" cy="0"/>
+          <a:chOff x="0" y="0"/>
+          <a:chExt cx="0" cy="0"/>
+        </a:xfrm>
+      </p:grpSpPr>
+      <p:sp>
+        <p:nvSpPr>
+          <p:cNvPr id="2" name="Title 1"/>
+          <p:cNvSpPr>
+            <a:spLocks noGrp="1"/>
+          </p:cNvSpPr>
+          <p:nvPr>
+            <p:ph type="ctrTitle"/>
+          </p:nvPr>
+        </p:nvSpPr>
+        <p:spPr>
+          <a:xfrm>
+            <a:off x="1581665" y="337751"/>
+            <a:ext cx="9144000" cy="916331"/>
+          </a:xfrm>
+        </p:spPr>
+        <p:txBody>
+          <a:bodyPr>
+            <a:normAutofit/>
+          </a:bodyPr>
+          <a:lstStyle/>
+          <a:p>
+            <a:r>
+              <a:rPr lang="fr-FR" sz="3600" b="1" dirty="0">
+                <a:solidFill>
+                  <a:srgbClr val="FF0000"/>
+                </a:solidFill>
+              </a:rPr>
+              <a:t>Création du tableau virtuel</a:t>
+            </a:r>
+            <a:endParaRPr lang="fr-FR" sz="3200" b="1" dirty="0">
+              <a:solidFill>
+                <a:srgbClr val="FF0000"/>
+              </a:solidFill>
+            </a:endParaRPr>
+          </a:p>
+        </p:txBody>
+      </p:sp>
+      <p:pic>
+        <p:nvPicPr>
+          <p:cNvPr id="4" name="Picture 3"/>
+          <p:cNvPicPr>
+            <a:picLocks noChangeAspect="1"/>
+          </p:cNvPicPr>
+          <p:nvPr/>
+        </p:nvPicPr>
+        <p:blipFill>
+          <a:blip r:embed="rId2">
+            <a:extLst>
+              <a:ext uri="{28A0092B-C50C-407E-A947-70E740481C1C}">
+                <a14:useLocalDpi xmlns:a14="http://schemas.microsoft.com/office/drawing/2010/main" val="0"/>
+              </a:ext>
+            </a:extLst>
+          </a:blip>
+          <a:stretch>
+            <a:fillRect/>
+          </a:stretch>
+        </p:blipFill>
+        <p:spPr>
+          <a:xfrm>
+            <a:off x="404298" y="463507"/>
+            <a:ext cx="1514475" cy="790575"/>
+          </a:xfrm>
+          <a:prstGeom prst="rect">
+            <a:avLst/>
+          </a:prstGeom>
+        </p:spPr>
+      </p:pic>
+      <p:sp>
+        <p:nvSpPr>
+          <p:cNvPr id="5" name="Rectangle 4"/>
+          <p:cNvSpPr/>
+          <p:nvPr/>
+        </p:nvSpPr>
+        <p:spPr>
+          <a:xfrm>
+            <a:off x="0" y="0"/>
+            <a:ext cx="12192000" cy="337751"/>
+          </a:xfrm>
+          <a:prstGeom prst="rect">
+            <a:avLst/>
+          </a:prstGeom>
+          <a:solidFill>
+            <a:srgbClr val="FF0000"/>
+          </a:solidFill>
+          <a:effectLst/>
+        </p:spPr>
+        <p:style>
+          <a:lnRef idx="2">
+            <a:schemeClr val="accent1">
+              <a:shade val="50000"/>
+            </a:schemeClr>
+          </a:lnRef>
+          <a:fillRef idx="1">
+            <a:schemeClr val="accent1"/>
+          </a:fillRef>
+          <a:effectRef idx="0">
+            <a:schemeClr val="accent1"/>
+          </a:effectRef>
+          <a:fontRef idx="minor">
+            <a:schemeClr val="lt1"/>
+          </a:fontRef>
+        </p:style>
+        <p:txBody>
+          <a:bodyPr rtlCol="0" anchor="ctr"/>
+          <a:lstStyle/>
+          <a:p>
+            <a:pPr algn="ctr"/>
+            <a:endParaRPr lang="en-US" dirty="0"/>
+          </a:p>
+        </p:txBody>
+      </p:sp>
+      <p:pic>
+        <p:nvPicPr>
+          <p:cNvPr id="6" name="Image 5"/>
+          <p:cNvPicPr>
+            <a:picLocks noChangeAspect="1"/>
+          </p:cNvPicPr>
+          <p:nvPr/>
+        </p:nvPicPr>
+        <p:blipFill>
+          <a:blip r:embed="rId3"/>
+          <a:stretch>
+            <a:fillRect/>
+          </a:stretch>
+        </p:blipFill>
+        <p:spPr>
+          <a:xfrm>
+            <a:off x="257690" y="6244480"/>
+            <a:ext cx="1323975" cy="409575"/>
+          </a:xfrm>
+          <a:prstGeom prst="rect">
+            <a:avLst/>
+          </a:prstGeom>
+        </p:spPr>
+      </p:pic>
+      <p:sp>
+        <p:nvSpPr>
+          <p:cNvPr id="8" name="Espace réservé du pied de page 7"/>
+          <p:cNvSpPr>
+            <a:spLocks noGrp="1"/>
+          </p:cNvSpPr>
+          <p:nvPr>
+            <p:ph type="ftr" sz="quarter" idx="11"/>
+          </p:nvPr>
+        </p:nvSpPr>
+        <p:spPr/>
+        <p:txBody>
+          <a:bodyPr/>
+          <a:lstStyle/>
+          <a:p>
+            <a:r>
+              <a:rPr lang="fr-FR" dirty="0"/>
+              <a:t>VAUBOURG Mandel          CHAMPAULT Quentin</a:t>
+            </a:r>
+            <a:endParaRPr lang="en-US" dirty="0"/>
+          </a:p>
+        </p:txBody>
+      </p:sp>
+      <p:sp>
+        <p:nvSpPr>
+          <p:cNvPr id="9" name="Espace réservé du numéro de diapositive 8"/>
+          <p:cNvSpPr>
+            <a:spLocks noGrp="1"/>
+          </p:cNvSpPr>
+          <p:nvPr>
+            <p:ph type="sldNum" sz="quarter" idx="12"/>
+          </p:nvPr>
+        </p:nvSpPr>
+        <p:spPr/>
+        <p:txBody>
+          <a:bodyPr/>
+          <a:lstStyle/>
+          <a:p>
+            <a:fld id="{875A9697-78C3-4880-8D51-4C990C6F0385}" type="slidenum">
+              <a:rPr lang="en-US" smtClean="0"/>
+              <a:t>10</a:t>
+            </a:fld>
+            <a:endParaRPr lang="en-US" dirty="0"/>
+          </a:p>
+        </p:txBody>
+      </p:sp>
+      <p:sp>
+        <p:nvSpPr>
+          <p:cNvPr id="10" name="ZoneTexte 9"/>
+          <p:cNvSpPr txBox="1"/>
+          <p:nvPr/>
+        </p:nvSpPr>
+        <p:spPr>
+          <a:xfrm>
+            <a:off x="10610335" y="337751"/>
+            <a:ext cx="1581665" cy="369332"/>
+          </a:xfrm>
+          <a:prstGeom prst="rect">
+            <a:avLst/>
+          </a:prstGeom>
+          <a:noFill/>
+        </p:spPr>
+        <p:txBody>
+          <a:bodyPr wrap="square" rtlCol="0">
+            <a:spAutoFit/>
+          </a:bodyPr>
+          <a:lstStyle/>
+          <a:p>
+            <a:r>
+              <a:rPr lang="fr-FR" dirty="0">
+                <a:solidFill>
+                  <a:srgbClr val="FF0000"/>
+                </a:solidFill>
+              </a:rPr>
+              <a:t>Système projet</a:t>
+            </a:r>
+          </a:p>
+        </p:txBody>
+      </p:sp>
+      <p:pic>
+        <p:nvPicPr>
+          <p:cNvPr id="11" name="Image 10"/>
+          <p:cNvPicPr/>
+          <p:nvPr/>
+        </p:nvPicPr>
+        <p:blipFill>
+          <a:blip r:embed="rId4"/>
+          <a:stretch>
+            <a:fillRect/>
+          </a:stretch>
+        </p:blipFill>
+        <p:spPr>
+          <a:xfrm>
+            <a:off x="257690" y="1724825"/>
+            <a:ext cx="4511258" cy="448962"/>
+          </a:xfrm>
+          <a:prstGeom prst="rect">
+            <a:avLst/>
+          </a:prstGeom>
+        </p:spPr>
+      </p:pic>
+      <p:pic>
+        <p:nvPicPr>
+          <p:cNvPr id="12" name="Image 11"/>
+          <p:cNvPicPr/>
+          <p:nvPr/>
+        </p:nvPicPr>
+        <p:blipFill>
+          <a:blip r:embed="rId5">
+            <a:extLst>
+              <a:ext uri="{28A0092B-C50C-407E-A947-70E740481C1C}">
+                <a14:useLocalDpi xmlns:a14="http://schemas.microsoft.com/office/drawing/2010/main" val="0"/>
+              </a:ext>
+            </a:extLst>
+          </a:blip>
+          <a:stretch>
+            <a:fillRect/>
+          </a:stretch>
+        </p:blipFill>
+        <p:spPr>
+          <a:xfrm>
+            <a:off x="257690" y="2603827"/>
+            <a:ext cx="4511258" cy="1914068"/>
+          </a:xfrm>
+          <a:prstGeom prst="rect">
+            <a:avLst/>
+          </a:prstGeom>
+        </p:spPr>
+      </p:pic>
+      <p:sp>
+        <p:nvSpPr>
+          <p:cNvPr id="13" name="Rectangle 12"/>
+          <p:cNvSpPr/>
+          <p:nvPr/>
+        </p:nvSpPr>
+        <p:spPr>
+          <a:xfrm>
+            <a:off x="6702304" y="1529991"/>
+            <a:ext cx="4023361" cy="838629"/>
+          </a:xfrm>
+          <a:prstGeom prst="rect">
+            <a:avLst/>
+          </a:prstGeom>
+          <a:solidFill>
+            <a:schemeClr val="accent2"/>
+          </a:solidFill>
+        </p:spPr>
+        <p:style>
+          <a:lnRef idx="2">
+            <a:schemeClr val="accent1">
+              <a:shade val="50000"/>
+            </a:schemeClr>
+          </a:lnRef>
+          <a:fillRef idx="1">
+            <a:schemeClr val="accent1"/>
+          </a:fillRef>
+          <a:effectRef idx="0">
+            <a:schemeClr val="accent1"/>
+          </a:effectRef>
+          <a:fontRef idx="minor">
+            <a:schemeClr val="lt1"/>
+          </a:fontRef>
+        </p:style>
+        <p:txBody>
+          <a:bodyPr rtlCol="0" anchor="ctr"/>
+          <a:lstStyle/>
+          <a:p>
+            <a:pPr algn="ctr"/>
+            <a:r>
+              <a:rPr lang="fr-FR" dirty="0"/>
+              <a:t>Récupère la structure du tableau et ses dimensions</a:t>
+            </a:r>
+          </a:p>
+        </p:txBody>
+      </p:sp>
+      <p:sp>
+        <p:nvSpPr>
+          <p:cNvPr id="14" name="Rectangle 13"/>
+          <p:cNvSpPr/>
+          <p:nvPr/>
+        </p:nvSpPr>
+        <p:spPr>
+          <a:xfrm>
+            <a:off x="6702304" y="2644529"/>
+            <a:ext cx="4023361" cy="838629"/>
+          </a:xfrm>
+          <a:prstGeom prst="rect">
+            <a:avLst/>
+          </a:prstGeom>
+          <a:solidFill>
+            <a:schemeClr val="accent2"/>
+          </a:solidFill>
+        </p:spPr>
+        <p:style>
+          <a:lnRef idx="2">
+            <a:schemeClr val="accent1">
+              <a:shade val="50000"/>
+            </a:schemeClr>
+          </a:lnRef>
+          <a:fillRef idx="1">
+            <a:schemeClr val="accent1"/>
+          </a:fillRef>
+          <a:effectRef idx="0">
+            <a:schemeClr val="accent1"/>
+          </a:effectRef>
+          <a:fontRef idx="minor">
+            <a:schemeClr val="lt1"/>
+          </a:fontRef>
+        </p:style>
+        <p:txBody>
+          <a:bodyPr rtlCol="0" anchor="ctr"/>
+          <a:lstStyle/>
+          <a:p>
+            <a:pPr algn="ctr"/>
+            <a:r>
+              <a:rPr lang="fr-FR" dirty="0"/>
+              <a:t>Attribue les dimensions du tableau</a:t>
+            </a:r>
+          </a:p>
+        </p:txBody>
+      </p:sp>
+      <p:sp>
+        <p:nvSpPr>
+          <p:cNvPr id="15" name="Rectangle 14"/>
+          <p:cNvSpPr/>
+          <p:nvPr/>
+        </p:nvSpPr>
+        <p:spPr>
+          <a:xfrm>
+            <a:off x="6702303" y="3759067"/>
+            <a:ext cx="4023361" cy="838629"/>
+          </a:xfrm>
+          <a:prstGeom prst="rect">
+            <a:avLst/>
+          </a:prstGeom>
+          <a:solidFill>
+            <a:schemeClr val="accent2"/>
+          </a:solidFill>
+        </p:spPr>
+        <p:style>
+          <a:lnRef idx="2">
+            <a:schemeClr val="accent1">
+              <a:shade val="50000"/>
+            </a:schemeClr>
+          </a:lnRef>
+          <a:fillRef idx="1">
+            <a:schemeClr val="accent1"/>
+          </a:fillRef>
+          <a:effectRef idx="0">
+            <a:schemeClr val="accent1"/>
+          </a:effectRef>
+          <a:fontRef idx="minor">
+            <a:schemeClr val="lt1"/>
+          </a:fontRef>
+        </p:style>
+        <p:txBody>
+          <a:bodyPr rtlCol="0" anchor="ctr"/>
+          <a:lstStyle/>
+          <a:p>
+            <a:pPr algn="ctr"/>
+            <a:r>
+              <a:rPr lang="fr-FR" dirty="0"/>
+              <a:t>Remet les cases du tableau a 0</a:t>
+            </a:r>
+          </a:p>
+        </p:txBody>
+      </p:sp>
+      <p:cxnSp>
+        <p:nvCxnSpPr>
+          <p:cNvPr id="7" name="Connecteur droit avec flèche 6"/>
+          <p:cNvCxnSpPr>
+            <a:stCxn id="13" idx="2"/>
+            <a:endCxn id="14" idx="0"/>
+          </p:cNvCxnSpPr>
+          <p:nvPr/>
+        </p:nvCxnSpPr>
+        <p:spPr>
+          <a:xfrm>
+            <a:off x="8713985" y="2368620"/>
+            <a:ext cx="0" cy="275909"/>
+          </a:xfrm>
+          <a:prstGeom prst="straightConnector1">
+            <a:avLst/>
+          </a:prstGeom>
+          <a:ln w="63500">
+            <a:tailEnd type="triangle"/>
+          </a:ln>
+        </p:spPr>
+        <p:style>
+          <a:lnRef idx="1">
+            <a:schemeClr val="accent1"/>
+          </a:lnRef>
+          <a:fillRef idx="0">
+            <a:schemeClr val="accent1"/>
+          </a:fillRef>
+          <a:effectRef idx="0">
+            <a:schemeClr val="accent1"/>
+          </a:effectRef>
+          <a:fontRef idx="minor">
+            <a:schemeClr val="tx1"/>
+          </a:fontRef>
+        </p:style>
+      </p:cxnSp>
+      <p:cxnSp>
+        <p:nvCxnSpPr>
+          <p:cNvPr id="17" name="Connecteur droit avec flèche 16"/>
+          <p:cNvCxnSpPr>
+            <a:cxnSpLocks/>
+            <a:stCxn id="14" idx="2"/>
+            <a:endCxn id="15" idx="0"/>
+          </p:cNvCxnSpPr>
+          <p:nvPr/>
+        </p:nvCxnSpPr>
+        <p:spPr>
+          <a:xfrm flipH="1">
+            <a:off x="8713984" y="3483158"/>
+            <a:ext cx="1" cy="275909"/>
+          </a:xfrm>
+          <a:prstGeom prst="straightConnector1">
+            <a:avLst/>
+          </a:prstGeom>
+          <a:ln w="63500">
+            <a:tailEnd type="triangle"/>
+          </a:ln>
+        </p:spPr>
+        <p:style>
+          <a:lnRef idx="1">
+            <a:schemeClr val="accent1"/>
+          </a:lnRef>
+          <a:fillRef idx="0">
+            <a:schemeClr val="accent1"/>
+          </a:fillRef>
+          <a:effectRef idx="0">
+            <a:schemeClr val="accent1"/>
+          </a:effectRef>
+          <a:fontRef idx="minor">
+            <a:schemeClr val="tx1"/>
+          </a:fontRef>
+        </p:style>
+      </p:cxnSp>
+    </p:spTree>
+    <p:extLst>
+      <p:ext uri="{BB962C8B-B14F-4D97-AF65-F5344CB8AC3E}">
+        <p14:creationId xmlns:p14="http://schemas.microsoft.com/office/powerpoint/2010/main" val="2551447908"/>
+      </p:ext>
+    </p:extLst>
+  </p:cSld>
+  <p:clrMapOvr>
+    <a:masterClrMapping/>
+  </p:clrMapOvr>
+</p:sld>
+</file>
+
+<file path=ppt/slides/slide11.xml><?xml version="1.0" encoding="utf-8"?>
+<p:sld xmlns:a="http://schemas.openxmlformats.org/drawingml/2006/main" xmlns:r="http://schemas.openxmlformats.org/officeDocument/2006/relationships" xmlns:p="http://schemas.openxmlformats.org/presentationml/2006/main">
+  <p:cSld>
+    <p:spTree>
+      <p:nvGrpSpPr>
+        <p:cNvPr id="1" name=""/>
+        <p:cNvGrpSpPr/>
+        <p:nvPr/>
+      </p:nvGrpSpPr>
+      <p:grpSpPr>
+        <a:xfrm>
+          <a:off x="0" y="0"/>
+          <a:ext cx="0" cy="0"/>
+          <a:chOff x="0" y="0"/>
+          <a:chExt cx="0" cy="0"/>
+        </a:xfrm>
+      </p:grpSpPr>
+      <p:sp>
+        <p:nvSpPr>
+          <p:cNvPr id="2" name="Title 1"/>
+          <p:cNvSpPr>
+            <a:spLocks noGrp="1"/>
+          </p:cNvSpPr>
+          <p:nvPr>
+            <p:ph type="ctrTitle"/>
+          </p:nvPr>
+        </p:nvSpPr>
+        <p:spPr>
+          <a:xfrm>
+            <a:off x="1581665" y="337751"/>
+            <a:ext cx="9144000" cy="916331"/>
+          </a:xfrm>
+        </p:spPr>
+        <p:txBody>
+          <a:bodyPr>
+            <a:normAutofit/>
+          </a:bodyPr>
+          <a:lstStyle/>
+          <a:p>
+            <a:r>
+              <a:rPr lang="fr-FR" sz="3600" b="1" dirty="0">
+                <a:solidFill>
+                  <a:srgbClr val="FF0000"/>
+                </a:solidFill>
+              </a:rPr>
+              <a:t>Moteur de rendu</a:t>
+            </a:r>
+            <a:endParaRPr lang="fr-FR" sz="3200" b="1" dirty="0">
+              <a:solidFill>
+                <a:srgbClr val="FF0000"/>
+              </a:solidFill>
+            </a:endParaRPr>
+          </a:p>
+        </p:txBody>
+      </p:sp>
+      <p:pic>
+        <p:nvPicPr>
+          <p:cNvPr id="4" name="Picture 3"/>
+          <p:cNvPicPr>
+            <a:picLocks noChangeAspect="1"/>
+          </p:cNvPicPr>
+          <p:nvPr/>
+        </p:nvPicPr>
+        <p:blipFill>
+          <a:blip r:embed="rId2">
+            <a:extLst>
+              <a:ext uri="{28A0092B-C50C-407E-A947-70E740481C1C}">
+                <a14:useLocalDpi xmlns:a14="http://schemas.microsoft.com/office/drawing/2010/main" val="0"/>
+              </a:ext>
+            </a:extLst>
+          </a:blip>
+          <a:stretch>
+            <a:fillRect/>
+          </a:stretch>
+        </p:blipFill>
+        <p:spPr>
+          <a:xfrm>
+            <a:off x="404298" y="463507"/>
+            <a:ext cx="1514475" cy="790575"/>
+          </a:xfrm>
+          <a:prstGeom prst="rect">
+            <a:avLst/>
+          </a:prstGeom>
+        </p:spPr>
+      </p:pic>
+      <p:sp>
+        <p:nvSpPr>
+          <p:cNvPr id="5" name="Rectangle 4"/>
+          <p:cNvSpPr/>
+          <p:nvPr/>
+        </p:nvSpPr>
+        <p:spPr>
+          <a:xfrm>
+            <a:off x="0" y="0"/>
+            <a:ext cx="12192000" cy="337751"/>
+          </a:xfrm>
+          <a:prstGeom prst="rect">
+            <a:avLst/>
+          </a:prstGeom>
+          <a:solidFill>
+            <a:srgbClr val="FF0000"/>
+          </a:solidFill>
+          <a:effectLst/>
+        </p:spPr>
+        <p:style>
+          <a:lnRef idx="2">
+            <a:schemeClr val="accent1">
+              <a:shade val="50000"/>
+            </a:schemeClr>
+          </a:lnRef>
+          <a:fillRef idx="1">
+            <a:schemeClr val="accent1"/>
+          </a:fillRef>
+          <a:effectRef idx="0">
+            <a:schemeClr val="accent1"/>
+          </a:effectRef>
+          <a:fontRef idx="minor">
+            <a:schemeClr val="lt1"/>
+          </a:fontRef>
+        </p:style>
+        <p:txBody>
+          <a:bodyPr rtlCol="0" anchor="ctr"/>
+          <a:lstStyle/>
+          <a:p>
+            <a:pPr algn="ctr"/>
+            <a:endParaRPr lang="en-US" dirty="0"/>
+          </a:p>
+        </p:txBody>
+      </p:sp>
+      <p:pic>
+        <p:nvPicPr>
+          <p:cNvPr id="6" name="Image 5"/>
+          <p:cNvPicPr>
+            <a:picLocks noChangeAspect="1"/>
+          </p:cNvPicPr>
+          <p:nvPr/>
+        </p:nvPicPr>
+        <p:blipFill>
+          <a:blip r:embed="rId3"/>
+          <a:stretch>
+            <a:fillRect/>
+          </a:stretch>
+        </p:blipFill>
+        <p:spPr>
+          <a:xfrm>
+            <a:off x="257690" y="6244480"/>
+            <a:ext cx="1323975" cy="409575"/>
+          </a:xfrm>
+          <a:prstGeom prst="rect">
+            <a:avLst/>
+          </a:prstGeom>
+        </p:spPr>
+      </p:pic>
+      <p:sp>
+        <p:nvSpPr>
+          <p:cNvPr id="8" name="Espace réservé du pied de page 7"/>
+          <p:cNvSpPr>
+            <a:spLocks noGrp="1"/>
+          </p:cNvSpPr>
+          <p:nvPr>
+            <p:ph type="ftr" sz="quarter" idx="11"/>
+          </p:nvPr>
+        </p:nvSpPr>
+        <p:spPr/>
+        <p:txBody>
+          <a:bodyPr/>
+          <a:lstStyle/>
+          <a:p>
+            <a:r>
+              <a:rPr lang="fr-FR" dirty="0"/>
+              <a:t>VAUBOURG Mandel          CHAMPAULT Quentin</a:t>
+            </a:r>
+            <a:endParaRPr lang="en-US" dirty="0"/>
+          </a:p>
+        </p:txBody>
+      </p:sp>
+      <p:sp>
+        <p:nvSpPr>
+          <p:cNvPr id="9" name="Espace réservé du numéro de diapositive 8"/>
+          <p:cNvSpPr>
+            <a:spLocks noGrp="1"/>
+          </p:cNvSpPr>
+          <p:nvPr>
+            <p:ph type="sldNum" sz="quarter" idx="12"/>
+          </p:nvPr>
+        </p:nvSpPr>
+        <p:spPr/>
+        <p:txBody>
+          <a:bodyPr/>
+          <a:lstStyle/>
+          <a:p>
+            <a:fld id="{875A9697-78C3-4880-8D51-4C990C6F0385}" type="slidenum">
+              <a:rPr lang="en-US" smtClean="0"/>
+              <a:t>11</a:t>
+            </a:fld>
+            <a:endParaRPr lang="en-US" dirty="0"/>
+          </a:p>
+        </p:txBody>
+      </p:sp>
+      <p:sp>
+        <p:nvSpPr>
+          <p:cNvPr id="10" name="ZoneTexte 9"/>
+          <p:cNvSpPr txBox="1"/>
+          <p:nvPr/>
+        </p:nvSpPr>
+        <p:spPr>
+          <a:xfrm>
+            <a:off x="10610335" y="337751"/>
+            <a:ext cx="1581665" cy="369332"/>
+          </a:xfrm>
+          <a:prstGeom prst="rect">
+            <a:avLst/>
+          </a:prstGeom>
+          <a:noFill/>
+        </p:spPr>
+        <p:txBody>
+          <a:bodyPr wrap="square" rtlCol="0">
+            <a:spAutoFit/>
+          </a:bodyPr>
+          <a:lstStyle/>
+          <a:p>
+            <a:r>
+              <a:rPr lang="fr-FR" dirty="0">
+                <a:solidFill>
+                  <a:srgbClr val="FF0000"/>
+                </a:solidFill>
+              </a:rPr>
+              <a:t>Système projet</a:t>
+            </a:r>
+          </a:p>
+        </p:txBody>
+      </p:sp>
+      <p:sp>
+        <p:nvSpPr>
+          <p:cNvPr id="13" name="Rectangle 12"/>
+          <p:cNvSpPr/>
+          <p:nvPr/>
+        </p:nvSpPr>
+        <p:spPr>
+          <a:xfrm>
+            <a:off x="6586974" y="1591833"/>
+            <a:ext cx="4023361" cy="838629"/>
+          </a:xfrm>
+          <a:prstGeom prst="rect">
+            <a:avLst/>
+          </a:prstGeom>
+          <a:solidFill>
+            <a:schemeClr val="accent2"/>
+          </a:solidFill>
+        </p:spPr>
+        <p:style>
+          <a:lnRef idx="2">
+            <a:schemeClr val="accent1">
+              <a:shade val="50000"/>
+            </a:schemeClr>
+          </a:lnRef>
+          <a:fillRef idx="1">
+            <a:schemeClr val="accent1"/>
+          </a:fillRef>
+          <a:effectRef idx="0">
+            <a:schemeClr val="accent1"/>
+          </a:effectRef>
+          <a:fontRef idx="minor">
+            <a:schemeClr val="lt1"/>
+          </a:fontRef>
+        </p:style>
+        <p:txBody>
+          <a:bodyPr rtlCol="0" anchor="ctr"/>
+          <a:lstStyle/>
+          <a:p>
+            <a:pPr algn="ctr"/>
+            <a:r>
+              <a:rPr lang="fr-FR" dirty="0"/>
+              <a:t>Récupère le tableau virtuel crée juste avant et le fichier PBM a inclure</a:t>
+            </a:r>
+          </a:p>
+        </p:txBody>
+      </p:sp>
+      <p:sp>
+        <p:nvSpPr>
+          <p:cNvPr id="14" name="Rectangle 13"/>
+          <p:cNvSpPr/>
+          <p:nvPr/>
+        </p:nvSpPr>
+        <p:spPr>
+          <a:xfrm>
+            <a:off x="6586973" y="2748693"/>
+            <a:ext cx="4023361" cy="838629"/>
+          </a:xfrm>
+          <a:prstGeom prst="rect">
+            <a:avLst/>
+          </a:prstGeom>
+          <a:solidFill>
+            <a:schemeClr val="accent2"/>
+          </a:solidFill>
+        </p:spPr>
+        <p:style>
+          <a:lnRef idx="2">
+            <a:schemeClr val="accent1">
+              <a:shade val="50000"/>
+            </a:schemeClr>
+          </a:lnRef>
+          <a:fillRef idx="1">
+            <a:schemeClr val="accent1"/>
+          </a:fillRef>
+          <a:effectRef idx="0">
+            <a:schemeClr val="accent1"/>
+          </a:effectRef>
+          <a:fontRef idx="minor">
+            <a:schemeClr val="lt1"/>
+          </a:fontRef>
+        </p:style>
+        <p:txBody>
+          <a:bodyPr rtlCol="0" anchor="ctr"/>
+          <a:lstStyle/>
+          <a:p>
+            <a:pPr algn="ctr"/>
+            <a:r>
+              <a:rPr lang="fr-FR" dirty="0"/>
+              <a:t>Calcul de la taille d’un pixel a afficher</a:t>
+            </a:r>
+          </a:p>
+        </p:txBody>
+      </p:sp>
+      <p:sp>
+        <p:nvSpPr>
+          <p:cNvPr id="19" name="Rectangle 18"/>
+          <p:cNvSpPr/>
+          <p:nvPr/>
+        </p:nvSpPr>
+        <p:spPr>
+          <a:xfrm>
+            <a:off x="6586973" y="3911317"/>
+            <a:ext cx="4023361" cy="838629"/>
+          </a:xfrm>
+          <a:prstGeom prst="rect">
+            <a:avLst/>
+          </a:prstGeom>
+          <a:solidFill>
+            <a:schemeClr val="accent2"/>
+          </a:solidFill>
+        </p:spPr>
+        <p:style>
+          <a:lnRef idx="2">
+            <a:schemeClr val="accent1">
+              <a:shade val="50000"/>
+            </a:schemeClr>
+          </a:lnRef>
+          <a:fillRef idx="1">
+            <a:schemeClr val="accent1"/>
+          </a:fillRef>
+          <a:effectRef idx="0">
+            <a:schemeClr val="accent1"/>
+          </a:effectRef>
+          <a:fontRef idx="minor">
+            <a:schemeClr val="lt1"/>
+          </a:fontRef>
+        </p:style>
+        <p:txBody>
+          <a:bodyPr rtlCol="0" anchor="ctr"/>
+          <a:lstStyle/>
+          <a:p>
+            <a:pPr algn="ctr"/>
+            <a:r>
+              <a:rPr lang="fr-FR" dirty="0"/>
+              <a:t>Lecture du fichier PBM et impression dans le tableau virtuel</a:t>
+            </a:r>
+          </a:p>
+        </p:txBody>
+      </p:sp>
+      <p:sp>
+        <p:nvSpPr>
+          <p:cNvPr id="20" name="Rectangle 19"/>
+          <p:cNvSpPr/>
+          <p:nvPr/>
+        </p:nvSpPr>
+        <p:spPr>
+          <a:xfrm>
+            <a:off x="1386245" y="3911317"/>
+            <a:ext cx="4023361" cy="838629"/>
+          </a:xfrm>
+          <a:prstGeom prst="rect">
+            <a:avLst/>
+          </a:prstGeom>
+          <a:solidFill>
+            <a:schemeClr val="accent2"/>
+          </a:solidFill>
+        </p:spPr>
+        <p:style>
+          <a:lnRef idx="2">
+            <a:schemeClr val="accent1">
+              <a:shade val="50000"/>
+            </a:schemeClr>
+          </a:lnRef>
+          <a:fillRef idx="1">
+            <a:schemeClr val="accent1"/>
+          </a:fillRef>
+          <a:effectRef idx="0">
+            <a:schemeClr val="accent1"/>
+          </a:effectRef>
+          <a:fontRef idx="minor">
+            <a:schemeClr val="lt1"/>
+          </a:fontRef>
+        </p:style>
+        <p:txBody>
+          <a:bodyPr rtlCol="0" anchor="ctr"/>
+          <a:lstStyle/>
+          <a:p>
+            <a:pPr algn="ctr"/>
+            <a:r>
+              <a:rPr lang="fr-FR" dirty="0"/>
+              <a:t>Utilisation de curseur pour centrer l’image et ne pas écraser les pixels écrits</a:t>
+            </a:r>
+          </a:p>
+        </p:txBody>
+      </p:sp>
+      <p:cxnSp>
+        <p:nvCxnSpPr>
+          <p:cNvPr id="22" name="Connecteur droit avec flèche 21"/>
+          <p:cNvCxnSpPr>
+            <a:stCxn id="20" idx="3"/>
+            <a:endCxn id="19" idx="1"/>
+          </p:cNvCxnSpPr>
+          <p:nvPr/>
+        </p:nvCxnSpPr>
+        <p:spPr>
+          <a:xfrm>
+            <a:off x="5409606" y="4330632"/>
+            <a:ext cx="1177367" cy="0"/>
+          </a:xfrm>
+          <a:prstGeom prst="straightConnector1">
+            <a:avLst/>
+          </a:prstGeom>
+          <a:ln w="63500">
+            <a:headEnd type="triangle"/>
+            <a:tailEnd type="triangle"/>
+          </a:ln>
+        </p:spPr>
+        <p:style>
+          <a:lnRef idx="1">
+            <a:schemeClr val="accent1"/>
+          </a:lnRef>
+          <a:fillRef idx="0">
+            <a:schemeClr val="accent1"/>
+          </a:fillRef>
+          <a:effectRef idx="0">
+            <a:schemeClr val="accent1"/>
+          </a:effectRef>
+          <a:fontRef idx="minor">
+            <a:schemeClr val="tx1"/>
+          </a:fontRef>
+        </p:style>
+      </p:cxnSp>
+      <p:cxnSp>
+        <p:nvCxnSpPr>
+          <p:cNvPr id="24" name="Connecteur droit avec flèche 23"/>
+          <p:cNvCxnSpPr>
+            <a:stCxn id="13" idx="2"/>
+            <a:endCxn id="14" idx="0"/>
+          </p:cNvCxnSpPr>
+          <p:nvPr/>
+        </p:nvCxnSpPr>
+        <p:spPr>
+          <a:xfrm flipH="1">
+            <a:off x="8598654" y="2430462"/>
+            <a:ext cx="1" cy="318231"/>
+          </a:xfrm>
+          <a:prstGeom prst="straightConnector1">
+            <a:avLst/>
+          </a:prstGeom>
+          <a:ln w="63500">
+            <a:tailEnd type="triangle"/>
+          </a:ln>
+        </p:spPr>
+        <p:style>
+          <a:lnRef idx="1">
+            <a:schemeClr val="accent1"/>
+          </a:lnRef>
+          <a:fillRef idx="0">
+            <a:schemeClr val="accent1"/>
+          </a:fillRef>
+          <a:effectRef idx="0">
+            <a:schemeClr val="accent1"/>
+          </a:effectRef>
+          <a:fontRef idx="minor">
+            <a:schemeClr val="tx1"/>
+          </a:fontRef>
+        </p:style>
+      </p:cxnSp>
+      <p:cxnSp>
+        <p:nvCxnSpPr>
+          <p:cNvPr id="26" name="Connecteur droit avec flèche 25"/>
+          <p:cNvCxnSpPr>
+            <a:cxnSpLocks/>
+            <a:stCxn id="14" idx="2"/>
+            <a:endCxn id="19" idx="0"/>
+          </p:cNvCxnSpPr>
+          <p:nvPr/>
+        </p:nvCxnSpPr>
+        <p:spPr>
+          <a:xfrm>
+            <a:off x="8598654" y="3587322"/>
+            <a:ext cx="0" cy="323995"/>
+          </a:xfrm>
+          <a:prstGeom prst="straightConnector1">
+            <a:avLst/>
+          </a:prstGeom>
+          <a:ln w="63500">
+            <a:tailEnd type="triangle"/>
+          </a:ln>
+        </p:spPr>
+        <p:style>
+          <a:lnRef idx="1">
+            <a:schemeClr val="accent1"/>
+          </a:lnRef>
+          <a:fillRef idx="0">
+            <a:schemeClr val="accent1"/>
+          </a:fillRef>
+          <a:effectRef idx="0">
+            <a:schemeClr val="accent1"/>
+          </a:effectRef>
+          <a:fontRef idx="minor">
+            <a:schemeClr val="tx1"/>
+          </a:fontRef>
+        </p:style>
+      </p:cxnSp>
+      <p:sp>
+        <p:nvSpPr>
+          <p:cNvPr id="28" name="ZoneTexte 27"/>
+          <p:cNvSpPr txBox="1"/>
+          <p:nvPr/>
+        </p:nvSpPr>
+        <p:spPr>
+          <a:xfrm>
+            <a:off x="1030514" y="1591833"/>
+            <a:ext cx="2902857" cy="1200329"/>
+          </a:xfrm>
+          <a:prstGeom prst="rect">
+            <a:avLst/>
+          </a:prstGeom>
+          <a:noFill/>
+        </p:spPr>
+        <p:txBody>
+          <a:bodyPr wrap="square" rtlCol="0">
+            <a:spAutoFit/>
+          </a:bodyPr>
+          <a:lstStyle/>
+          <a:p>
+            <a:r>
+              <a:rPr lang="fr-FR" sz="2400" u="sng" dirty="0">
+                <a:solidFill>
+                  <a:srgbClr val="FF0000"/>
+                </a:solidFill>
+              </a:rPr>
+              <a:t>Sécurité :</a:t>
+            </a:r>
+            <a:r>
+              <a:rPr lang="fr-FR" sz="2400" dirty="0">
+                <a:solidFill>
+                  <a:srgbClr val="FF0000"/>
+                </a:solidFill>
+              </a:rPr>
+              <a:t> On fixe la valeur minimale d’un pixel a 1. </a:t>
+            </a:r>
+            <a:endParaRPr lang="fr-FR" sz="2400" u="sng" dirty="0">
+              <a:solidFill>
+                <a:srgbClr val="FF0000"/>
+              </a:solidFill>
+            </a:endParaRPr>
+          </a:p>
+        </p:txBody>
+      </p:sp>
+      <p:cxnSp>
+        <p:nvCxnSpPr>
+          <p:cNvPr id="30" name="Connecteur droit avec flèche 29"/>
+          <p:cNvCxnSpPr>
+            <a:stCxn id="14" idx="1"/>
+            <a:endCxn id="28" idx="3"/>
+          </p:cNvCxnSpPr>
+          <p:nvPr/>
+        </p:nvCxnSpPr>
+        <p:spPr>
+          <a:xfrm flipH="1" flipV="1">
+            <a:off x="3933371" y="2191998"/>
+            <a:ext cx="2653602" cy="976010"/>
+          </a:xfrm>
+          <a:prstGeom prst="straightConnector1">
+            <a:avLst/>
+          </a:prstGeom>
+          <a:ln w="63500">
+            <a:solidFill>
+              <a:srgbClr val="FF0000"/>
+            </a:solidFill>
+            <a:tailEnd type="triangle"/>
+          </a:ln>
+        </p:spPr>
+        <p:style>
+          <a:lnRef idx="1">
+            <a:schemeClr val="accent1"/>
+          </a:lnRef>
+          <a:fillRef idx="0">
+            <a:schemeClr val="accent1"/>
+          </a:fillRef>
+          <a:effectRef idx="0">
+            <a:schemeClr val="accent1"/>
+          </a:effectRef>
+          <a:fontRef idx="minor">
+            <a:schemeClr val="tx1"/>
+          </a:fontRef>
+        </p:style>
+      </p:cxnSp>
+    </p:spTree>
+    <p:extLst>
+      <p:ext uri="{BB962C8B-B14F-4D97-AF65-F5344CB8AC3E}">
+        <p14:creationId xmlns:p14="http://schemas.microsoft.com/office/powerpoint/2010/main" val="1471113672"/>
+      </p:ext>
+    </p:extLst>
+  </p:cSld>
+  <p:clrMapOvr>
+    <a:masterClrMapping/>
+  </p:clrMapOvr>
+</p:sld>
+</file>
+
+<file path=ppt/slides/slide12.xml><?xml version="1.0" encoding="utf-8"?>
+<p:sld xmlns:a="http://schemas.openxmlformats.org/drawingml/2006/main" xmlns:r="http://schemas.openxmlformats.org/officeDocument/2006/relationships" xmlns:p="http://schemas.openxmlformats.org/presentationml/2006/main">
+  <p:cSld>
+    <p:spTree>
+      <p:nvGrpSpPr>
+        <p:cNvPr id="1" name=""/>
+        <p:cNvGrpSpPr/>
+        <p:nvPr/>
+      </p:nvGrpSpPr>
+      <p:grpSpPr>
+        <a:xfrm>
+          <a:off x="0" y="0"/>
+          <a:ext cx="0" cy="0"/>
+          <a:chOff x="0" y="0"/>
+          <a:chExt cx="0" cy="0"/>
+        </a:xfrm>
+      </p:grpSpPr>
+      <p:sp>
+        <p:nvSpPr>
+          <p:cNvPr id="2" name="Title 1"/>
+          <p:cNvSpPr>
+            <a:spLocks noGrp="1"/>
+          </p:cNvSpPr>
+          <p:nvPr>
+            <p:ph type="ctrTitle"/>
+          </p:nvPr>
+        </p:nvSpPr>
+        <p:spPr>
+          <a:xfrm>
+            <a:off x="1581665" y="337751"/>
+            <a:ext cx="9144000" cy="916331"/>
+          </a:xfrm>
+        </p:spPr>
+        <p:txBody>
+          <a:bodyPr>
+            <a:normAutofit/>
+          </a:bodyPr>
+          <a:lstStyle/>
+          <a:p>
+            <a:r>
+              <a:rPr lang="fr-FR" sz="3600" b="1" dirty="0">
+                <a:solidFill>
+                  <a:srgbClr val="FF0000"/>
+                </a:solidFill>
+              </a:rPr>
+              <a:t>Affichage</a:t>
+            </a:r>
+            <a:endParaRPr lang="fr-FR" sz="3200" b="1" dirty="0">
+              <a:solidFill>
+                <a:srgbClr val="FF0000"/>
+              </a:solidFill>
+            </a:endParaRPr>
+          </a:p>
+        </p:txBody>
+      </p:sp>
+      <p:pic>
+        <p:nvPicPr>
+          <p:cNvPr id="4" name="Picture 3"/>
+          <p:cNvPicPr>
+            <a:picLocks noChangeAspect="1"/>
+          </p:cNvPicPr>
+          <p:nvPr/>
+        </p:nvPicPr>
+        <p:blipFill>
+          <a:blip r:embed="rId2">
+            <a:extLst>
+              <a:ext uri="{28A0092B-C50C-407E-A947-70E740481C1C}">
+                <a14:useLocalDpi xmlns:a14="http://schemas.microsoft.com/office/drawing/2010/main" val="0"/>
+              </a:ext>
+            </a:extLst>
+          </a:blip>
+          <a:stretch>
+            <a:fillRect/>
+          </a:stretch>
+        </p:blipFill>
+        <p:spPr>
+          <a:xfrm>
+            <a:off x="404298" y="463507"/>
+            <a:ext cx="1514475" cy="790575"/>
+          </a:xfrm>
+          <a:prstGeom prst="rect">
+            <a:avLst/>
+          </a:prstGeom>
+        </p:spPr>
+      </p:pic>
+      <p:sp>
+        <p:nvSpPr>
+          <p:cNvPr id="5" name="Rectangle 4"/>
+          <p:cNvSpPr/>
+          <p:nvPr/>
+        </p:nvSpPr>
+        <p:spPr>
+          <a:xfrm>
+            <a:off x="0" y="0"/>
+            <a:ext cx="12192000" cy="337751"/>
+          </a:xfrm>
+          <a:prstGeom prst="rect">
+            <a:avLst/>
+          </a:prstGeom>
+          <a:solidFill>
+            <a:srgbClr val="FF0000"/>
+          </a:solidFill>
+          <a:effectLst/>
+        </p:spPr>
+        <p:style>
+          <a:lnRef idx="2">
+            <a:schemeClr val="accent1">
+              <a:shade val="50000"/>
+            </a:schemeClr>
+          </a:lnRef>
+          <a:fillRef idx="1">
+            <a:schemeClr val="accent1"/>
+          </a:fillRef>
+          <a:effectRef idx="0">
+            <a:schemeClr val="accent1"/>
+          </a:effectRef>
+          <a:fontRef idx="minor">
+            <a:schemeClr val="lt1"/>
+          </a:fontRef>
+        </p:style>
+        <p:txBody>
+          <a:bodyPr rtlCol="0" anchor="ctr"/>
+          <a:lstStyle/>
+          <a:p>
+            <a:pPr algn="ctr"/>
+            <a:endParaRPr lang="en-US" dirty="0"/>
+          </a:p>
+        </p:txBody>
+      </p:sp>
+      <p:pic>
+        <p:nvPicPr>
+          <p:cNvPr id="6" name="Image 5"/>
+          <p:cNvPicPr>
+            <a:picLocks noChangeAspect="1"/>
+          </p:cNvPicPr>
+          <p:nvPr/>
+        </p:nvPicPr>
+        <p:blipFill>
+          <a:blip r:embed="rId3"/>
+          <a:stretch>
+            <a:fillRect/>
+          </a:stretch>
+        </p:blipFill>
+        <p:spPr>
+          <a:xfrm>
+            <a:off x="257690" y="6244480"/>
+            <a:ext cx="1323975" cy="409575"/>
+          </a:xfrm>
+          <a:prstGeom prst="rect">
+            <a:avLst/>
+          </a:prstGeom>
+        </p:spPr>
+      </p:pic>
+      <p:sp>
+        <p:nvSpPr>
+          <p:cNvPr id="8" name="Espace réservé du pied de page 7"/>
+          <p:cNvSpPr>
+            <a:spLocks noGrp="1"/>
+          </p:cNvSpPr>
+          <p:nvPr>
+            <p:ph type="ftr" sz="quarter" idx="11"/>
+          </p:nvPr>
+        </p:nvSpPr>
+        <p:spPr/>
+        <p:txBody>
+          <a:bodyPr/>
+          <a:lstStyle/>
+          <a:p>
+            <a:r>
+              <a:rPr lang="fr-FR" dirty="0"/>
+              <a:t>VAUBOURG Mandel          CHAMPAULT Quentin</a:t>
+            </a:r>
+            <a:endParaRPr lang="en-US" dirty="0"/>
+          </a:p>
+        </p:txBody>
+      </p:sp>
+      <p:sp>
+        <p:nvSpPr>
+          <p:cNvPr id="9" name="Espace réservé du numéro de diapositive 8"/>
+          <p:cNvSpPr>
+            <a:spLocks noGrp="1"/>
+          </p:cNvSpPr>
+          <p:nvPr>
+            <p:ph type="sldNum" sz="quarter" idx="12"/>
+          </p:nvPr>
+        </p:nvSpPr>
+        <p:spPr/>
+        <p:txBody>
+          <a:bodyPr/>
+          <a:lstStyle/>
+          <a:p>
+            <a:fld id="{875A9697-78C3-4880-8D51-4C990C6F0385}" type="slidenum">
+              <a:rPr lang="en-US" smtClean="0"/>
+              <a:t>12</a:t>
+            </a:fld>
+            <a:endParaRPr lang="en-US" dirty="0"/>
+          </a:p>
+        </p:txBody>
+      </p:sp>
+      <p:sp>
+        <p:nvSpPr>
+          <p:cNvPr id="10" name="ZoneTexte 9"/>
+          <p:cNvSpPr txBox="1"/>
+          <p:nvPr/>
+        </p:nvSpPr>
+        <p:spPr>
+          <a:xfrm>
+            <a:off x="10610335" y="337751"/>
+            <a:ext cx="1581665" cy="369332"/>
+          </a:xfrm>
+          <a:prstGeom prst="rect">
+            <a:avLst/>
+          </a:prstGeom>
+          <a:noFill/>
+        </p:spPr>
+        <p:txBody>
+          <a:bodyPr wrap="square" rtlCol="0">
+            <a:spAutoFit/>
+          </a:bodyPr>
+          <a:lstStyle/>
+          <a:p>
+            <a:r>
+              <a:rPr lang="fr-FR" dirty="0">
+                <a:solidFill>
+                  <a:srgbClr val="FF0000"/>
+                </a:solidFill>
+              </a:rPr>
+              <a:t>Système projet</a:t>
+            </a:r>
+          </a:p>
+        </p:txBody>
+      </p:sp>
+      <p:pic>
+        <p:nvPicPr>
+          <p:cNvPr id="11" name="Image 10"/>
+          <p:cNvPicPr/>
+          <p:nvPr/>
+        </p:nvPicPr>
+        <p:blipFill>
+          <a:blip r:embed="rId4"/>
+          <a:stretch>
+            <a:fillRect/>
+          </a:stretch>
+        </p:blipFill>
+        <p:spPr>
+          <a:xfrm>
+            <a:off x="257690" y="1769292"/>
+            <a:ext cx="3780910" cy="483710"/>
+          </a:xfrm>
+          <a:prstGeom prst="rect">
+            <a:avLst/>
+          </a:prstGeom>
+        </p:spPr>
+      </p:pic>
+      <p:sp>
+        <p:nvSpPr>
+          <p:cNvPr id="12" name="Rectangle 11"/>
+          <p:cNvSpPr/>
+          <p:nvPr/>
+        </p:nvSpPr>
+        <p:spPr>
+          <a:xfrm>
+            <a:off x="6586974" y="1591833"/>
+            <a:ext cx="4023361" cy="838629"/>
+          </a:xfrm>
+          <a:prstGeom prst="rect">
+            <a:avLst/>
+          </a:prstGeom>
+          <a:solidFill>
+            <a:schemeClr val="accent2"/>
+          </a:solidFill>
+        </p:spPr>
+        <p:style>
+          <a:lnRef idx="2">
+            <a:schemeClr val="accent1">
+              <a:shade val="50000"/>
+            </a:schemeClr>
+          </a:lnRef>
+          <a:fillRef idx="1">
+            <a:schemeClr val="accent1"/>
+          </a:fillRef>
+          <a:effectRef idx="0">
+            <a:schemeClr val="accent1"/>
+          </a:effectRef>
+          <a:fontRef idx="minor">
+            <a:schemeClr val="lt1"/>
+          </a:fontRef>
+        </p:style>
+        <p:txBody>
+          <a:bodyPr rtlCol="0" anchor="ctr"/>
+          <a:lstStyle/>
+          <a:p>
+            <a:pPr algn="ctr"/>
+            <a:r>
+              <a:rPr lang="fr-FR" dirty="0"/>
+              <a:t>Récupère l’adresse du tableau virtuel</a:t>
+            </a:r>
+          </a:p>
+        </p:txBody>
+      </p:sp>
+      <p:sp>
+        <p:nvSpPr>
+          <p:cNvPr id="13" name="Rectangle 12"/>
+          <p:cNvSpPr/>
+          <p:nvPr/>
+        </p:nvSpPr>
+        <p:spPr>
+          <a:xfrm>
+            <a:off x="6586973" y="2768213"/>
+            <a:ext cx="4023361" cy="838629"/>
+          </a:xfrm>
+          <a:prstGeom prst="rect">
+            <a:avLst/>
+          </a:prstGeom>
+          <a:solidFill>
+            <a:schemeClr val="accent2"/>
+          </a:solidFill>
+        </p:spPr>
+        <p:style>
+          <a:lnRef idx="2">
+            <a:schemeClr val="accent1">
+              <a:shade val="50000"/>
+            </a:schemeClr>
+          </a:lnRef>
+          <a:fillRef idx="1">
+            <a:schemeClr val="accent1"/>
+          </a:fillRef>
+          <a:effectRef idx="0">
+            <a:schemeClr val="accent1"/>
+          </a:effectRef>
+          <a:fontRef idx="minor">
+            <a:schemeClr val="lt1"/>
+          </a:fontRef>
+        </p:style>
+        <p:txBody>
+          <a:bodyPr rtlCol="0" anchor="ctr"/>
+          <a:lstStyle/>
+          <a:p>
+            <a:pPr algn="ctr"/>
+            <a:r>
+              <a:rPr lang="fr-FR" dirty="0"/>
+              <a:t>On va centrer le tableau virtuel avec la taille du </a:t>
+            </a:r>
+            <a:r>
+              <a:rPr lang="fr-FR" dirty="0" err="1"/>
+              <a:t>shell</a:t>
+            </a:r>
+            <a:endParaRPr lang="fr-FR" dirty="0"/>
+          </a:p>
+        </p:txBody>
+      </p:sp>
+      <p:sp>
+        <p:nvSpPr>
+          <p:cNvPr id="14" name="Rectangle 13"/>
+          <p:cNvSpPr/>
+          <p:nvPr/>
+        </p:nvSpPr>
+        <p:spPr>
+          <a:xfrm>
+            <a:off x="6586973" y="3944593"/>
+            <a:ext cx="4023361" cy="838629"/>
+          </a:xfrm>
+          <a:prstGeom prst="rect">
+            <a:avLst/>
+          </a:prstGeom>
+          <a:solidFill>
+            <a:schemeClr val="accent2"/>
+          </a:solidFill>
+        </p:spPr>
+        <p:style>
+          <a:lnRef idx="2">
+            <a:schemeClr val="accent1">
+              <a:shade val="50000"/>
+            </a:schemeClr>
+          </a:lnRef>
+          <a:fillRef idx="1">
+            <a:schemeClr val="accent1"/>
+          </a:fillRef>
+          <a:effectRef idx="0">
+            <a:schemeClr val="accent1"/>
+          </a:effectRef>
+          <a:fontRef idx="minor">
+            <a:schemeClr val="lt1"/>
+          </a:fontRef>
+        </p:style>
+        <p:txBody>
+          <a:bodyPr rtlCol="0" anchor="ctr"/>
+          <a:lstStyle/>
+          <a:p>
+            <a:pPr algn="ctr"/>
+            <a:r>
+              <a:rPr lang="fr-FR" dirty="0"/>
+              <a:t>Lecture des données du tableau et impression</a:t>
+            </a:r>
+          </a:p>
+        </p:txBody>
+      </p:sp>
+      <p:cxnSp>
+        <p:nvCxnSpPr>
+          <p:cNvPr id="15" name="Connecteur droit avec flèche 14"/>
+          <p:cNvCxnSpPr>
+            <a:cxnSpLocks/>
+            <a:stCxn id="12" idx="2"/>
+            <a:endCxn id="13" idx="0"/>
+          </p:cNvCxnSpPr>
+          <p:nvPr/>
+        </p:nvCxnSpPr>
+        <p:spPr>
+          <a:xfrm flipH="1">
+            <a:off x="8598654" y="2430462"/>
+            <a:ext cx="1" cy="337751"/>
+          </a:xfrm>
+          <a:prstGeom prst="straightConnector1">
+            <a:avLst/>
+          </a:prstGeom>
+          <a:ln w="63500">
+            <a:tailEnd type="triangle"/>
+          </a:ln>
+        </p:spPr>
+        <p:style>
+          <a:lnRef idx="1">
+            <a:schemeClr val="accent1"/>
+          </a:lnRef>
+          <a:fillRef idx="0">
+            <a:schemeClr val="accent1"/>
+          </a:fillRef>
+          <a:effectRef idx="0">
+            <a:schemeClr val="accent1"/>
+          </a:effectRef>
+          <a:fontRef idx="minor">
+            <a:schemeClr val="tx1"/>
+          </a:fontRef>
+        </p:style>
+      </p:cxnSp>
+      <p:cxnSp>
+        <p:nvCxnSpPr>
+          <p:cNvPr id="16" name="Connecteur droit avec flèche 15"/>
+          <p:cNvCxnSpPr>
+            <a:cxnSpLocks/>
+            <a:stCxn id="13" idx="2"/>
+            <a:endCxn id="14" idx="0"/>
+          </p:cNvCxnSpPr>
+          <p:nvPr/>
+        </p:nvCxnSpPr>
+        <p:spPr>
+          <a:xfrm>
+            <a:off x="8598654" y="3606842"/>
+            <a:ext cx="0" cy="337751"/>
+          </a:xfrm>
+          <a:prstGeom prst="straightConnector1">
+            <a:avLst/>
+          </a:prstGeom>
+          <a:ln w="63500">
+            <a:tailEnd type="triangle"/>
+          </a:ln>
+        </p:spPr>
+        <p:style>
+          <a:lnRef idx="1">
+            <a:schemeClr val="accent1"/>
+          </a:lnRef>
+          <a:fillRef idx="0">
+            <a:schemeClr val="accent1"/>
+          </a:fillRef>
+          <a:effectRef idx="0">
+            <a:schemeClr val="accent1"/>
+          </a:effectRef>
+          <a:fontRef idx="minor">
+            <a:schemeClr val="tx1"/>
+          </a:fontRef>
+        </p:style>
+      </p:cxnSp>
+      <p:cxnSp>
+        <p:nvCxnSpPr>
+          <p:cNvPr id="21" name="Connecteur droit avec flèche 20"/>
+          <p:cNvCxnSpPr/>
+          <p:nvPr/>
+        </p:nvCxnSpPr>
+        <p:spPr>
+          <a:xfrm flipH="1">
+            <a:off x="8598654" y="2430462"/>
+            <a:ext cx="1" cy="318231"/>
+          </a:xfrm>
+          <a:prstGeom prst="straightConnector1">
+            <a:avLst/>
+          </a:prstGeom>
+          <a:ln w="63500">
+            <a:tailEnd type="triangle"/>
+          </a:ln>
+        </p:spPr>
+        <p:style>
+          <a:lnRef idx="1">
+            <a:schemeClr val="accent1"/>
+          </a:lnRef>
+          <a:fillRef idx="0">
+            <a:schemeClr val="accent1"/>
+          </a:fillRef>
+          <a:effectRef idx="0">
+            <a:schemeClr val="accent1"/>
+          </a:effectRef>
+          <a:fontRef idx="minor">
+            <a:schemeClr val="tx1"/>
+          </a:fontRef>
+        </p:style>
+      </p:cxnSp>
+      <p:pic>
+        <p:nvPicPr>
+          <p:cNvPr id="22" name="Image 21"/>
+          <p:cNvPicPr/>
+          <p:nvPr/>
+        </p:nvPicPr>
+        <p:blipFill>
+          <a:blip r:embed="rId5"/>
+          <a:stretch>
+            <a:fillRect/>
+          </a:stretch>
+        </p:blipFill>
+        <p:spPr>
+          <a:xfrm>
+            <a:off x="257690" y="2891708"/>
+            <a:ext cx="3832422" cy="591637"/>
+          </a:xfrm>
+          <a:prstGeom prst="rect">
+            <a:avLst/>
+          </a:prstGeom>
+        </p:spPr>
+      </p:pic>
+    </p:spTree>
+    <p:extLst>
+      <p:ext uri="{BB962C8B-B14F-4D97-AF65-F5344CB8AC3E}">
+        <p14:creationId xmlns:p14="http://schemas.microsoft.com/office/powerpoint/2010/main" val="2325125038"/>
+      </p:ext>
+    </p:extLst>
+  </p:cSld>
+  <p:clrMapOvr>
+    <a:masterClrMapping/>
+  </p:clrMapOvr>
+</p:sld>
+</file>
+
+<file path=ppt/slides/slide13.xml><?xml version="1.0" encoding="utf-8"?>
+<p:sld xmlns:a="http://schemas.openxmlformats.org/drawingml/2006/main" xmlns:r="http://schemas.openxmlformats.org/officeDocument/2006/relationships" xmlns:p="http://schemas.openxmlformats.org/presentationml/2006/main">
+  <p:cSld>
+    <p:spTree>
+      <p:nvGrpSpPr>
+        <p:cNvPr id="1" name=""/>
+        <p:cNvGrpSpPr/>
+        <p:nvPr/>
+      </p:nvGrpSpPr>
+      <p:grpSpPr>
+        <a:xfrm>
+          <a:off x="0" y="0"/>
+          <a:ext cx="0" cy="0"/>
+          <a:chOff x="0" y="0"/>
+          <a:chExt cx="0" cy="0"/>
+        </a:xfrm>
+      </p:grpSpPr>
+      <p:sp>
+        <p:nvSpPr>
+          <p:cNvPr id="2" name="Title 1"/>
+          <p:cNvSpPr>
+            <a:spLocks noGrp="1"/>
+          </p:cNvSpPr>
+          <p:nvPr>
+            <p:ph type="ctrTitle"/>
+          </p:nvPr>
+        </p:nvSpPr>
+        <p:spPr>
+          <a:xfrm>
+            <a:off x="1581665" y="337751"/>
+            <a:ext cx="9144000" cy="916331"/>
+          </a:xfrm>
+        </p:spPr>
+        <p:txBody>
+          <a:bodyPr>
+            <a:normAutofit/>
+          </a:bodyPr>
+          <a:lstStyle/>
+          <a:p>
+            <a:r>
+              <a:rPr lang="fr-FR" sz="3600" b="1" dirty="0">
+                <a:solidFill>
+                  <a:srgbClr val="FF0000"/>
+                </a:solidFill>
+              </a:rPr>
+              <a:t>Les écrans de veille</a:t>
+            </a:r>
+            <a:endParaRPr lang="fr-FR" sz="3200" b="1" dirty="0">
+              <a:solidFill>
+                <a:srgbClr val="FF0000"/>
+              </a:solidFill>
+            </a:endParaRPr>
+          </a:p>
+        </p:txBody>
+      </p:sp>
+      <p:pic>
+        <p:nvPicPr>
+          <p:cNvPr id="4" name="Picture 3"/>
+          <p:cNvPicPr>
+            <a:picLocks noChangeAspect="1"/>
+          </p:cNvPicPr>
+          <p:nvPr/>
+        </p:nvPicPr>
+        <p:blipFill>
+          <a:blip r:embed="rId2">
+            <a:extLst>
+              <a:ext uri="{28A0092B-C50C-407E-A947-70E740481C1C}">
+                <a14:useLocalDpi xmlns:a14="http://schemas.microsoft.com/office/drawing/2010/main" val="0"/>
+              </a:ext>
+            </a:extLst>
+          </a:blip>
+          <a:stretch>
+            <a:fillRect/>
+          </a:stretch>
+        </p:blipFill>
+        <p:spPr>
+          <a:xfrm>
+            <a:off x="404298" y="463507"/>
+            <a:ext cx="1514475" cy="790575"/>
+          </a:xfrm>
+          <a:prstGeom prst="rect">
+            <a:avLst/>
+          </a:prstGeom>
+        </p:spPr>
+      </p:pic>
+      <p:sp>
+        <p:nvSpPr>
+          <p:cNvPr id="5" name="Rectangle 4"/>
+          <p:cNvSpPr/>
+          <p:nvPr/>
+        </p:nvSpPr>
+        <p:spPr>
+          <a:xfrm>
+            <a:off x="0" y="0"/>
+            <a:ext cx="12192000" cy="337751"/>
+          </a:xfrm>
+          <a:prstGeom prst="rect">
+            <a:avLst/>
+          </a:prstGeom>
+          <a:solidFill>
+            <a:srgbClr val="FF0000"/>
+          </a:solidFill>
+          <a:effectLst/>
+        </p:spPr>
+        <p:style>
+          <a:lnRef idx="2">
+            <a:schemeClr val="accent1">
+              <a:shade val="50000"/>
+            </a:schemeClr>
+          </a:lnRef>
+          <a:fillRef idx="1">
+            <a:schemeClr val="accent1"/>
+          </a:fillRef>
+          <a:effectRef idx="0">
+            <a:schemeClr val="accent1"/>
+          </a:effectRef>
+          <a:fontRef idx="minor">
+            <a:schemeClr val="lt1"/>
+          </a:fontRef>
+        </p:style>
+        <p:txBody>
+          <a:bodyPr rtlCol="0" anchor="ctr"/>
+          <a:lstStyle/>
+          <a:p>
+            <a:pPr algn="ctr"/>
+            <a:endParaRPr lang="en-US" dirty="0"/>
+          </a:p>
+        </p:txBody>
+      </p:sp>
+      <p:pic>
+        <p:nvPicPr>
+          <p:cNvPr id="6" name="Image 5"/>
+          <p:cNvPicPr>
+            <a:picLocks noChangeAspect="1"/>
+          </p:cNvPicPr>
+          <p:nvPr/>
+        </p:nvPicPr>
+        <p:blipFill>
+          <a:blip r:embed="rId3"/>
+          <a:stretch>
+            <a:fillRect/>
+          </a:stretch>
+        </p:blipFill>
+        <p:spPr>
+          <a:xfrm>
+            <a:off x="257690" y="6244480"/>
+            <a:ext cx="1323975" cy="409575"/>
+          </a:xfrm>
+          <a:prstGeom prst="rect">
+            <a:avLst/>
+          </a:prstGeom>
+        </p:spPr>
+      </p:pic>
+      <p:sp>
+        <p:nvSpPr>
+          <p:cNvPr id="8" name="Espace réservé du pied de page 7"/>
+          <p:cNvSpPr>
+            <a:spLocks noGrp="1"/>
+          </p:cNvSpPr>
+          <p:nvPr>
+            <p:ph type="ftr" sz="quarter" idx="11"/>
+          </p:nvPr>
+        </p:nvSpPr>
+        <p:spPr/>
+        <p:txBody>
+          <a:bodyPr/>
+          <a:lstStyle/>
+          <a:p>
+            <a:r>
+              <a:rPr lang="fr-FR" dirty="0"/>
+              <a:t>VAUBOURG Mandel          CHAMPAULT Quentin</a:t>
+            </a:r>
+            <a:endParaRPr lang="en-US" dirty="0"/>
+          </a:p>
+        </p:txBody>
+      </p:sp>
+      <p:sp>
+        <p:nvSpPr>
+          <p:cNvPr id="9" name="Espace réservé du numéro de diapositive 8"/>
+          <p:cNvSpPr>
+            <a:spLocks noGrp="1"/>
+          </p:cNvSpPr>
+          <p:nvPr>
+            <p:ph type="sldNum" sz="quarter" idx="12"/>
+          </p:nvPr>
+        </p:nvSpPr>
+        <p:spPr/>
+        <p:txBody>
+          <a:bodyPr/>
+          <a:lstStyle/>
+          <a:p>
+            <a:fld id="{875A9697-78C3-4880-8D51-4C990C6F0385}" type="slidenum">
+              <a:rPr lang="en-US" smtClean="0"/>
+              <a:t>13</a:t>
+            </a:fld>
+            <a:endParaRPr lang="en-US" dirty="0"/>
+          </a:p>
+        </p:txBody>
+      </p:sp>
+      <p:sp>
+        <p:nvSpPr>
+          <p:cNvPr id="10" name="ZoneTexte 9"/>
+          <p:cNvSpPr txBox="1"/>
+          <p:nvPr/>
+        </p:nvSpPr>
+        <p:spPr>
+          <a:xfrm>
+            <a:off x="10610335" y="337751"/>
+            <a:ext cx="1581665" cy="369332"/>
+          </a:xfrm>
+          <a:prstGeom prst="rect">
+            <a:avLst/>
+          </a:prstGeom>
+          <a:noFill/>
+        </p:spPr>
+        <p:txBody>
+          <a:bodyPr wrap="square" rtlCol="0">
+            <a:spAutoFit/>
+          </a:bodyPr>
+          <a:lstStyle/>
+          <a:p>
+            <a:r>
+              <a:rPr lang="fr-FR" dirty="0">
+                <a:solidFill>
+                  <a:srgbClr val="FF0000"/>
+                </a:solidFill>
+              </a:rPr>
+              <a:t>Système projet</a:t>
+            </a:r>
+          </a:p>
+        </p:txBody>
+      </p:sp>
+      <p:sp>
+        <p:nvSpPr>
+          <p:cNvPr id="3" name="ZoneTexte 2"/>
+          <p:cNvSpPr txBox="1"/>
+          <p:nvPr/>
+        </p:nvSpPr>
+        <p:spPr>
+          <a:xfrm>
+            <a:off x="1059543" y="2133600"/>
+            <a:ext cx="9303657" cy="2308324"/>
+          </a:xfrm>
+          <a:prstGeom prst="rect">
+            <a:avLst/>
+          </a:prstGeom>
+          <a:noFill/>
+        </p:spPr>
+        <p:txBody>
+          <a:bodyPr wrap="square" rtlCol="0">
+            <a:spAutoFit/>
+          </a:bodyPr>
+          <a:lstStyle/>
+          <a:p>
+            <a:r>
+              <a:rPr lang="fr-FR" sz="2400" dirty="0"/>
+              <a:t>On a donc trois écrans de veille opérationnels :</a:t>
+            </a:r>
+          </a:p>
+          <a:p>
+            <a:pPr marL="285750" indent="-285750">
+              <a:buFontTx/>
+              <a:buChar char="-"/>
+            </a:pPr>
+            <a:r>
+              <a:rPr lang="fr-FR" sz="2400" dirty="0"/>
+              <a:t>Le statique</a:t>
+            </a:r>
+          </a:p>
+          <a:p>
+            <a:pPr marL="285750" indent="-285750">
+              <a:buFontTx/>
+              <a:buChar char="-"/>
+            </a:pPr>
+            <a:endParaRPr lang="fr-FR" sz="2400" dirty="0"/>
+          </a:p>
+          <a:p>
+            <a:pPr marL="285750" indent="-285750">
+              <a:buFontTx/>
+              <a:buChar char="-"/>
+            </a:pPr>
+            <a:r>
+              <a:rPr lang="fr-FR" sz="2400" dirty="0"/>
+              <a:t>Le dynamique </a:t>
+            </a:r>
+          </a:p>
+          <a:p>
+            <a:pPr marL="285750" indent="-285750">
+              <a:buFontTx/>
+              <a:buChar char="-"/>
+            </a:pPr>
+            <a:endParaRPr lang="fr-FR" sz="2400" dirty="0"/>
+          </a:p>
+          <a:p>
+            <a:pPr marL="285750" indent="-285750">
+              <a:buFontTx/>
+              <a:buChar char="-"/>
+            </a:pPr>
+            <a:r>
+              <a:rPr lang="fr-FR" sz="2400" dirty="0"/>
+              <a:t>L’interactif</a:t>
+            </a:r>
+          </a:p>
+        </p:txBody>
+      </p:sp>
+    </p:spTree>
+    <p:extLst>
+      <p:ext uri="{BB962C8B-B14F-4D97-AF65-F5344CB8AC3E}">
+        <p14:creationId xmlns:p14="http://schemas.microsoft.com/office/powerpoint/2010/main" val="3332050085"/>
+      </p:ext>
+    </p:extLst>
+  </p:cSld>
+  <p:clrMapOvr>
+    <a:masterClrMapping/>
+  </p:clrMapOvr>
+</p:sld>
+</file>
+
+<file path=ppt/slides/slide14.xml><?xml version="1.0" encoding="utf-8"?>
+<p:sld xmlns:a="http://schemas.openxmlformats.org/drawingml/2006/main" xmlns:r="http://schemas.openxmlformats.org/officeDocument/2006/relationships" xmlns:p="http://schemas.openxmlformats.org/presentationml/2006/main">
+  <p:cSld>
+    <p:spTree>
+      <p:nvGrpSpPr>
+        <p:cNvPr id="1" name=""/>
+        <p:cNvGrpSpPr/>
+        <p:nvPr/>
+      </p:nvGrpSpPr>
+      <p:grpSpPr>
+        <a:xfrm>
+          <a:off x="0" y="0"/>
+          <a:ext cx="0" cy="0"/>
+          <a:chOff x="0" y="0"/>
+          <a:chExt cx="0" cy="0"/>
+        </a:xfrm>
+      </p:grpSpPr>
+      <p:sp>
+        <p:nvSpPr>
+          <p:cNvPr id="2" name="Title 1"/>
+          <p:cNvSpPr>
+            <a:spLocks noGrp="1"/>
+          </p:cNvSpPr>
+          <p:nvPr>
+            <p:ph type="ctrTitle"/>
+          </p:nvPr>
+        </p:nvSpPr>
+        <p:spPr>
+          <a:xfrm>
+            <a:off x="1581665" y="337751"/>
+            <a:ext cx="9144000" cy="916331"/>
+          </a:xfrm>
+        </p:spPr>
+        <p:txBody>
+          <a:bodyPr>
+            <a:normAutofit/>
+          </a:bodyPr>
+          <a:lstStyle/>
+          <a:p>
+            <a:r>
+              <a:rPr lang="fr-FR" sz="3600" b="1" dirty="0">
+                <a:solidFill>
+                  <a:srgbClr val="FF0000"/>
+                </a:solidFill>
+              </a:rPr>
+              <a:t>L’écran de veille statique</a:t>
+            </a:r>
+            <a:endParaRPr lang="fr-FR" sz="3200" b="1" dirty="0">
+              <a:solidFill>
+                <a:srgbClr val="FF0000"/>
+              </a:solidFill>
+            </a:endParaRPr>
+          </a:p>
+        </p:txBody>
+      </p:sp>
+      <p:pic>
+        <p:nvPicPr>
+          <p:cNvPr id="4" name="Picture 3"/>
+          <p:cNvPicPr>
+            <a:picLocks noChangeAspect="1"/>
+          </p:cNvPicPr>
+          <p:nvPr/>
+        </p:nvPicPr>
+        <p:blipFill>
+          <a:blip r:embed="rId2">
+            <a:extLst>
+              <a:ext uri="{28A0092B-C50C-407E-A947-70E740481C1C}">
+                <a14:useLocalDpi xmlns:a14="http://schemas.microsoft.com/office/drawing/2010/main" val="0"/>
+              </a:ext>
+            </a:extLst>
+          </a:blip>
+          <a:stretch>
+            <a:fillRect/>
+          </a:stretch>
+        </p:blipFill>
+        <p:spPr>
+          <a:xfrm>
+            <a:off x="404298" y="463507"/>
+            <a:ext cx="1514475" cy="790575"/>
+          </a:xfrm>
+          <a:prstGeom prst="rect">
+            <a:avLst/>
+          </a:prstGeom>
+        </p:spPr>
+      </p:pic>
+      <p:sp>
+        <p:nvSpPr>
+          <p:cNvPr id="5" name="Rectangle 4"/>
+          <p:cNvSpPr/>
+          <p:nvPr/>
+        </p:nvSpPr>
+        <p:spPr>
+          <a:xfrm>
+            <a:off x="0" y="0"/>
+            <a:ext cx="12192000" cy="337751"/>
+          </a:xfrm>
+          <a:prstGeom prst="rect">
+            <a:avLst/>
+          </a:prstGeom>
+          <a:solidFill>
+            <a:srgbClr val="FF0000"/>
+          </a:solidFill>
+          <a:effectLst/>
+        </p:spPr>
+        <p:style>
+          <a:lnRef idx="2">
+            <a:schemeClr val="accent1">
+              <a:shade val="50000"/>
+            </a:schemeClr>
+          </a:lnRef>
+          <a:fillRef idx="1">
+            <a:schemeClr val="accent1"/>
+          </a:fillRef>
+          <a:effectRef idx="0">
+            <a:schemeClr val="accent1"/>
+          </a:effectRef>
+          <a:fontRef idx="minor">
+            <a:schemeClr val="lt1"/>
+          </a:fontRef>
+        </p:style>
+        <p:txBody>
+          <a:bodyPr rtlCol="0" anchor="ctr"/>
+          <a:lstStyle/>
+          <a:p>
+            <a:pPr algn="ctr"/>
+            <a:endParaRPr lang="en-US" dirty="0"/>
+          </a:p>
+        </p:txBody>
+      </p:sp>
+      <p:pic>
+        <p:nvPicPr>
+          <p:cNvPr id="6" name="Image 5"/>
+          <p:cNvPicPr>
+            <a:picLocks noChangeAspect="1"/>
+          </p:cNvPicPr>
+          <p:nvPr/>
+        </p:nvPicPr>
+        <p:blipFill>
+          <a:blip r:embed="rId3"/>
+          <a:stretch>
+            <a:fillRect/>
+          </a:stretch>
+        </p:blipFill>
+        <p:spPr>
+          <a:xfrm>
+            <a:off x="257690" y="6244480"/>
+            <a:ext cx="1323975" cy="409575"/>
+          </a:xfrm>
+          <a:prstGeom prst="rect">
+            <a:avLst/>
+          </a:prstGeom>
+        </p:spPr>
+      </p:pic>
+      <p:sp>
+        <p:nvSpPr>
+          <p:cNvPr id="8" name="Espace réservé du pied de page 7"/>
+          <p:cNvSpPr>
+            <a:spLocks noGrp="1"/>
+          </p:cNvSpPr>
+          <p:nvPr>
+            <p:ph type="ftr" sz="quarter" idx="11"/>
+          </p:nvPr>
+        </p:nvSpPr>
+        <p:spPr>
+          <a:xfrm>
+            <a:off x="4038600" y="6356350"/>
+            <a:ext cx="4114800" cy="365125"/>
+          </a:xfrm>
+        </p:spPr>
+        <p:txBody>
+          <a:bodyPr/>
+          <a:lstStyle/>
+          <a:p>
+            <a:r>
+              <a:rPr lang="fr-FR" dirty="0"/>
+              <a:t>VAUBOURG Mandel          CHAMPAULT Quentin</a:t>
+            </a:r>
+            <a:endParaRPr lang="en-US" dirty="0"/>
+          </a:p>
+        </p:txBody>
+      </p:sp>
+      <p:sp>
+        <p:nvSpPr>
+          <p:cNvPr id="9" name="Espace réservé du numéro de diapositive 8"/>
+          <p:cNvSpPr>
+            <a:spLocks noGrp="1"/>
+          </p:cNvSpPr>
+          <p:nvPr>
+            <p:ph type="sldNum" sz="quarter" idx="12"/>
+          </p:nvPr>
+        </p:nvSpPr>
+        <p:spPr/>
+        <p:txBody>
+          <a:bodyPr/>
+          <a:lstStyle/>
+          <a:p>
+            <a:fld id="{875A9697-78C3-4880-8D51-4C990C6F0385}" type="slidenum">
+              <a:rPr lang="en-US" smtClean="0"/>
+              <a:t>14</a:t>
+            </a:fld>
+            <a:endParaRPr lang="en-US" dirty="0"/>
+          </a:p>
+        </p:txBody>
+      </p:sp>
+      <p:sp>
+        <p:nvSpPr>
+          <p:cNvPr id="10" name="ZoneTexte 9"/>
+          <p:cNvSpPr txBox="1"/>
+          <p:nvPr/>
+        </p:nvSpPr>
+        <p:spPr>
+          <a:xfrm>
+            <a:off x="10610335" y="337751"/>
+            <a:ext cx="1581665" cy="369332"/>
+          </a:xfrm>
+          <a:prstGeom prst="rect">
+            <a:avLst/>
+          </a:prstGeom>
+          <a:noFill/>
+        </p:spPr>
+        <p:txBody>
+          <a:bodyPr wrap="square" rtlCol="0">
+            <a:spAutoFit/>
+          </a:bodyPr>
+          <a:lstStyle/>
+          <a:p>
+            <a:r>
+              <a:rPr lang="fr-FR" dirty="0">
+                <a:solidFill>
+                  <a:srgbClr val="FF0000"/>
+                </a:solidFill>
+              </a:rPr>
+              <a:t>Système projet</a:t>
+            </a:r>
+          </a:p>
+        </p:txBody>
+      </p:sp>
+      <p:sp>
+        <p:nvSpPr>
+          <p:cNvPr id="3" name="Rectangle 2"/>
+          <p:cNvSpPr/>
+          <p:nvPr/>
+        </p:nvSpPr>
+        <p:spPr>
+          <a:xfrm>
+            <a:off x="317212" y="1606347"/>
+            <a:ext cx="3935473" cy="928914"/>
+          </a:xfrm>
+          <a:prstGeom prst="rect">
+            <a:avLst/>
+          </a:prstGeom>
+          <a:solidFill>
+            <a:schemeClr val="accent2"/>
+          </a:solidFill>
+        </p:spPr>
+        <p:style>
+          <a:lnRef idx="2">
+            <a:schemeClr val="accent1">
+              <a:shade val="50000"/>
+            </a:schemeClr>
+          </a:lnRef>
+          <a:fillRef idx="1">
+            <a:schemeClr val="accent1"/>
+          </a:fillRef>
+          <a:effectRef idx="0">
+            <a:schemeClr val="accent1"/>
+          </a:effectRef>
+          <a:fontRef idx="minor">
+            <a:schemeClr val="lt1"/>
+          </a:fontRef>
+        </p:style>
+        <p:txBody>
+          <a:bodyPr rtlCol="0" anchor="ctr"/>
+          <a:lstStyle/>
+          <a:p>
+            <a:pPr algn="ctr"/>
+            <a:r>
+              <a:rPr lang="fr-FR" dirty="0"/>
+              <a:t>Récupère un nombre aléatoire a associer a un fichiers PBM</a:t>
+            </a:r>
+          </a:p>
+        </p:txBody>
+      </p:sp>
+      <p:sp>
+        <p:nvSpPr>
+          <p:cNvPr id="11" name="Rectangle 10"/>
+          <p:cNvSpPr/>
+          <p:nvPr/>
+        </p:nvSpPr>
+        <p:spPr>
+          <a:xfrm>
+            <a:off x="317212" y="2876302"/>
+            <a:ext cx="3935473" cy="928914"/>
+          </a:xfrm>
+          <a:prstGeom prst="rect">
+            <a:avLst/>
+          </a:prstGeom>
+          <a:solidFill>
+            <a:schemeClr val="accent2"/>
+          </a:solidFill>
+        </p:spPr>
+        <p:style>
+          <a:lnRef idx="2">
+            <a:schemeClr val="accent1">
+              <a:shade val="50000"/>
+            </a:schemeClr>
+          </a:lnRef>
+          <a:fillRef idx="1">
+            <a:schemeClr val="accent1"/>
+          </a:fillRef>
+          <a:effectRef idx="0">
+            <a:schemeClr val="accent1"/>
+          </a:effectRef>
+          <a:fontRef idx="minor">
+            <a:schemeClr val="lt1"/>
+          </a:fontRef>
+        </p:style>
+        <p:txBody>
+          <a:bodyPr rtlCol="0" anchor="ctr"/>
+          <a:lstStyle/>
+          <a:p>
+            <a:pPr algn="ctr"/>
+            <a:r>
+              <a:rPr lang="fr-FR" dirty="0"/>
+              <a:t>Création d’un thread pour charger le fichier PBM</a:t>
+            </a:r>
+          </a:p>
+        </p:txBody>
+      </p:sp>
+      <p:cxnSp>
+        <p:nvCxnSpPr>
+          <p:cNvPr id="13" name="Connecteur droit avec flèche 12"/>
+          <p:cNvCxnSpPr>
+            <a:cxnSpLocks/>
+            <a:stCxn id="11" idx="3"/>
+            <a:endCxn id="15" idx="1"/>
+          </p:cNvCxnSpPr>
+          <p:nvPr/>
+        </p:nvCxnSpPr>
+        <p:spPr>
+          <a:xfrm>
+            <a:off x="4252685" y="3340759"/>
+            <a:ext cx="3556001" cy="0"/>
+          </a:xfrm>
+          <a:prstGeom prst="straightConnector1">
+            <a:avLst/>
+          </a:prstGeom>
+          <a:ln w="63500">
+            <a:tailEnd type="triangle"/>
+          </a:ln>
+        </p:spPr>
+        <p:style>
+          <a:lnRef idx="1">
+            <a:schemeClr val="accent1"/>
+          </a:lnRef>
+          <a:fillRef idx="0">
+            <a:schemeClr val="accent1"/>
+          </a:fillRef>
+          <a:effectRef idx="0">
+            <a:schemeClr val="accent1"/>
+          </a:effectRef>
+          <a:fontRef idx="minor">
+            <a:schemeClr val="tx1"/>
+          </a:fontRef>
+        </p:style>
+      </p:cxnSp>
+      <p:sp>
+        <p:nvSpPr>
+          <p:cNvPr id="15" name="Rectangle 14"/>
+          <p:cNvSpPr/>
+          <p:nvPr/>
+        </p:nvSpPr>
+        <p:spPr>
+          <a:xfrm>
+            <a:off x="7808686" y="2876302"/>
+            <a:ext cx="3935473" cy="928914"/>
+          </a:xfrm>
+          <a:prstGeom prst="rect">
+            <a:avLst/>
+          </a:prstGeom>
+          <a:solidFill>
+            <a:schemeClr val="accent2"/>
+          </a:solidFill>
+        </p:spPr>
+        <p:style>
+          <a:lnRef idx="2">
+            <a:schemeClr val="accent1">
+              <a:shade val="50000"/>
+            </a:schemeClr>
+          </a:lnRef>
+          <a:fillRef idx="1">
+            <a:schemeClr val="accent1"/>
+          </a:fillRef>
+          <a:effectRef idx="0">
+            <a:schemeClr val="accent1"/>
+          </a:effectRef>
+          <a:fontRef idx="minor">
+            <a:schemeClr val="lt1"/>
+          </a:fontRef>
+        </p:style>
+        <p:txBody>
+          <a:bodyPr rtlCol="0" anchor="ctr"/>
+          <a:lstStyle/>
+          <a:p>
+            <a:pPr algn="ctr"/>
+            <a:r>
+              <a:rPr lang="fr-FR" dirty="0"/>
+              <a:t>Le thread reçoit en paramètre l’adresse de la variable et de la fonction a exécuter</a:t>
+            </a:r>
+          </a:p>
+        </p:txBody>
+      </p:sp>
+      <p:sp>
+        <p:nvSpPr>
+          <p:cNvPr id="18" name="Rectangle 17"/>
+          <p:cNvSpPr/>
+          <p:nvPr/>
+        </p:nvSpPr>
+        <p:spPr>
+          <a:xfrm>
+            <a:off x="317212" y="4498523"/>
+            <a:ext cx="3935473" cy="928914"/>
+          </a:xfrm>
+          <a:prstGeom prst="rect">
+            <a:avLst/>
+          </a:prstGeom>
+          <a:solidFill>
+            <a:schemeClr val="accent2"/>
+          </a:solidFill>
+        </p:spPr>
+        <p:style>
+          <a:lnRef idx="2">
+            <a:schemeClr val="accent1">
+              <a:shade val="50000"/>
+            </a:schemeClr>
+          </a:lnRef>
+          <a:fillRef idx="1">
+            <a:schemeClr val="accent1"/>
+          </a:fillRef>
+          <a:effectRef idx="0">
+            <a:schemeClr val="accent1"/>
+          </a:effectRef>
+          <a:fontRef idx="minor">
+            <a:schemeClr val="lt1"/>
+          </a:fontRef>
+        </p:style>
+        <p:txBody>
+          <a:bodyPr rtlCol="0" anchor="ctr"/>
+          <a:lstStyle/>
+          <a:p>
+            <a:pPr algn="ctr"/>
+            <a:r>
+              <a:rPr lang="fr-FR" dirty="0"/>
+              <a:t>Redimensionnement de l’image puis placement dans le Tableau Virtuel</a:t>
+            </a:r>
+          </a:p>
+        </p:txBody>
+      </p:sp>
+      <p:cxnSp>
+        <p:nvCxnSpPr>
+          <p:cNvPr id="20" name="Connecteur droit avec flèche 19"/>
+          <p:cNvCxnSpPr>
+            <a:stCxn id="3" idx="2"/>
+            <a:endCxn id="11" idx="0"/>
+          </p:cNvCxnSpPr>
+          <p:nvPr/>
+        </p:nvCxnSpPr>
+        <p:spPr>
+          <a:xfrm>
+            <a:off x="2284949" y="2535261"/>
+            <a:ext cx="0" cy="341041"/>
+          </a:xfrm>
+          <a:prstGeom prst="straightConnector1">
+            <a:avLst/>
+          </a:prstGeom>
+          <a:ln w="63500">
+            <a:tailEnd type="triangle"/>
+          </a:ln>
+        </p:spPr>
+        <p:style>
+          <a:lnRef idx="1">
+            <a:schemeClr val="accent1"/>
+          </a:lnRef>
+          <a:fillRef idx="0">
+            <a:schemeClr val="accent1"/>
+          </a:fillRef>
+          <a:effectRef idx="0">
+            <a:schemeClr val="accent1"/>
+          </a:effectRef>
+          <a:fontRef idx="minor">
+            <a:schemeClr val="tx1"/>
+          </a:fontRef>
+        </p:style>
+      </p:cxnSp>
+      <p:cxnSp>
+        <p:nvCxnSpPr>
+          <p:cNvPr id="22" name="Connecteur droit avec flèche 21"/>
+          <p:cNvCxnSpPr>
+            <a:stCxn id="11" idx="2"/>
+            <a:endCxn id="18" idx="0"/>
+          </p:cNvCxnSpPr>
+          <p:nvPr/>
+        </p:nvCxnSpPr>
+        <p:spPr>
+          <a:xfrm>
+            <a:off x="2284949" y="3805216"/>
+            <a:ext cx="0" cy="693307"/>
+          </a:xfrm>
+          <a:prstGeom prst="straightConnector1">
+            <a:avLst/>
+          </a:prstGeom>
+          <a:ln w="63500">
+            <a:tailEnd type="triangle"/>
+          </a:ln>
+        </p:spPr>
+        <p:style>
+          <a:lnRef idx="1">
+            <a:schemeClr val="accent1"/>
+          </a:lnRef>
+          <a:fillRef idx="0">
+            <a:schemeClr val="accent1"/>
+          </a:fillRef>
+          <a:effectRef idx="0">
+            <a:schemeClr val="accent1"/>
+          </a:effectRef>
+          <a:fontRef idx="minor">
+            <a:schemeClr val="tx1"/>
+          </a:fontRef>
+        </p:style>
+      </p:cxnSp>
+      <p:sp>
+        <p:nvSpPr>
+          <p:cNvPr id="23" name="ZoneTexte 22"/>
+          <p:cNvSpPr txBox="1"/>
+          <p:nvPr/>
+        </p:nvSpPr>
+        <p:spPr>
+          <a:xfrm flipH="1">
+            <a:off x="656244" y="3961591"/>
+            <a:ext cx="5134955" cy="369332"/>
+          </a:xfrm>
+          <a:prstGeom prst="rect">
+            <a:avLst/>
+          </a:prstGeom>
+          <a:noFill/>
+        </p:spPr>
+        <p:txBody>
+          <a:bodyPr wrap="square" rtlCol="0">
+            <a:spAutoFit/>
+          </a:bodyPr>
+          <a:lstStyle/>
+          <a:p>
+            <a:r>
+              <a:rPr lang="fr-FR" dirty="0"/>
+              <a:t>Mise en attente  durant le chargement du fichier</a:t>
+            </a:r>
+          </a:p>
+        </p:txBody>
+      </p:sp>
+      <p:sp>
+        <p:nvSpPr>
+          <p:cNvPr id="25" name="Rectangle 24"/>
+          <p:cNvSpPr/>
+          <p:nvPr/>
+        </p:nvSpPr>
+        <p:spPr>
+          <a:xfrm>
+            <a:off x="7808686" y="4269672"/>
+            <a:ext cx="3935473" cy="928914"/>
+          </a:xfrm>
+          <a:prstGeom prst="rect">
+            <a:avLst/>
+          </a:prstGeom>
+          <a:solidFill>
+            <a:schemeClr val="accent2"/>
+          </a:solidFill>
+        </p:spPr>
+        <p:style>
+          <a:lnRef idx="2">
+            <a:schemeClr val="accent1">
+              <a:shade val="50000"/>
+            </a:schemeClr>
+          </a:lnRef>
+          <a:fillRef idx="1">
+            <a:schemeClr val="accent1"/>
+          </a:fillRef>
+          <a:effectRef idx="0">
+            <a:schemeClr val="accent1"/>
+          </a:effectRef>
+          <a:fontRef idx="minor">
+            <a:schemeClr val="lt1"/>
+          </a:fontRef>
+        </p:style>
+        <p:txBody>
+          <a:bodyPr rtlCol="0" anchor="ctr"/>
+          <a:lstStyle/>
+          <a:p>
+            <a:pPr algn="ctr"/>
+            <a:r>
+              <a:rPr lang="fr-FR" dirty="0"/>
+              <a:t>Création d’un thread qui va vérifier si l’utilisateur va appuyer sur une touche. Si oui, met fin au programme.</a:t>
+            </a:r>
+          </a:p>
+        </p:txBody>
+      </p:sp>
+      <p:cxnSp>
+        <p:nvCxnSpPr>
+          <p:cNvPr id="27" name="Connecteur : en angle 26"/>
+          <p:cNvCxnSpPr>
+            <a:endCxn id="25" idx="1"/>
+          </p:cNvCxnSpPr>
+          <p:nvPr/>
+        </p:nvCxnSpPr>
+        <p:spPr>
+          <a:xfrm>
+            <a:off x="6030685" y="3340759"/>
+            <a:ext cx="1778001" cy="1393370"/>
+          </a:xfrm>
+          <a:prstGeom prst="bentConnector3">
+            <a:avLst>
+              <a:gd name="adj1" fmla="val 204"/>
+            </a:avLst>
+          </a:prstGeom>
+          <a:ln w="63500">
+            <a:tailEnd type="triangle"/>
+          </a:ln>
+        </p:spPr>
+        <p:style>
+          <a:lnRef idx="1">
+            <a:schemeClr val="accent1"/>
+          </a:lnRef>
+          <a:fillRef idx="0">
+            <a:schemeClr val="accent1"/>
+          </a:fillRef>
+          <a:effectRef idx="0">
+            <a:schemeClr val="accent1"/>
+          </a:effectRef>
+          <a:fontRef idx="minor">
+            <a:schemeClr val="tx1"/>
+          </a:fontRef>
+        </p:style>
+      </p:cxnSp>
+      <p:pic>
+        <p:nvPicPr>
+          <p:cNvPr id="29" name="Image 28" descr="C:\Users\Vaubourg\AppData\Local\Microsoft\Windows\INetCacheContent.Word\static.png"/>
+          <p:cNvPicPr/>
+          <p:nvPr/>
+        </p:nvPicPr>
+        <p:blipFill>
+          <a:blip r:embed="rId4">
+            <a:extLst>
+              <a:ext uri="{28A0092B-C50C-407E-A947-70E740481C1C}">
+                <a14:useLocalDpi xmlns:a14="http://schemas.microsoft.com/office/drawing/2010/main" val="0"/>
+              </a:ext>
+            </a:extLst>
+          </a:blip>
+          <a:srcRect/>
+          <a:stretch>
+            <a:fillRect/>
+          </a:stretch>
+        </p:blipFill>
+        <p:spPr bwMode="auto">
+          <a:xfrm>
+            <a:off x="8872946" y="795916"/>
+            <a:ext cx="3154680" cy="1941830"/>
+          </a:xfrm>
+          <a:prstGeom prst="rect">
+            <a:avLst/>
+          </a:prstGeom>
+          <a:noFill/>
+          <a:ln>
+            <a:noFill/>
+          </a:ln>
+        </p:spPr>
+      </p:pic>
+      <p:cxnSp>
+        <p:nvCxnSpPr>
+          <p:cNvPr id="31" name="Connecteur : en angle 30"/>
+          <p:cNvCxnSpPr>
+            <a:stCxn id="18" idx="2"/>
+          </p:cNvCxnSpPr>
+          <p:nvPr/>
+        </p:nvCxnSpPr>
+        <p:spPr>
+          <a:xfrm rot="16200000" flipH="1">
+            <a:off x="3362707" y="4349678"/>
+            <a:ext cx="450849" cy="2606365"/>
+          </a:xfrm>
+          <a:prstGeom prst="bentConnector2">
+            <a:avLst/>
+          </a:prstGeom>
+          <a:ln w="63500">
+            <a:tailEnd type="triangle"/>
+          </a:ln>
+        </p:spPr>
+        <p:style>
+          <a:lnRef idx="1">
+            <a:schemeClr val="accent1"/>
+          </a:lnRef>
+          <a:fillRef idx="0">
+            <a:schemeClr val="accent1"/>
+          </a:fillRef>
+          <a:effectRef idx="0">
+            <a:schemeClr val="accent1"/>
+          </a:effectRef>
+          <a:fontRef idx="minor">
+            <a:schemeClr val="tx1"/>
+          </a:fontRef>
+        </p:style>
+      </p:cxnSp>
+      <p:sp>
+        <p:nvSpPr>
+          <p:cNvPr id="33" name="Rectangle 32"/>
+          <p:cNvSpPr/>
+          <p:nvPr/>
+        </p:nvSpPr>
+        <p:spPr>
+          <a:xfrm>
+            <a:off x="4891314" y="5505488"/>
+            <a:ext cx="2554515" cy="647610"/>
+          </a:xfrm>
+          <a:prstGeom prst="rect">
+            <a:avLst/>
+          </a:prstGeom>
+          <a:solidFill>
+            <a:schemeClr val="accent2"/>
+          </a:solidFill>
+        </p:spPr>
+        <p:style>
+          <a:lnRef idx="2">
+            <a:schemeClr val="accent1">
+              <a:shade val="50000"/>
+            </a:schemeClr>
+          </a:lnRef>
+          <a:fillRef idx="1">
+            <a:schemeClr val="accent1"/>
+          </a:fillRef>
+          <a:effectRef idx="0">
+            <a:schemeClr val="accent1"/>
+          </a:effectRef>
+          <a:fontRef idx="minor">
+            <a:schemeClr val="lt1"/>
+          </a:fontRef>
+        </p:style>
+        <p:txBody>
+          <a:bodyPr rtlCol="0" anchor="ctr"/>
+          <a:lstStyle/>
+          <a:p>
+            <a:pPr algn="ctr"/>
+            <a:r>
+              <a:rPr lang="fr-FR" dirty="0"/>
+              <a:t>Boucle qui attend l’appui d’une touche</a:t>
+            </a:r>
+          </a:p>
+        </p:txBody>
+      </p:sp>
+    </p:spTree>
+    <p:extLst>
+      <p:ext uri="{BB962C8B-B14F-4D97-AF65-F5344CB8AC3E}">
+        <p14:creationId xmlns:p14="http://schemas.microsoft.com/office/powerpoint/2010/main" val="1283259151"/>
+      </p:ext>
+    </p:extLst>
+  </p:cSld>
+  <p:clrMapOvr>
+    <a:masterClrMapping/>
+  </p:clrMapOvr>
+</p:sld>
+</file>
+
+<file path=ppt/slides/slide15.xml><?xml version="1.0" encoding="utf-8"?>
+<p:sld xmlns:a="http://schemas.openxmlformats.org/drawingml/2006/main" xmlns:r="http://schemas.openxmlformats.org/officeDocument/2006/relationships" xmlns:p="http://schemas.openxmlformats.org/presentationml/2006/main">
+  <p:cSld>
+    <p:spTree>
+      <p:nvGrpSpPr>
+        <p:cNvPr id="1" name=""/>
+        <p:cNvGrpSpPr/>
+        <p:nvPr/>
+      </p:nvGrpSpPr>
+      <p:grpSpPr>
+        <a:xfrm>
+          <a:off x="0" y="0"/>
+          <a:ext cx="0" cy="0"/>
+          <a:chOff x="0" y="0"/>
+          <a:chExt cx="0" cy="0"/>
+        </a:xfrm>
+      </p:grpSpPr>
+      <p:sp>
+        <p:nvSpPr>
+          <p:cNvPr id="2" name="Title 1"/>
+          <p:cNvSpPr>
+            <a:spLocks noGrp="1"/>
+          </p:cNvSpPr>
+          <p:nvPr>
+            <p:ph type="ctrTitle"/>
+          </p:nvPr>
+        </p:nvSpPr>
+        <p:spPr>
+          <a:xfrm>
+            <a:off x="1581665" y="337751"/>
+            <a:ext cx="9144000" cy="916331"/>
+          </a:xfrm>
+        </p:spPr>
+        <p:txBody>
+          <a:bodyPr>
+            <a:normAutofit/>
+          </a:bodyPr>
+          <a:lstStyle/>
+          <a:p>
+            <a:r>
+              <a:rPr lang="fr-FR" sz="3600" b="1" dirty="0">
+                <a:solidFill>
+                  <a:srgbClr val="FF0000"/>
+                </a:solidFill>
+              </a:rPr>
+              <a:t>L’écran de veille dynamique</a:t>
+            </a:r>
+            <a:endParaRPr lang="fr-FR" sz="3200" b="1" dirty="0">
+              <a:solidFill>
+                <a:srgbClr val="FF0000"/>
+              </a:solidFill>
+            </a:endParaRPr>
+          </a:p>
+        </p:txBody>
+      </p:sp>
+      <p:pic>
+        <p:nvPicPr>
+          <p:cNvPr id="4" name="Picture 3"/>
+          <p:cNvPicPr>
+            <a:picLocks noChangeAspect="1"/>
+          </p:cNvPicPr>
+          <p:nvPr/>
+        </p:nvPicPr>
+        <p:blipFill>
+          <a:blip r:embed="rId2">
+            <a:extLst>
+              <a:ext uri="{28A0092B-C50C-407E-A947-70E740481C1C}">
+                <a14:useLocalDpi xmlns:a14="http://schemas.microsoft.com/office/drawing/2010/main" val="0"/>
+              </a:ext>
+            </a:extLst>
+          </a:blip>
+          <a:stretch>
+            <a:fillRect/>
+          </a:stretch>
+        </p:blipFill>
+        <p:spPr>
+          <a:xfrm>
+            <a:off x="404298" y="463507"/>
+            <a:ext cx="1514475" cy="790575"/>
+          </a:xfrm>
+          <a:prstGeom prst="rect">
+            <a:avLst/>
+          </a:prstGeom>
+        </p:spPr>
+      </p:pic>
+      <p:sp>
+        <p:nvSpPr>
+          <p:cNvPr id="5" name="Rectangle 4"/>
+          <p:cNvSpPr/>
+          <p:nvPr/>
+        </p:nvSpPr>
+        <p:spPr>
+          <a:xfrm>
+            <a:off x="0" y="0"/>
+            <a:ext cx="12192000" cy="337751"/>
+          </a:xfrm>
+          <a:prstGeom prst="rect">
+            <a:avLst/>
+          </a:prstGeom>
+          <a:solidFill>
+            <a:srgbClr val="FF0000"/>
+          </a:solidFill>
+          <a:effectLst/>
+        </p:spPr>
+        <p:style>
+          <a:lnRef idx="2">
+            <a:schemeClr val="accent1">
+              <a:shade val="50000"/>
+            </a:schemeClr>
+          </a:lnRef>
+          <a:fillRef idx="1">
+            <a:schemeClr val="accent1"/>
+          </a:fillRef>
+          <a:effectRef idx="0">
+            <a:schemeClr val="accent1"/>
+          </a:effectRef>
+          <a:fontRef idx="minor">
+            <a:schemeClr val="lt1"/>
+          </a:fontRef>
+        </p:style>
+        <p:txBody>
+          <a:bodyPr rtlCol="0" anchor="ctr"/>
+          <a:lstStyle/>
+          <a:p>
+            <a:pPr algn="ctr"/>
+            <a:endParaRPr lang="en-US" dirty="0"/>
+          </a:p>
+        </p:txBody>
+      </p:sp>
+      <p:pic>
+        <p:nvPicPr>
+          <p:cNvPr id="6" name="Image 5"/>
+          <p:cNvPicPr>
+            <a:picLocks noChangeAspect="1"/>
+          </p:cNvPicPr>
+          <p:nvPr/>
+        </p:nvPicPr>
+        <p:blipFill>
+          <a:blip r:embed="rId3"/>
+          <a:stretch>
+            <a:fillRect/>
+          </a:stretch>
+        </p:blipFill>
+        <p:spPr>
+          <a:xfrm>
+            <a:off x="257690" y="6244480"/>
+            <a:ext cx="1323975" cy="409575"/>
+          </a:xfrm>
+          <a:prstGeom prst="rect">
+            <a:avLst/>
+          </a:prstGeom>
+        </p:spPr>
+      </p:pic>
+      <p:sp>
+        <p:nvSpPr>
+          <p:cNvPr id="8" name="Espace réservé du pied de page 7"/>
+          <p:cNvSpPr>
+            <a:spLocks noGrp="1"/>
+          </p:cNvSpPr>
+          <p:nvPr>
+            <p:ph type="ftr" sz="quarter" idx="11"/>
+          </p:nvPr>
+        </p:nvSpPr>
+        <p:spPr/>
+        <p:txBody>
+          <a:bodyPr/>
+          <a:lstStyle/>
+          <a:p>
+            <a:r>
+              <a:rPr lang="fr-FR" dirty="0"/>
+              <a:t>VAUBOURG Mandel          CHAMPAULT Quentin</a:t>
+            </a:r>
+            <a:endParaRPr lang="en-US" dirty="0"/>
+          </a:p>
+        </p:txBody>
+      </p:sp>
+      <p:sp>
+        <p:nvSpPr>
+          <p:cNvPr id="9" name="Espace réservé du numéro de diapositive 8"/>
+          <p:cNvSpPr>
+            <a:spLocks noGrp="1"/>
+          </p:cNvSpPr>
+          <p:nvPr>
+            <p:ph type="sldNum" sz="quarter" idx="12"/>
+          </p:nvPr>
+        </p:nvSpPr>
+        <p:spPr/>
+        <p:txBody>
+          <a:bodyPr/>
+          <a:lstStyle/>
+          <a:p>
+            <a:fld id="{875A9697-78C3-4880-8D51-4C990C6F0385}" type="slidenum">
+              <a:rPr lang="en-US" smtClean="0"/>
+              <a:t>15</a:t>
+            </a:fld>
+            <a:endParaRPr lang="en-US" dirty="0"/>
+          </a:p>
+        </p:txBody>
+      </p:sp>
+      <p:sp>
+        <p:nvSpPr>
+          <p:cNvPr id="10" name="ZoneTexte 9"/>
+          <p:cNvSpPr txBox="1"/>
+          <p:nvPr/>
+        </p:nvSpPr>
+        <p:spPr>
+          <a:xfrm>
+            <a:off x="10610335" y="337751"/>
+            <a:ext cx="1581665" cy="369332"/>
+          </a:xfrm>
+          <a:prstGeom prst="rect">
+            <a:avLst/>
+          </a:prstGeom>
+          <a:noFill/>
+        </p:spPr>
+        <p:txBody>
+          <a:bodyPr wrap="square" rtlCol="0">
+            <a:spAutoFit/>
+          </a:bodyPr>
+          <a:lstStyle/>
+          <a:p>
+            <a:r>
+              <a:rPr lang="fr-FR" dirty="0">
+                <a:solidFill>
+                  <a:srgbClr val="FF0000"/>
+                </a:solidFill>
+              </a:rPr>
+              <a:t>Système projet</a:t>
+            </a:r>
+          </a:p>
+        </p:txBody>
+      </p:sp>
+      <p:sp>
+        <p:nvSpPr>
+          <p:cNvPr id="11" name="Rectangle 10"/>
+          <p:cNvSpPr/>
+          <p:nvPr/>
+        </p:nvSpPr>
+        <p:spPr>
+          <a:xfrm>
+            <a:off x="317212" y="1606347"/>
+            <a:ext cx="3935473" cy="701424"/>
+          </a:xfrm>
+          <a:prstGeom prst="rect">
+            <a:avLst/>
+          </a:prstGeom>
+          <a:solidFill>
+            <a:schemeClr val="accent2"/>
+          </a:solidFill>
+        </p:spPr>
+        <p:style>
+          <a:lnRef idx="2">
+            <a:schemeClr val="accent1">
+              <a:shade val="50000"/>
+            </a:schemeClr>
+          </a:lnRef>
+          <a:fillRef idx="1">
+            <a:schemeClr val="accent1"/>
+          </a:fillRef>
+          <a:effectRef idx="0">
+            <a:schemeClr val="accent1"/>
+          </a:effectRef>
+          <a:fontRef idx="minor">
+            <a:schemeClr val="lt1"/>
+          </a:fontRef>
+        </p:style>
+        <p:txBody>
+          <a:bodyPr rtlCol="0" anchor="ctr"/>
+          <a:lstStyle/>
+          <a:p>
+            <a:pPr algn="ctr"/>
+            <a:r>
+              <a:rPr lang="fr-FR" dirty="0"/>
+              <a:t>Récupère le nombre de seconde entre deux actualisations</a:t>
+            </a:r>
+          </a:p>
+        </p:txBody>
+      </p:sp>
+      <p:sp>
+        <p:nvSpPr>
+          <p:cNvPr id="12" name="Rectangle 11"/>
+          <p:cNvSpPr/>
+          <p:nvPr/>
+        </p:nvSpPr>
+        <p:spPr>
+          <a:xfrm>
+            <a:off x="317211" y="2521012"/>
+            <a:ext cx="3935473" cy="701424"/>
+          </a:xfrm>
+          <a:prstGeom prst="rect">
+            <a:avLst/>
+          </a:prstGeom>
+          <a:solidFill>
+            <a:schemeClr val="accent2"/>
+          </a:solidFill>
+        </p:spPr>
+        <p:style>
+          <a:lnRef idx="2">
+            <a:schemeClr val="accent1">
+              <a:shade val="50000"/>
+            </a:schemeClr>
+          </a:lnRef>
+          <a:fillRef idx="1">
+            <a:schemeClr val="accent1"/>
+          </a:fillRef>
+          <a:effectRef idx="0">
+            <a:schemeClr val="accent1"/>
+          </a:effectRef>
+          <a:fontRef idx="minor">
+            <a:schemeClr val="lt1"/>
+          </a:fontRef>
+        </p:style>
+        <p:txBody>
+          <a:bodyPr rtlCol="0" anchor="ctr"/>
+          <a:lstStyle/>
+          <a:p>
+            <a:pPr algn="ctr"/>
+            <a:r>
+              <a:rPr lang="fr-FR" dirty="0"/>
+              <a:t>On va trier les fichiers PBM de 0 a 9 + les deux points ‘:’</a:t>
+            </a:r>
+          </a:p>
+        </p:txBody>
+      </p:sp>
+      <p:sp>
+        <p:nvSpPr>
+          <p:cNvPr id="13" name="Rectangle 12"/>
+          <p:cNvSpPr/>
+          <p:nvPr/>
+        </p:nvSpPr>
+        <p:spPr>
+          <a:xfrm>
+            <a:off x="317211" y="3435676"/>
+            <a:ext cx="3935473" cy="950653"/>
+          </a:xfrm>
+          <a:prstGeom prst="rect">
+            <a:avLst/>
+          </a:prstGeom>
+          <a:solidFill>
+            <a:schemeClr val="accent2"/>
+          </a:solidFill>
+        </p:spPr>
+        <p:style>
+          <a:lnRef idx="2">
+            <a:schemeClr val="accent1">
+              <a:shade val="50000"/>
+            </a:schemeClr>
+          </a:lnRef>
+          <a:fillRef idx="1">
+            <a:schemeClr val="accent1"/>
+          </a:fillRef>
+          <a:effectRef idx="0">
+            <a:schemeClr val="accent1"/>
+          </a:effectRef>
+          <a:fontRef idx="minor">
+            <a:schemeClr val="lt1"/>
+          </a:fontRef>
+        </p:style>
+        <p:txBody>
+          <a:bodyPr rtlCol="0" anchor="ctr"/>
+          <a:lstStyle/>
+          <a:p>
+            <a:pPr algn="ctr"/>
+            <a:r>
+              <a:rPr lang="fr-FR" dirty="0"/>
+              <a:t>On récupère l’heure avec une fonction et on la découpe en tableau de caractère </a:t>
+            </a:r>
+            <a:r>
+              <a:rPr lang="fr-FR" b="1" dirty="0"/>
+              <a:t>dizaines/unités</a:t>
+            </a:r>
+            <a:endParaRPr lang="fr-FR" dirty="0"/>
+          </a:p>
+        </p:txBody>
+      </p:sp>
+      <p:pic>
+        <p:nvPicPr>
+          <p:cNvPr id="14" name="Image 13" descr="C:\Users\Vaubourg\AppData\Local\Microsoft\Windows\INetCacheContent.Word\horloge.png"/>
+          <p:cNvPicPr/>
+          <p:nvPr/>
+        </p:nvPicPr>
+        <p:blipFill>
+          <a:blip r:embed="rId4">
+            <a:extLst>
+              <a:ext uri="{28A0092B-C50C-407E-A947-70E740481C1C}">
+                <a14:useLocalDpi xmlns:a14="http://schemas.microsoft.com/office/drawing/2010/main" val="0"/>
+              </a:ext>
+            </a:extLst>
+          </a:blip>
+          <a:srcRect/>
+          <a:stretch>
+            <a:fillRect/>
+          </a:stretch>
+        </p:blipFill>
+        <p:spPr bwMode="auto">
+          <a:xfrm>
+            <a:off x="9132690" y="675502"/>
+            <a:ext cx="2955290" cy="1821180"/>
+          </a:xfrm>
+          <a:prstGeom prst="rect">
+            <a:avLst/>
+          </a:prstGeom>
+          <a:noFill/>
+          <a:ln>
+            <a:noFill/>
+          </a:ln>
+        </p:spPr>
+      </p:pic>
+      <p:sp>
+        <p:nvSpPr>
+          <p:cNvPr id="15" name="Rectangle 14"/>
+          <p:cNvSpPr/>
+          <p:nvPr/>
+        </p:nvSpPr>
+        <p:spPr>
+          <a:xfrm>
+            <a:off x="317211" y="4669915"/>
+            <a:ext cx="3935473" cy="701424"/>
+          </a:xfrm>
+          <a:prstGeom prst="rect">
+            <a:avLst/>
+          </a:prstGeom>
+          <a:solidFill>
+            <a:schemeClr val="accent2"/>
+          </a:solidFill>
+        </p:spPr>
+        <p:style>
+          <a:lnRef idx="2">
+            <a:schemeClr val="accent1">
+              <a:shade val="50000"/>
+            </a:schemeClr>
+          </a:lnRef>
+          <a:fillRef idx="1">
+            <a:schemeClr val="accent1"/>
+          </a:fillRef>
+          <a:effectRef idx="0">
+            <a:schemeClr val="accent1"/>
+          </a:effectRef>
+          <a:fontRef idx="minor">
+            <a:schemeClr val="lt1"/>
+          </a:fontRef>
+        </p:style>
+        <p:txBody>
+          <a:bodyPr rtlCol="0" anchor="ctr"/>
+          <a:lstStyle/>
+          <a:p>
+            <a:pPr algn="ctr"/>
+            <a:r>
+              <a:rPr lang="fr-FR" dirty="0"/>
+              <a:t>Redimensionnement des l’images puis placement dans le Tableau Virtuel</a:t>
+            </a:r>
+          </a:p>
+        </p:txBody>
+      </p:sp>
+      <p:cxnSp>
+        <p:nvCxnSpPr>
+          <p:cNvPr id="16" name="Connecteur : en angle 15"/>
+          <p:cNvCxnSpPr>
+            <a:cxnSpLocks/>
+            <a:stCxn id="15" idx="2"/>
+            <a:endCxn id="17" idx="1"/>
+          </p:cNvCxnSpPr>
+          <p:nvPr/>
+        </p:nvCxnSpPr>
+        <p:spPr>
+          <a:xfrm rot="16200000" flipH="1">
+            <a:off x="3379561" y="4276725"/>
+            <a:ext cx="402232" cy="2591459"/>
+          </a:xfrm>
+          <a:prstGeom prst="bentConnector2">
+            <a:avLst/>
+          </a:prstGeom>
+          <a:ln w="63500">
+            <a:tailEnd type="triangle"/>
+          </a:ln>
+        </p:spPr>
+        <p:style>
+          <a:lnRef idx="1">
+            <a:schemeClr val="accent1"/>
+          </a:lnRef>
+          <a:fillRef idx="0">
+            <a:schemeClr val="accent1"/>
+          </a:fillRef>
+          <a:effectRef idx="0">
+            <a:schemeClr val="accent1"/>
+          </a:effectRef>
+          <a:fontRef idx="minor">
+            <a:schemeClr val="tx1"/>
+          </a:fontRef>
+        </p:style>
+      </p:cxnSp>
+      <p:sp>
+        <p:nvSpPr>
+          <p:cNvPr id="17" name="Rectangle 16"/>
+          <p:cNvSpPr/>
+          <p:nvPr/>
+        </p:nvSpPr>
+        <p:spPr>
+          <a:xfrm>
+            <a:off x="4876407" y="5302661"/>
+            <a:ext cx="2554515" cy="941819"/>
+          </a:xfrm>
+          <a:prstGeom prst="rect">
+            <a:avLst/>
+          </a:prstGeom>
+          <a:solidFill>
+            <a:schemeClr val="accent2"/>
+          </a:solidFill>
+        </p:spPr>
+        <p:style>
+          <a:lnRef idx="2">
+            <a:schemeClr val="accent1">
+              <a:shade val="50000"/>
+            </a:schemeClr>
+          </a:lnRef>
+          <a:fillRef idx="1">
+            <a:schemeClr val="accent1"/>
+          </a:fillRef>
+          <a:effectRef idx="0">
+            <a:schemeClr val="accent1"/>
+          </a:effectRef>
+          <a:fontRef idx="minor">
+            <a:schemeClr val="lt1"/>
+          </a:fontRef>
+        </p:style>
+        <p:txBody>
+          <a:bodyPr rtlCol="0" anchor="ctr"/>
+          <a:lstStyle/>
+          <a:p>
+            <a:pPr algn="ctr"/>
+            <a:r>
+              <a:rPr lang="fr-FR" dirty="0"/>
+              <a:t>Boucle qui attend l’appui d’une touche et qui va réactualiser l’heure</a:t>
+            </a:r>
+          </a:p>
+        </p:txBody>
+      </p:sp>
+      <p:cxnSp>
+        <p:nvCxnSpPr>
+          <p:cNvPr id="25" name="Connecteur droit avec flèche 24"/>
+          <p:cNvCxnSpPr>
+            <a:cxnSpLocks/>
+            <a:stCxn id="11" idx="2"/>
+            <a:endCxn id="12" idx="0"/>
+          </p:cNvCxnSpPr>
+          <p:nvPr/>
+        </p:nvCxnSpPr>
+        <p:spPr>
+          <a:xfrm flipH="1">
+            <a:off x="2284948" y="2307771"/>
+            <a:ext cx="1" cy="213241"/>
+          </a:xfrm>
+          <a:prstGeom prst="straightConnector1">
+            <a:avLst/>
+          </a:prstGeom>
+          <a:ln w="63500">
+            <a:tailEnd type="triangle"/>
+          </a:ln>
+        </p:spPr>
+        <p:style>
+          <a:lnRef idx="1">
+            <a:schemeClr val="accent1"/>
+          </a:lnRef>
+          <a:fillRef idx="0">
+            <a:schemeClr val="accent1"/>
+          </a:fillRef>
+          <a:effectRef idx="0">
+            <a:schemeClr val="accent1"/>
+          </a:effectRef>
+          <a:fontRef idx="minor">
+            <a:schemeClr val="tx1"/>
+          </a:fontRef>
+        </p:style>
+      </p:cxnSp>
+      <p:cxnSp>
+        <p:nvCxnSpPr>
+          <p:cNvPr id="28" name="Connecteur droit avec flèche 27"/>
+          <p:cNvCxnSpPr>
+            <a:cxnSpLocks/>
+            <a:stCxn id="12" idx="2"/>
+            <a:endCxn id="13" idx="0"/>
+          </p:cNvCxnSpPr>
+          <p:nvPr/>
+        </p:nvCxnSpPr>
+        <p:spPr>
+          <a:xfrm>
+            <a:off x="2284948" y="3222436"/>
+            <a:ext cx="0" cy="213240"/>
+          </a:xfrm>
+          <a:prstGeom prst="straightConnector1">
+            <a:avLst/>
+          </a:prstGeom>
+          <a:ln w="63500">
+            <a:tailEnd type="triangle"/>
+          </a:ln>
+        </p:spPr>
+        <p:style>
+          <a:lnRef idx="1">
+            <a:schemeClr val="accent1"/>
+          </a:lnRef>
+          <a:fillRef idx="0">
+            <a:schemeClr val="accent1"/>
+          </a:fillRef>
+          <a:effectRef idx="0">
+            <a:schemeClr val="accent1"/>
+          </a:effectRef>
+          <a:fontRef idx="minor">
+            <a:schemeClr val="tx1"/>
+          </a:fontRef>
+        </p:style>
+      </p:cxnSp>
+      <p:cxnSp>
+        <p:nvCxnSpPr>
+          <p:cNvPr id="31" name="Connecteur droit avec flèche 30"/>
+          <p:cNvCxnSpPr>
+            <a:cxnSpLocks/>
+            <a:stCxn id="13" idx="2"/>
+            <a:endCxn id="15" idx="0"/>
+          </p:cNvCxnSpPr>
+          <p:nvPr/>
+        </p:nvCxnSpPr>
+        <p:spPr>
+          <a:xfrm>
+            <a:off x="2284948" y="4386329"/>
+            <a:ext cx="0" cy="283586"/>
+          </a:xfrm>
+          <a:prstGeom prst="straightConnector1">
+            <a:avLst/>
+          </a:prstGeom>
+          <a:ln w="63500">
+            <a:tailEnd type="triangle"/>
+          </a:ln>
+        </p:spPr>
+        <p:style>
+          <a:lnRef idx="1">
+            <a:schemeClr val="accent1"/>
+          </a:lnRef>
+          <a:fillRef idx="0">
+            <a:schemeClr val="accent1"/>
+          </a:fillRef>
+          <a:effectRef idx="0">
+            <a:schemeClr val="accent1"/>
+          </a:effectRef>
+          <a:fontRef idx="minor">
+            <a:schemeClr val="tx1"/>
+          </a:fontRef>
+        </p:style>
+      </p:cxnSp>
+      <p:cxnSp>
+        <p:nvCxnSpPr>
+          <p:cNvPr id="34" name="Connecteur droit avec flèche 33"/>
+          <p:cNvCxnSpPr>
+            <a:cxnSpLocks/>
+            <a:stCxn id="13" idx="3"/>
+            <a:endCxn id="36" idx="1"/>
+          </p:cNvCxnSpPr>
+          <p:nvPr/>
+        </p:nvCxnSpPr>
+        <p:spPr>
+          <a:xfrm>
+            <a:off x="4252684" y="3911003"/>
+            <a:ext cx="3895111" cy="10869"/>
+          </a:xfrm>
+          <a:prstGeom prst="straightConnector1">
+            <a:avLst/>
+          </a:prstGeom>
+          <a:ln w="63500">
+            <a:tailEnd type="triangle"/>
+          </a:ln>
+        </p:spPr>
+        <p:style>
+          <a:lnRef idx="1">
+            <a:schemeClr val="accent1"/>
+          </a:lnRef>
+          <a:fillRef idx="0">
+            <a:schemeClr val="accent1"/>
+          </a:fillRef>
+          <a:effectRef idx="0">
+            <a:schemeClr val="accent1"/>
+          </a:effectRef>
+          <a:fontRef idx="minor">
+            <a:schemeClr val="tx1"/>
+          </a:fontRef>
+        </p:style>
+      </p:cxnSp>
+      <p:sp>
+        <p:nvSpPr>
+          <p:cNvPr id="35" name="Rectangle 34"/>
+          <p:cNvSpPr/>
+          <p:nvPr/>
+        </p:nvSpPr>
+        <p:spPr>
+          <a:xfrm>
+            <a:off x="7808686" y="2521012"/>
+            <a:ext cx="3018971" cy="701424"/>
+          </a:xfrm>
+          <a:prstGeom prst="rect">
+            <a:avLst/>
+          </a:prstGeom>
+          <a:solidFill>
+            <a:schemeClr val="accent2"/>
+          </a:solidFill>
+        </p:spPr>
+        <p:style>
+          <a:lnRef idx="2">
+            <a:schemeClr val="accent1">
+              <a:shade val="50000"/>
+            </a:schemeClr>
+          </a:lnRef>
+          <a:fillRef idx="1">
+            <a:schemeClr val="accent1"/>
+          </a:fillRef>
+          <a:effectRef idx="0">
+            <a:schemeClr val="accent1"/>
+          </a:effectRef>
+          <a:fontRef idx="minor">
+            <a:schemeClr val="lt1"/>
+          </a:fontRef>
+        </p:style>
+        <p:txBody>
+          <a:bodyPr rtlCol="0" anchor="ctr"/>
+          <a:lstStyle/>
+          <a:p>
+            <a:pPr algn="ctr"/>
+            <a:r>
+              <a:rPr lang="fr-FR" dirty="0"/>
+              <a:t>Création d’un thread qui reçoit les fichiers a récupérer</a:t>
+            </a:r>
+          </a:p>
+        </p:txBody>
+      </p:sp>
+      <p:sp>
+        <p:nvSpPr>
+          <p:cNvPr id="36" name="Rectangle 35"/>
+          <p:cNvSpPr/>
+          <p:nvPr/>
+        </p:nvSpPr>
+        <p:spPr>
+          <a:xfrm>
+            <a:off x="8147795" y="3457415"/>
+            <a:ext cx="3935473" cy="928914"/>
+          </a:xfrm>
+          <a:prstGeom prst="rect">
+            <a:avLst/>
+          </a:prstGeom>
+          <a:solidFill>
+            <a:schemeClr val="accent2"/>
+          </a:solidFill>
+        </p:spPr>
+        <p:style>
+          <a:lnRef idx="2">
+            <a:schemeClr val="accent1">
+              <a:shade val="50000"/>
+            </a:schemeClr>
+          </a:lnRef>
+          <a:fillRef idx="1">
+            <a:schemeClr val="accent1"/>
+          </a:fillRef>
+          <a:effectRef idx="0">
+            <a:schemeClr val="accent1"/>
+          </a:effectRef>
+          <a:fontRef idx="minor">
+            <a:schemeClr val="lt1"/>
+          </a:fontRef>
+        </p:style>
+        <p:txBody>
+          <a:bodyPr rtlCol="0" anchor="ctr"/>
+          <a:lstStyle/>
+          <a:p>
+            <a:pPr algn="ctr"/>
+            <a:r>
+              <a:rPr lang="fr-FR" dirty="0"/>
+              <a:t>Création d’un thread qui va vérifier si l’utilisateur va appuyer sur une touche. Si oui, met fin au programme.</a:t>
+            </a:r>
+          </a:p>
+        </p:txBody>
+      </p:sp>
+      <p:cxnSp>
+        <p:nvCxnSpPr>
+          <p:cNvPr id="37" name="Connecteur : en angle 36"/>
+          <p:cNvCxnSpPr>
+            <a:cxnSpLocks/>
+            <a:endCxn id="35" idx="1"/>
+          </p:cNvCxnSpPr>
+          <p:nvPr/>
+        </p:nvCxnSpPr>
+        <p:spPr>
+          <a:xfrm flipV="1">
+            <a:off x="6180060" y="2871724"/>
+            <a:ext cx="1628626" cy="1039280"/>
+          </a:xfrm>
+          <a:prstGeom prst="bentConnector3">
+            <a:avLst>
+              <a:gd name="adj1" fmla="val 50000"/>
+            </a:avLst>
+          </a:prstGeom>
+          <a:ln w="63500">
+            <a:tailEnd type="triangle"/>
+          </a:ln>
+        </p:spPr>
+        <p:style>
+          <a:lnRef idx="1">
+            <a:schemeClr val="accent1"/>
+          </a:lnRef>
+          <a:fillRef idx="0">
+            <a:schemeClr val="accent1"/>
+          </a:fillRef>
+          <a:effectRef idx="0">
+            <a:schemeClr val="accent1"/>
+          </a:effectRef>
+          <a:fontRef idx="minor">
+            <a:schemeClr val="tx1"/>
+          </a:fontRef>
+        </p:style>
+      </p:cxnSp>
+    </p:spTree>
+    <p:extLst>
+      <p:ext uri="{BB962C8B-B14F-4D97-AF65-F5344CB8AC3E}">
+        <p14:creationId xmlns:p14="http://schemas.microsoft.com/office/powerpoint/2010/main" val="1919628286"/>
+      </p:ext>
+    </p:extLst>
+  </p:cSld>
+  <p:clrMapOvr>
+    <a:masterClrMapping/>
+  </p:clrMapOvr>
+</p:sld>
+</file>
+
+<file path=ppt/slides/slide16.xml><?xml version="1.0" encoding="utf-8"?>
+<p:sld xmlns:a="http://schemas.openxmlformats.org/drawingml/2006/main" xmlns:r="http://schemas.openxmlformats.org/officeDocument/2006/relationships" xmlns:p="http://schemas.openxmlformats.org/presentationml/2006/main">
+  <p:cSld>
+    <p:spTree>
+      <p:nvGrpSpPr>
+        <p:cNvPr id="1" name=""/>
+        <p:cNvGrpSpPr/>
+        <p:nvPr/>
+      </p:nvGrpSpPr>
+      <p:grpSpPr>
+        <a:xfrm>
+          <a:off x="0" y="0"/>
+          <a:ext cx="0" cy="0"/>
+          <a:chOff x="0" y="0"/>
+          <a:chExt cx="0" cy="0"/>
+        </a:xfrm>
+      </p:grpSpPr>
+      <p:sp>
+        <p:nvSpPr>
+          <p:cNvPr id="2" name="Title 1"/>
+          <p:cNvSpPr>
+            <a:spLocks noGrp="1"/>
+          </p:cNvSpPr>
+          <p:nvPr>
+            <p:ph type="ctrTitle"/>
+          </p:nvPr>
+        </p:nvSpPr>
+        <p:spPr>
+          <a:xfrm>
+            <a:off x="1581665" y="337751"/>
+            <a:ext cx="9144000" cy="916331"/>
+          </a:xfrm>
+        </p:spPr>
+        <p:txBody>
+          <a:bodyPr>
+            <a:normAutofit/>
+          </a:bodyPr>
+          <a:lstStyle/>
+          <a:p>
+            <a:r>
+              <a:rPr lang="fr-FR" sz="3600" b="1" dirty="0">
+                <a:solidFill>
+                  <a:srgbClr val="FF0000"/>
+                </a:solidFill>
+              </a:rPr>
+              <a:t>L’écran de veille interactif</a:t>
+            </a:r>
+            <a:endParaRPr lang="fr-FR" sz="3200" b="1" dirty="0">
+              <a:solidFill>
+                <a:srgbClr val="FF0000"/>
+              </a:solidFill>
+            </a:endParaRPr>
+          </a:p>
+        </p:txBody>
+      </p:sp>
+      <p:pic>
+        <p:nvPicPr>
+          <p:cNvPr id="4" name="Picture 3"/>
+          <p:cNvPicPr>
+            <a:picLocks noChangeAspect="1"/>
+          </p:cNvPicPr>
+          <p:nvPr/>
+        </p:nvPicPr>
+        <p:blipFill>
+          <a:blip r:embed="rId2">
+            <a:extLst>
+              <a:ext uri="{28A0092B-C50C-407E-A947-70E740481C1C}">
+                <a14:useLocalDpi xmlns:a14="http://schemas.microsoft.com/office/drawing/2010/main" val="0"/>
+              </a:ext>
+            </a:extLst>
+          </a:blip>
+          <a:stretch>
+            <a:fillRect/>
+          </a:stretch>
+        </p:blipFill>
+        <p:spPr>
+          <a:xfrm>
+            <a:off x="404298" y="463507"/>
+            <a:ext cx="1514475" cy="790575"/>
+          </a:xfrm>
+          <a:prstGeom prst="rect">
+            <a:avLst/>
+          </a:prstGeom>
+        </p:spPr>
+      </p:pic>
+      <p:sp>
+        <p:nvSpPr>
+          <p:cNvPr id="5" name="Rectangle 4"/>
+          <p:cNvSpPr/>
+          <p:nvPr/>
+        </p:nvSpPr>
+        <p:spPr>
+          <a:xfrm>
+            <a:off x="0" y="0"/>
+            <a:ext cx="12192000" cy="337751"/>
+          </a:xfrm>
+          <a:prstGeom prst="rect">
+            <a:avLst/>
+          </a:prstGeom>
+          <a:solidFill>
+            <a:srgbClr val="FF0000"/>
+          </a:solidFill>
+          <a:effectLst/>
+        </p:spPr>
+        <p:style>
+          <a:lnRef idx="2">
+            <a:schemeClr val="accent1">
+              <a:shade val="50000"/>
+            </a:schemeClr>
+          </a:lnRef>
+          <a:fillRef idx="1">
+            <a:schemeClr val="accent1"/>
+          </a:fillRef>
+          <a:effectRef idx="0">
+            <a:schemeClr val="accent1"/>
+          </a:effectRef>
+          <a:fontRef idx="minor">
+            <a:schemeClr val="lt1"/>
+          </a:fontRef>
+        </p:style>
+        <p:txBody>
+          <a:bodyPr rtlCol="0" anchor="ctr"/>
+          <a:lstStyle/>
+          <a:p>
+            <a:pPr algn="ctr"/>
+            <a:endParaRPr lang="en-US" dirty="0"/>
+          </a:p>
+        </p:txBody>
+      </p:sp>
+      <p:pic>
+        <p:nvPicPr>
+          <p:cNvPr id="6" name="Image 5"/>
+          <p:cNvPicPr>
+            <a:picLocks noChangeAspect="1"/>
+          </p:cNvPicPr>
+          <p:nvPr/>
+        </p:nvPicPr>
+        <p:blipFill>
+          <a:blip r:embed="rId3"/>
+          <a:stretch>
+            <a:fillRect/>
+          </a:stretch>
+        </p:blipFill>
+        <p:spPr>
+          <a:xfrm>
+            <a:off x="257690" y="6244480"/>
+            <a:ext cx="1323975" cy="409575"/>
+          </a:xfrm>
+          <a:prstGeom prst="rect">
+            <a:avLst/>
+          </a:prstGeom>
+        </p:spPr>
+      </p:pic>
+      <p:sp>
+        <p:nvSpPr>
+          <p:cNvPr id="8" name="Espace réservé du pied de page 7"/>
+          <p:cNvSpPr>
+            <a:spLocks noGrp="1"/>
+          </p:cNvSpPr>
+          <p:nvPr>
+            <p:ph type="ftr" sz="quarter" idx="11"/>
+          </p:nvPr>
+        </p:nvSpPr>
+        <p:spPr/>
+        <p:txBody>
+          <a:bodyPr/>
+          <a:lstStyle/>
+          <a:p>
+            <a:r>
+              <a:rPr lang="fr-FR" dirty="0"/>
+              <a:t>VAUBOURG Mandel          CHAMPAULT Quentin</a:t>
+            </a:r>
+            <a:endParaRPr lang="en-US" dirty="0"/>
+          </a:p>
+        </p:txBody>
+      </p:sp>
+      <p:sp>
+        <p:nvSpPr>
+          <p:cNvPr id="9" name="Espace réservé du numéro de diapositive 8"/>
+          <p:cNvSpPr>
+            <a:spLocks noGrp="1"/>
+          </p:cNvSpPr>
+          <p:nvPr>
+            <p:ph type="sldNum" sz="quarter" idx="12"/>
+          </p:nvPr>
+        </p:nvSpPr>
+        <p:spPr/>
+        <p:txBody>
+          <a:bodyPr/>
+          <a:lstStyle/>
+          <a:p>
+            <a:fld id="{875A9697-78C3-4880-8D51-4C990C6F0385}" type="slidenum">
+              <a:rPr lang="en-US" smtClean="0"/>
+              <a:t>16</a:t>
+            </a:fld>
+            <a:endParaRPr lang="en-US" dirty="0"/>
+          </a:p>
+        </p:txBody>
+      </p:sp>
+      <p:sp>
+        <p:nvSpPr>
+          <p:cNvPr id="10" name="ZoneTexte 9"/>
+          <p:cNvSpPr txBox="1"/>
+          <p:nvPr/>
+        </p:nvSpPr>
+        <p:spPr>
+          <a:xfrm>
+            <a:off x="10610335" y="337751"/>
+            <a:ext cx="1581665" cy="369332"/>
+          </a:xfrm>
+          <a:prstGeom prst="rect">
+            <a:avLst/>
+          </a:prstGeom>
+          <a:noFill/>
+        </p:spPr>
+        <p:txBody>
+          <a:bodyPr wrap="square" rtlCol="0">
+            <a:spAutoFit/>
+          </a:bodyPr>
+          <a:lstStyle/>
+          <a:p>
+            <a:r>
+              <a:rPr lang="fr-FR" dirty="0">
+                <a:solidFill>
+                  <a:srgbClr val="FF0000"/>
+                </a:solidFill>
+              </a:rPr>
+              <a:t>Système projet</a:t>
+            </a:r>
+          </a:p>
+        </p:txBody>
+      </p:sp>
+      <p:sp>
+        <p:nvSpPr>
+          <p:cNvPr id="11" name="Rectangle 10"/>
+          <p:cNvSpPr/>
+          <p:nvPr/>
+        </p:nvSpPr>
+        <p:spPr>
+          <a:xfrm>
+            <a:off x="317212" y="1606347"/>
+            <a:ext cx="3935473" cy="701424"/>
+          </a:xfrm>
+          <a:prstGeom prst="rect">
+            <a:avLst/>
+          </a:prstGeom>
+          <a:solidFill>
+            <a:schemeClr val="accent2"/>
+          </a:solidFill>
+        </p:spPr>
+        <p:style>
+          <a:lnRef idx="2">
+            <a:schemeClr val="accent1">
+              <a:shade val="50000"/>
+            </a:schemeClr>
+          </a:lnRef>
+          <a:fillRef idx="1">
+            <a:schemeClr val="accent1"/>
+          </a:fillRef>
+          <a:effectRef idx="0">
+            <a:schemeClr val="accent1"/>
+          </a:effectRef>
+          <a:fontRef idx="minor">
+            <a:schemeClr val="lt1"/>
+          </a:fontRef>
+        </p:style>
+        <p:txBody>
+          <a:bodyPr rtlCol="0" anchor="ctr"/>
+          <a:lstStyle/>
+          <a:p>
+            <a:pPr algn="ctr"/>
+            <a:r>
+              <a:rPr lang="fr-FR" dirty="0"/>
+              <a:t>Lecture des fichiers de l’avion et stockage dans un tableau de structure</a:t>
+            </a:r>
+          </a:p>
+        </p:txBody>
+      </p:sp>
+      <p:sp>
+        <p:nvSpPr>
+          <p:cNvPr id="12" name="Rectangle 11"/>
+          <p:cNvSpPr/>
+          <p:nvPr/>
+        </p:nvSpPr>
+        <p:spPr>
+          <a:xfrm>
+            <a:off x="317212" y="2522677"/>
+            <a:ext cx="3935473" cy="888179"/>
+          </a:xfrm>
+          <a:prstGeom prst="rect">
+            <a:avLst/>
+          </a:prstGeom>
+          <a:solidFill>
+            <a:schemeClr val="accent2"/>
+          </a:solidFill>
+        </p:spPr>
+        <p:style>
+          <a:lnRef idx="2">
+            <a:schemeClr val="accent1">
+              <a:shade val="50000"/>
+            </a:schemeClr>
+          </a:lnRef>
+          <a:fillRef idx="1">
+            <a:schemeClr val="accent1"/>
+          </a:fillRef>
+          <a:effectRef idx="0">
+            <a:schemeClr val="accent1"/>
+          </a:effectRef>
+          <a:fontRef idx="minor">
+            <a:schemeClr val="lt1"/>
+          </a:fontRef>
+        </p:style>
+        <p:txBody>
+          <a:bodyPr rtlCol="0" anchor="ctr"/>
+          <a:lstStyle/>
+          <a:p>
+            <a:pPr algn="ctr"/>
+            <a:r>
+              <a:rPr lang="fr-FR" dirty="0"/>
+              <a:t>Tableau de structure envoyer au moteur de rendu ainsi que la direction, représentée par une énumération</a:t>
+            </a:r>
+          </a:p>
+        </p:txBody>
+      </p:sp>
+      <p:sp>
+        <p:nvSpPr>
+          <p:cNvPr id="14" name="Rectangle 13"/>
+          <p:cNvSpPr/>
+          <p:nvPr/>
+        </p:nvSpPr>
+        <p:spPr>
+          <a:xfrm>
+            <a:off x="8014463" y="1512969"/>
+            <a:ext cx="3935473" cy="888179"/>
+          </a:xfrm>
+          <a:prstGeom prst="rect">
+            <a:avLst/>
+          </a:prstGeom>
+          <a:solidFill>
+            <a:schemeClr val="accent2"/>
+          </a:solidFill>
+        </p:spPr>
+        <p:style>
+          <a:lnRef idx="2">
+            <a:schemeClr val="accent1">
+              <a:shade val="50000"/>
+            </a:schemeClr>
+          </a:lnRef>
+          <a:fillRef idx="1">
+            <a:schemeClr val="accent1"/>
+          </a:fillRef>
+          <a:effectRef idx="0">
+            <a:schemeClr val="accent1"/>
+          </a:effectRef>
+          <a:fontRef idx="minor">
+            <a:schemeClr val="lt1"/>
+          </a:fontRef>
+        </p:style>
+        <p:txBody>
+          <a:bodyPr rtlCol="0" anchor="ctr"/>
+          <a:lstStyle/>
+          <a:p>
+            <a:pPr algn="ctr"/>
+            <a:r>
+              <a:rPr lang="fr-FR" dirty="0"/>
+              <a:t>Création d’un thread qui va vérifier si l’utilisateur va appuyer sur une touche. </a:t>
+            </a:r>
+          </a:p>
+        </p:txBody>
+      </p:sp>
+      <p:cxnSp>
+        <p:nvCxnSpPr>
+          <p:cNvPr id="22" name="Connecteur : en angle 21"/>
+          <p:cNvCxnSpPr>
+            <a:stCxn id="12" idx="3"/>
+            <a:endCxn id="14" idx="1"/>
+          </p:cNvCxnSpPr>
+          <p:nvPr/>
+        </p:nvCxnSpPr>
+        <p:spPr>
+          <a:xfrm flipV="1">
+            <a:off x="4252685" y="1957059"/>
+            <a:ext cx="3761778" cy="1009708"/>
+          </a:xfrm>
+          <a:prstGeom prst="bentConnector3">
+            <a:avLst/>
+          </a:prstGeom>
+          <a:ln w="63500">
+            <a:tailEnd type="triangle"/>
+          </a:ln>
+        </p:spPr>
+        <p:style>
+          <a:lnRef idx="1">
+            <a:schemeClr val="accent1"/>
+          </a:lnRef>
+          <a:fillRef idx="0">
+            <a:schemeClr val="accent1"/>
+          </a:fillRef>
+          <a:effectRef idx="0">
+            <a:schemeClr val="accent1"/>
+          </a:effectRef>
+          <a:fontRef idx="minor">
+            <a:schemeClr val="tx1"/>
+          </a:fontRef>
+        </p:style>
+      </p:cxnSp>
+      <p:sp>
+        <p:nvSpPr>
+          <p:cNvPr id="25" name="Rectangle 24"/>
+          <p:cNvSpPr/>
+          <p:nvPr/>
+        </p:nvSpPr>
+        <p:spPr>
+          <a:xfrm>
+            <a:off x="317211" y="3626200"/>
+            <a:ext cx="3935473" cy="701424"/>
+          </a:xfrm>
+          <a:prstGeom prst="rect">
+            <a:avLst/>
+          </a:prstGeom>
+          <a:solidFill>
+            <a:schemeClr val="accent2"/>
+          </a:solidFill>
+        </p:spPr>
+        <p:style>
+          <a:lnRef idx="2">
+            <a:schemeClr val="accent1">
+              <a:shade val="50000"/>
+            </a:schemeClr>
+          </a:lnRef>
+          <a:fillRef idx="1">
+            <a:schemeClr val="accent1"/>
+          </a:fillRef>
+          <a:effectRef idx="0">
+            <a:schemeClr val="accent1"/>
+          </a:effectRef>
+          <a:fontRef idx="minor">
+            <a:schemeClr val="lt1"/>
+          </a:fontRef>
+        </p:style>
+        <p:txBody>
+          <a:bodyPr rtlCol="0" anchor="ctr"/>
+          <a:lstStyle/>
+          <a:p>
+            <a:pPr algn="ctr"/>
+            <a:r>
+              <a:rPr lang="fr-FR" dirty="0"/>
+              <a:t>Récupère la touche appuyée, ou conserve l’ancienne direction</a:t>
+            </a:r>
+          </a:p>
+        </p:txBody>
+      </p:sp>
+      <p:cxnSp>
+        <p:nvCxnSpPr>
+          <p:cNvPr id="27" name="Connecteur droit avec flèche 26"/>
+          <p:cNvCxnSpPr>
+            <a:stCxn id="12" idx="2"/>
+            <a:endCxn id="25" idx="0"/>
+          </p:cNvCxnSpPr>
+          <p:nvPr/>
+        </p:nvCxnSpPr>
+        <p:spPr>
+          <a:xfrm flipH="1">
+            <a:off x="2284948" y="3410856"/>
+            <a:ext cx="1" cy="215344"/>
+          </a:xfrm>
+          <a:prstGeom prst="straightConnector1">
+            <a:avLst/>
+          </a:prstGeom>
+          <a:ln w="63500">
+            <a:tailEnd type="triangle"/>
+          </a:ln>
+        </p:spPr>
+        <p:style>
+          <a:lnRef idx="1">
+            <a:schemeClr val="accent1"/>
+          </a:lnRef>
+          <a:fillRef idx="0">
+            <a:schemeClr val="accent1"/>
+          </a:fillRef>
+          <a:effectRef idx="0">
+            <a:schemeClr val="accent1"/>
+          </a:effectRef>
+          <a:fontRef idx="minor">
+            <a:schemeClr val="tx1"/>
+          </a:fontRef>
+        </p:style>
+      </p:cxnSp>
+      <p:cxnSp>
+        <p:nvCxnSpPr>
+          <p:cNvPr id="28" name="Connecteur droit avec flèche 27"/>
+          <p:cNvCxnSpPr>
+            <a:cxnSpLocks/>
+            <a:stCxn id="11" idx="2"/>
+            <a:endCxn id="12" idx="0"/>
+          </p:cNvCxnSpPr>
+          <p:nvPr/>
+        </p:nvCxnSpPr>
+        <p:spPr>
+          <a:xfrm>
+            <a:off x="2284949" y="2307771"/>
+            <a:ext cx="0" cy="214906"/>
+          </a:xfrm>
+          <a:prstGeom prst="straightConnector1">
+            <a:avLst/>
+          </a:prstGeom>
+          <a:ln w="63500">
+            <a:tailEnd type="triangle"/>
+          </a:ln>
+        </p:spPr>
+        <p:style>
+          <a:lnRef idx="1">
+            <a:schemeClr val="accent1"/>
+          </a:lnRef>
+          <a:fillRef idx="0">
+            <a:schemeClr val="accent1"/>
+          </a:fillRef>
+          <a:effectRef idx="0">
+            <a:schemeClr val="accent1"/>
+          </a:effectRef>
+          <a:fontRef idx="minor">
+            <a:schemeClr val="tx1"/>
+          </a:fontRef>
+        </p:style>
+      </p:cxnSp>
+      <p:sp>
+        <p:nvSpPr>
+          <p:cNvPr id="36" name="Rectangle 35"/>
+          <p:cNvSpPr/>
+          <p:nvPr/>
+        </p:nvSpPr>
+        <p:spPr>
+          <a:xfrm>
+            <a:off x="323416" y="4509637"/>
+            <a:ext cx="3935473" cy="701424"/>
+          </a:xfrm>
+          <a:prstGeom prst="rect">
+            <a:avLst/>
+          </a:prstGeom>
+          <a:solidFill>
+            <a:schemeClr val="accent2"/>
+          </a:solidFill>
+        </p:spPr>
+        <p:style>
+          <a:lnRef idx="2">
+            <a:schemeClr val="accent1">
+              <a:shade val="50000"/>
+            </a:schemeClr>
+          </a:lnRef>
+          <a:fillRef idx="1">
+            <a:schemeClr val="accent1"/>
+          </a:fillRef>
+          <a:effectRef idx="0">
+            <a:schemeClr val="accent1"/>
+          </a:effectRef>
+          <a:fontRef idx="minor">
+            <a:schemeClr val="lt1"/>
+          </a:fontRef>
+        </p:style>
+        <p:txBody>
+          <a:bodyPr rtlCol="0" anchor="ctr"/>
+          <a:lstStyle/>
+          <a:p>
+            <a:pPr algn="ctr"/>
+            <a:r>
+              <a:rPr lang="fr-FR" dirty="0"/>
+              <a:t>Lecture de fichier dans un thread </a:t>
+            </a:r>
+            <a:r>
+              <a:rPr lang="fr-FR" i="1" dirty="0"/>
+              <a:t>(Et attente du main)</a:t>
+            </a:r>
+            <a:r>
+              <a:rPr lang="fr-FR" dirty="0"/>
+              <a:t> </a:t>
+            </a:r>
+          </a:p>
+        </p:txBody>
+      </p:sp>
+      <p:sp>
+        <p:nvSpPr>
+          <p:cNvPr id="37" name="Rectangle 36"/>
+          <p:cNvSpPr/>
+          <p:nvPr/>
+        </p:nvSpPr>
+        <p:spPr>
+          <a:xfrm>
+            <a:off x="317210" y="5359814"/>
+            <a:ext cx="3935473" cy="701424"/>
+          </a:xfrm>
+          <a:prstGeom prst="rect">
+            <a:avLst/>
+          </a:prstGeom>
+          <a:solidFill>
+            <a:schemeClr val="accent2"/>
+          </a:solidFill>
+        </p:spPr>
+        <p:style>
+          <a:lnRef idx="2">
+            <a:schemeClr val="accent1">
+              <a:shade val="50000"/>
+            </a:schemeClr>
+          </a:lnRef>
+          <a:fillRef idx="1">
+            <a:schemeClr val="accent1"/>
+          </a:fillRef>
+          <a:effectRef idx="0">
+            <a:schemeClr val="accent1"/>
+          </a:effectRef>
+          <a:fontRef idx="minor">
+            <a:schemeClr val="lt1"/>
+          </a:fontRef>
+        </p:style>
+        <p:txBody>
+          <a:bodyPr rtlCol="0" anchor="ctr"/>
+          <a:lstStyle/>
+          <a:p>
+            <a:pPr algn="ctr"/>
+            <a:r>
+              <a:rPr lang="fr-FR" dirty="0"/>
+              <a:t>Création de deux tableau, pour l’avion et le </a:t>
+            </a:r>
+            <a:r>
+              <a:rPr lang="fr-FR" dirty="0" err="1"/>
+              <a:t>shell</a:t>
+            </a:r>
+            <a:r>
+              <a:rPr lang="fr-FR" dirty="0"/>
+              <a:t>.</a:t>
+            </a:r>
+          </a:p>
+        </p:txBody>
+      </p:sp>
+      <p:sp>
+        <p:nvSpPr>
+          <p:cNvPr id="38" name="Rectangle 37"/>
+          <p:cNvSpPr/>
+          <p:nvPr/>
+        </p:nvSpPr>
+        <p:spPr>
+          <a:xfrm>
+            <a:off x="4471927" y="5360923"/>
+            <a:ext cx="3365787" cy="701424"/>
+          </a:xfrm>
+          <a:prstGeom prst="rect">
+            <a:avLst/>
+          </a:prstGeom>
+          <a:solidFill>
+            <a:schemeClr val="accent2"/>
+          </a:solidFill>
+        </p:spPr>
+        <p:style>
+          <a:lnRef idx="2">
+            <a:schemeClr val="accent1">
+              <a:shade val="50000"/>
+            </a:schemeClr>
+          </a:lnRef>
+          <a:fillRef idx="1">
+            <a:schemeClr val="accent1"/>
+          </a:fillRef>
+          <a:effectRef idx="0">
+            <a:schemeClr val="accent1"/>
+          </a:effectRef>
+          <a:fontRef idx="minor">
+            <a:schemeClr val="lt1"/>
+          </a:fontRef>
+        </p:style>
+        <p:txBody>
+          <a:bodyPr rtlCol="0" anchor="ctr"/>
+          <a:lstStyle/>
+          <a:p>
+            <a:pPr algn="ctr"/>
+            <a:r>
+              <a:rPr lang="fr-FR" dirty="0"/>
+              <a:t>Trie des positions de l’avion, et on sélectionne la bonne</a:t>
+            </a:r>
+          </a:p>
+        </p:txBody>
+      </p:sp>
+      <p:sp>
+        <p:nvSpPr>
+          <p:cNvPr id="39" name="Rectangle 38"/>
+          <p:cNvSpPr/>
+          <p:nvPr/>
+        </p:nvSpPr>
+        <p:spPr>
+          <a:xfrm>
+            <a:off x="8056958" y="5359814"/>
+            <a:ext cx="3935473" cy="701424"/>
+          </a:xfrm>
+          <a:prstGeom prst="rect">
+            <a:avLst/>
+          </a:prstGeom>
+          <a:solidFill>
+            <a:schemeClr val="accent2"/>
+          </a:solidFill>
+        </p:spPr>
+        <p:style>
+          <a:lnRef idx="2">
+            <a:schemeClr val="accent1">
+              <a:shade val="50000"/>
+            </a:schemeClr>
+          </a:lnRef>
+          <a:fillRef idx="1">
+            <a:schemeClr val="accent1"/>
+          </a:fillRef>
+          <a:effectRef idx="0">
+            <a:schemeClr val="accent1"/>
+          </a:effectRef>
+          <a:fontRef idx="minor">
+            <a:schemeClr val="lt1"/>
+          </a:fontRef>
+        </p:style>
+        <p:txBody>
+          <a:bodyPr rtlCol="0" anchor="ctr"/>
+          <a:lstStyle/>
+          <a:p>
+            <a:pPr algn="ctr"/>
+            <a:r>
+              <a:rPr lang="fr-FR" dirty="0"/>
+              <a:t>On place l’avion a sa nouvelle position</a:t>
+            </a:r>
+          </a:p>
+        </p:txBody>
+      </p:sp>
+      <p:cxnSp>
+        <p:nvCxnSpPr>
+          <p:cNvPr id="41" name="Connecteur droit avec flèche 40"/>
+          <p:cNvCxnSpPr>
+            <a:stCxn id="25" idx="2"/>
+            <a:endCxn id="36" idx="0"/>
+          </p:cNvCxnSpPr>
+          <p:nvPr/>
+        </p:nvCxnSpPr>
+        <p:spPr>
+          <a:xfrm>
+            <a:off x="2284948" y="4327624"/>
+            <a:ext cx="6205" cy="182013"/>
+          </a:xfrm>
+          <a:prstGeom prst="straightConnector1">
+            <a:avLst/>
+          </a:prstGeom>
+          <a:ln w="63500">
+            <a:tailEnd type="triangle"/>
+          </a:ln>
+        </p:spPr>
+        <p:style>
+          <a:lnRef idx="1">
+            <a:schemeClr val="accent1"/>
+          </a:lnRef>
+          <a:fillRef idx="0">
+            <a:schemeClr val="accent1"/>
+          </a:fillRef>
+          <a:effectRef idx="0">
+            <a:schemeClr val="accent1"/>
+          </a:effectRef>
+          <a:fontRef idx="minor">
+            <a:schemeClr val="tx1"/>
+          </a:fontRef>
+        </p:style>
+      </p:cxnSp>
+      <p:cxnSp>
+        <p:nvCxnSpPr>
+          <p:cNvPr id="42" name="Connecteur droit avec flèche 41"/>
+          <p:cNvCxnSpPr>
+            <a:cxnSpLocks/>
+            <a:stCxn id="36" idx="2"/>
+            <a:endCxn id="37" idx="0"/>
+          </p:cNvCxnSpPr>
+          <p:nvPr/>
+        </p:nvCxnSpPr>
+        <p:spPr>
+          <a:xfrm flipH="1">
+            <a:off x="2284947" y="5211061"/>
+            <a:ext cx="6206" cy="148753"/>
+          </a:xfrm>
+          <a:prstGeom prst="straightConnector1">
+            <a:avLst/>
+          </a:prstGeom>
+          <a:ln w="63500">
+            <a:tailEnd type="triangle"/>
+          </a:ln>
+        </p:spPr>
+        <p:style>
+          <a:lnRef idx="1">
+            <a:schemeClr val="accent1"/>
+          </a:lnRef>
+          <a:fillRef idx="0">
+            <a:schemeClr val="accent1"/>
+          </a:fillRef>
+          <a:effectRef idx="0">
+            <a:schemeClr val="accent1"/>
+          </a:effectRef>
+          <a:fontRef idx="minor">
+            <a:schemeClr val="tx1"/>
+          </a:fontRef>
+        </p:style>
+      </p:cxnSp>
+      <p:cxnSp>
+        <p:nvCxnSpPr>
+          <p:cNvPr id="45" name="Connecteur droit avec flèche 44"/>
+          <p:cNvCxnSpPr>
+            <a:cxnSpLocks/>
+            <a:stCxn id="37" idx="3"/>
+            <a:endCxn id="38" idx="1"/>
+          </p:cNvCxnSpPr>
+          <p:nvPr/>
+        </p:nvCxnSpPr>
+        <p:spPr>
+          <a:xfrm>
+            <a:off x="4252683" y="5710526"/>
+            <a:ext cx="219244" cy="1109"/>
+          </a:xfrm>
+          <a:prstGeom prst="straightConnector1">
+            <a:avLst/>
+          </a:prstGeom>
+          <a:ln w="63500">
+            <a:tailEnd type="triangle"/>
+          </a:ln>
+        </p:spPr>
+        <p:style>
+          <a:lnRef idx="1">
+            <a:schemeClr val="accent1"/>
+          </a:lnRef>
+          <a:fillRef idx="0">
+            <a:schemeClr val="accent1"/>
+          </a:fillRef>
+          <a:effectRef idx="0">
+            <a:schemeClr val="accent1"/>
+          </a:effectRef>
+          <a:fontRef idx="minor">
+            <a:schemeClr val="tx1"/>
+          </a:fontRef>
+        </p:style>
+      </p:cxnSp>
+      <p:cxnSp>
+        <p:nvCxnSpPr>
+          <p:cNvPr id="48" name="Connecteur droit avec flèche 47"/>
+          <p:cNvCxnSpPr>
+            <a:cxnSpLocks/>
+            <a:stCxn id="38" idx="3"/>
+            <a:endCxn id="39" idx="1"/>
+          </p:cNvCxnSpPr>
+          <p:nvPr/>
+        </p:nvCxnSpPr>
+        <p:spPr>
+          <a:xfrm flipV="1">
+            <a:off x="7837714" y="5710526"/>
+            <a:ext cx="219244" cy="1109"/>
+          </a:xfrm>
+          <a:prstGeom prst="straightConnector1">
+            <a:avLst/>
+          </a:prstGeom>
+          <a:ln w="63500">
+            <a:tailEnd type="triangle"/>
+          </a:ln>
+        </p:spPr>
+        <p:style>
+          <a:lnRef idx="1">
+            <a:schemeClr val="accent1"/>
+          </a:lnRef>
+          <a:fillRef idx="0">
+            <a:schemeClr val="accent1"/>
+          </a:fillRef>
+          <a:effectRef idx="0">
+            <a:schemeClr val="accent1"/>
+          </a:effectRef>
+          <a:fontRef idx="minor">
+            <a:schemeClr val="tx1"/>
+          </a:fontRef>
+        </p:style>
+      </p:cxnSp>
+      <p:pic>
+        <p:nvPicPr>
+          <p:cNvPr id="53" name="Image 52" descr="C:\Users\Vaubourg\AppData\Local\Microsoft\Windows\INetCacheContent.Word\interactif.png"/>
+          <p:cNvPicPr/>
+          <p:nvPr/>
+        </p:nvPicPr>
+        <p:blipFill>
+          <a:blip r:embed="rId4">
+            <a:extLst>
+              <a:ext uri="{28A0092B-C50C-407E-A947-70E740481C1C}">
+                <a14:useLocalDpi xmlns:a14="http://schemas.microsoft.com/office/drawing/2010/main" val="0"/>
+              </a:ext>
+            </a:extLst>
+          </a:blip>
+          <a:srcRect/>
+          <a:stretch>
+            <a:fillRect/>
+          </a:stretch>
+        </p:blipFill>
+        <p:spPr bwMode="auto">
+          <a:xfrm>
+            <a:off x="7837714" y="2781478"/>
+            <a:ext cx="3940175" cy="2430780"/>
+          </a:xfrm>
+          <a:prstGeom prst="rect">
+            <a:avLst/>
+          </a:prstGeom>
+          <a:noFill/>
+          <a:ln>
+            <a:noFill/>
+          </a:ln>
+        </p:spPr>
+      </p:pic>
+      <p:cxnSp>
+        <p:nvCxnSpPr>
+          <p:cNvPr id="63" name="Connecteur : en angle 62"/>
+          <p:cNvCxnSpPr>
+            <a:cxnSpLocks/>
+            <a:endCxn id="25" idx="3"/>
+          </p:cNvCxnSpPr>
+          <p:nvPr/>
+        </p:nvCxnSpPr>
+        <p:spPr>
+          <a:xfrm rot="10800000" flipV="1">
+            <a:off x="4252684" y="2678312"/>
+            <a:ext cx="5772010" cy="1298599"/>
+          </a:xfrm>
+          <a:prstGeom prst="bentConnector3">
+            <a:avLst>
+              <a:gd name="adj1" fmla="val 50000"/>
+            </a:avLst>
+          </a:prstGeom>
+          <a:ln w="63500">
+            <a:tailEnd type="triangle"/>
+          </a:ln>
+        </p:spPr>
+        <p:style>
+          <a:lnRef idx="1">
+            <a:schemeClr val="accent1"/>
+          </a:lnRef>
+          <a:fillRef idx="0">
+            <a:schemeClr val="accent1"/>
+          </a:fillRef>
+          <a:effectRef idx="0">
+            <a:schemeClr val="accent1"/>
+          </a:effectRef>
+          <a:fontRef idx="minor">
+            <a:schemeClr val="tx1"/>
+          </a:fontRef>
+        </p:style>
+      </p:cxnSp>
+      <p:cxnSp>
+        <p:nvCxnSpPr>
+          <p:cNvPr id="68" name="Connecteur droit 67"/>
+          <p:cNvCxnSpPr>
+            <a:stCxn id="14" idx="2"/>
+          </p:cNvCxnSpPr>
+          <p:nvPr/>
+        </p:nvCxnSpPr>
+        <p:spPr>
+          <a:xfrm flipH="1">
+            <a:off x="9982199" y="2401148"/>
+            <a:ext cx="1" cy="286737"/>
+          </a:xfrm>
+          <a:prstGeom prst="line">
+            <a:avLst/>
+          </a:prstGeom>
+          <a:ln w="63500"/>
+        </p:spPr>
+        <p:style>
+          <a:lnRef idx="1">
+            <a:schemeClr val="accent1"/>
+          </a:lnRef>
+          <a:fillRef idx="0">
+            <a:schemeClr val="accent1"/>
+          </a:fillRef>
+          <a:effectRef idx="0">
+            <a:schemeClr val="accent1"/>
+          </a:effectRef>
+          <a:fontRef idx="minor">
+            <a:schemeClr val="tx1"/>
+          </a:fontRef>
+        </p:style>
+      </p:cxnSp>
+    </p:spTree>
+    <p:extLst>
+      <p:ext uri="{BB962C8B-B14F-4D97-AF65-F5344CB8AC3E}">
+        <p14:creationId xmlns:p14="http://schemas.microsoft.com/office/powerpoint/2010/main" val="3537500367"/>
+      </p:ext>
+    </p:extLst>
+  </p:cSld>
+  <p:clrMapOvr>
+    <a:masterClrMapping/>
+  </p:clrMapOvr>
+</p:sld>
+</file>
+
+<file path=ppt/slides/slide17.xml><?xml version="1.0" encoding="utf-8"?>
+<p:sld xmlns:a="http://schemas.openxmlformats.org/drawingml/2006/main" xmlns:r="http://schemas.openxmlformats.org/officeDocument/2006/relationships" xmlns:p="http://schemas.openxmlformats.org/presentationml/2006/main">
+  <p:cSld>
+    <p:spTree>
+      <p:nvGrpSpPr>
+        <p:cNvPr id="1" name=""/>
+        <p:cNvGrpSpPr/>
+        <p:nvPr/>
+      </p:nvGrpSpPr>
+      <p:grpSpPr>
+        <a:xfrm>
+          <a:off x="0" y="0"/>
+          <a:ext cx="0" cy="0"/>
+          <a:chOff x="0" y="0"/>
+          <a:chExt cx="0" cy="0"/>
+        </a:xfrm>
+      </p:grpSpPr>
+      <p:sp>
+        <p:nvSpPr>
+          <p:cNvPr id="2" name="Title 1"/>
+          <p:cNvSpPr>
+            <a:spLocks noGrp="1"/>
+          </p:cNvSpPr>
+          <p:nvPr>
+            <p:ph type="ctrTitle"/>
+          </p:nvPr>
+        </p:nvSpPr>
+        <p:spPr>
+          <a:xfrm>
+            <a:off x="1581665" y="337751"/>
+            <a:ext cx="9144000" cy="916331"/>
+          </a:xfrm>
+        </p:spPr>
+        <p:txBody>
+          <a:bodyPr>
+            <a:normAutofit/>
+          </a:bodyPr>
+          <a:lstStyle/>
+          <a:p>
+            <a:r>
+              <a:rPr lang="fr-FR" sz="3600" b="1" dirty="0">
+                <a:solidFill>
+                  <a:srgbClr val="FF0000"/>
+                </a:solidFill>
+              </a:rPr>
+              <a:t>Le lanceur</a:t>
+            </a:r>
+            <a:endParaRPr lang="fr-FR" sz="3200" b="1" dirty="0">
+              <a:solidFill>
+                <a:srgbClr val="FF0000"/>
+              </a:solidFill>
+            </a:endParaRPr>
+          </a:p>
+        </p:txBody>
+      </p:sp>
+      <p:pic>
+        <p:nvPicPr>
+          <p:cNvPr id="4" name="Picture 3"/>
+          <p:cNvPicPr>
+            <a:picLocks noChangeAspect="1"/>
+          </p:cNvPicPr>
+          <p:nvPr/>
+        </p:nvPicPr>
+        <p:blipFill>
+          <a:blip r:embed="rId2">
+            <a:extLst>
+              <a:ext uri="{28A0092B-C50C-407E-A947-70E740481C1C}">
+                <a14:useLocalDpi xmlns:a14="http://schemas.microsoft.com/office/drawing/2010/main" val="0"/>
+              </a:ext>
+            </a:extLst>
+          </a:blip>
+          <a:stretch>
+            <a:fillRect/>
+          </a:stretch>
+        </p:blipFill>
+        <p:spPr>
+          <a:xfrm>
+            <a:off x="404298" y="463507"/>
+            <a:ext cx="1514475" cy="790575"/>
+          </a:xfrm>
+          <a:prstGeom prst="rect">
+            <a:avLst/>
+          </a:prstGeom>
+        </p:spPr>
+      </p:pic>
+      <p:sp>
+        <p:nvSpPr>
+          <p:cNvPr id="5" name="Rectangle 4"/>
+          <p:cNvSpPr/>
+          <p:nvPr/>
+        </p:nvSpPr>
+        <p:spPr>
+          <a:xfrm>
+            <a:off x="0" y="0"/>
+            <a:ext cx="12192000" cy="337751"/>
+          </a:xfrm>
+          <a:prstGeom prst="rect">
+            <a:avLst/>
+          </a:prstGeom>
+          <a:solidFill>
+            <a:srgbClr val="FF0000"/>
+          </a:solidFill>
+          <a:effectLst/>
+        </p:spPr>
+        <p:style>
+          <a:lnRef idx="2">
+            <a:schemeClr val="accent1">
+              <a:shade val="50000"/>
+            </a:schemeClr>
+          </a:lnRef>
+          <a:fillRef idx="1">
+            <a:schemeClr val="accent1"/>
+          </a:fillRef>
+          <a:effectRef idx="0">
+            <a:schemeClr val="accent1"/>
+          </a:effectRef>
+          <a:fontRef idx="minor">
+            <a:schemeClr val="lt1"/>
+          </a:fontRef>
+        </p:style>
+        <p:txBody>
+          <a:bodyPr rtlCol="0" anchor="ctr"/>
+          <a:lstStyle/>
+          <a:p>
+            <a:pPr algn="ctr"/>
+            <a:endParaRPr lang="en-US" dirty="0"/>
+          </a:p>
+        </p:txBody>
+      </p:sp>
+      <p:pic>
+        <p:nvPicPr>
+          <p:cNvPr id="6" name="Image 5"/>
+          <p:cNvPicPr>
+            <a:picLocks noChangeAspect="1"/>
+          </p:cNvPicPr>
+          <p:nvPr/>
+        </p:nvPicPr>
+        <p:blipFill>
+          <a:blip r:embed="rId3"/>
+          <a:stretch>
+            <a:fillRect/>
+          </a:stretch>
+        </p:blipFill>
+        <p:spPr>
+          <a:xfrm>
+            <a:off x="257690" y="6244480"/>
+            <a:ext cx="1323975" cy="409575"/>
+          </a:xfrm>
+          <a:prstGeom prst="rect">
+            <a:avLst/>
+          </a:prstGeom>
+        </p:spPr>
+      </p:pic>
+      <p:sp>
+        <p:nvSpPr>
+          <p:cNvPr id="8" name="Espace réservé du pied de page 7"/>
+          <p:cNvSpPr>
+            <a:spLocks noGrp="1"/>
+          </p:cNvSpPr>
+          <p:nvPr>
+            <p:ph type="ftr" sz="quarter" idx="11"/>
+          </p:nvPr>
+        </p:nvSpPr>
+        <p:spPr/>
+        <p:txBody>
+          <a:bodyPr/>
+          <a:lstStyle/>
+          <a:p>
+            <a:r>
+              <a:rPr lang="fr-FR" dirty="0"/>
+              <a:t>VAUBOURG Mandel          CHAMPAULT Quentin</a:t>
+            </a:r>
+            <a:endParaRPr lang="en-US" dirty="0"/>
+          </a:p>
+        </p:txBody>
+      </p:sp>
+      <p:sp>
+        <p:nvSpPr>
+          <p:cNvPr id="9" name="Espace réservé du numéro de diapositive 8"/>
+          <p:cNvSpPr>
+            <a:spLocks noGrp="1"/>
+          </p:cNvSpPr>
+          <p:nvPr>
+            <p:ph type="sldNum" sz="quarter" idx="12"/>
+          </p:nvPr>
+        </p:nvSpPr>
+        <p:spPr/>
+        <p:txBody>
+          <a:bodyPr/>
+          <a:lstStyle/>
+          <a:p>
+            <a:fld id="{875A9697-78C3-4880-8D51-4C990C6F0385}" type="slidenum">
+              <a:rPr lang="en-US" smtClean="0"/>
+              <a:t>17</a:t>
+            </a:fld>
+            <a:endParaRPr lang="en-US" dirty="0"/>
+          </a:p>
+        </p:txBody>
+      </p:sp>
+      <p:sp>
+        <p:nvSpPr>
+          <p:cNvPr id="10" name="ZoneTexte 9"/>
+          <p:cNvSpPr txBox="1"/>
+          <p:nvPr/>
+        </p:nvSpPr>
+        <p:spPr>
+          <a:xfrm>
+            <a:off x="10610335" y="337751"/>
+            <a:ext cx="1581665" cy="369332"/>
+          </a:xfrm>
+          <a:prstGeom prst="rect">
+            <a:avLst/>
+          </a:prstGeom>
+          <a:noFill/>
+        </p:spPr>
+        <p:txBody>
+          <a:bodyPr wrap="square" rtlCol="0">
+            <a:spAutoFit/>
+          </a:bodyPr>
+          <a:lstStyle/>
+          <a:p>
+            <a:r>
+              <a:rPr lang="fr-FR" dirty="0">
+                <a:solidFill>
+                  <a:srgbClr val="FF0000"/>
+                </a:solidFill>
+              </a:rPr>
+              <a:t>Système projet</a:t>
+            </a:r>
+          </a:p>
+        </p:txBody>
+      </p:sp>
+      <p:sp>
+        <p:nvSpPr>
+          <p:cNvPr id="12" name="Rectangle 11"/>
+          <p:cNvSpPr/>
+          <p:nvPr/>
+        </p:nvSpPr>
+        <p:spPr>
+          <a:xfrm>
+            <a:off x="4128263" y="1591833"/>
+            <a:ext cx="3935473" cy="701424"/>
+          </a:xfrm>
+          <a:prstGeom prst="rect">
+            <a:avLst/>
+          </a:prstGeom>
+          <a:solidFill>
+            <a:schemeClr val="accent2"/>
+          </a:solidFill>
+        </p:spPr>
+        <p:style>
+          <a:lnRef idx="2">
+            <a:schemeClr val="accent1">
+              <a:shade val="50000"/>
+            </a:schemeClr>
+          </a:lnRef>
+          <a:fillRef idx="1">
+            <a:schemeClr val="accent1"/>
+          </a:fillRef>
+          <a:effectRef idx="0">
+            <a:schemeClr val="accent1"/>
+          </a:effectRef>
+          <a:fontRef idx="minor">
+            <a:schemeClr val="lt1"/>
+          </a:fontRef>
+        </p:style>
+        <p:txBody>
+          <a:bodyPr rtlCol="0" anchor="ctr"/>
+          <a:lstStyle/>
+          <a:p>
+            <a:pPr algn="ctr"/>
+            <a:r>
+              <a:rPr lang="fr-FR" dirty="0"/>
+              <a:t>Choisit aléatoirement un écran de veille si ne reçoit pas l’argument -stat</a:t>
+            </a:r>
+          </a:p>
+        </p:txBody>
+      </p:sp>
+      <p:sp>
+        <p:nvSpPr>
+          <p:cNvPr id="13" name="Rectangle 12"/>
+          <p:cNvSpPr/>
+          <p:nvPr/>
+        </p:nvSpPr>
+        <p:spPr>
+          <a:xfrm>
+            <a:off x="8610600" y="2881747"/>
+            <a:ext cx="3292823" cy="877452"/>
+          </a:xfrm>
+          <a:prstGeom prst="rect">
+            <a:avLst/>
+          </a:prstGeom>
+          <a:solidFill>
+            <a:schemeClr val="accent2"/>
+          </a:solidFill>
+        </p:spPr>
+        <p:style>
+          <a:lnRef idx="2">
+            <a:schemeClr val="accent1">
+              <a:shade val="50000"/>
+            </a:schemeClr>
+          </a:lnRef>
+          <a:fillRef idx="1">
+            <a:schemeClr val="accent1"/>
+          </a:fillRef>
+          <a:effectRef idx="0">
+            <a:schemeClr val="accent1"/>
+          </a:effectRef>
+          <a:fontRef idx="minor">
+            <a:schemeClr val="lt1"/>
+          </a:fontRef>
+        </p:style>
+        <p:txBody>
+          <a:bodyPr rtlCol="0" anchor="ctr"/>
+          <a:lstStyle/>
+          <a:p>
+            <a:pPr algn="ctr"/>
+            <a:r>
+              <a:rPr lang="fr-FR" sz="1600" dirty="0"/>
+              <a:t>Choisit une position et une direction aléatoire et l’envoie a l’historique et a l’écran de veille interactif</a:t>
+            </a:r>
+          </a:p>
+        </p:txBody>
+      </p:sp>
+      <p:sp>
+        <p:nvSpPr>
+          <p:cNvPr id="14" name="Rectangle 13"/>
+          <p:cNvSpPr/>
+          <p:nvPr/>
+        </p:nvSpPr>
+        <p:spPr>
+          <a:xfrm>
+            <a:off x="4128262" y="2881747"/>
+            <a:ext cx="3935473" cy="877452"/>
+          </a:xfrm>
+          <a:prstGeom prst="rect">
+            <a:avLst/>
+          </a:prstGeom>
+          <a:solidFill>
+            <a:schemeClr val="accent2"/>
+          </a:solidFill>
+        </p:spPr>
+        <p:style>
+          <a:lnRef idx="2">
+            <a:schemeClr val="accent1">
+              <a:shade val="50000"/>
+            </a:schemeClr>
+          </a:lnRef>
+          <a:fillRef idx="1">
+            <a:schemeClr val="accent1"/>
+          </a:fillRef>
+          <a:effectRef idx="0">
+            <a:schemeClr val="accent1"/>
+          </a:effectRef>
+          <a:fontRef idx="minor">
+            <a:schemeClr val="lt1"/>
+          </a:fontRef>
+        </p:style>
+        <p:txBody>
+          <a:bodyPr rtlCol="0" anchor="ctr"/>
+          <a:lstStyle/>
+          <a:p>
+            <a:pPr algn="ctr"/>
+            <a:r>
+              <a:rPr lang="fr-FR" dirty="0"/>
+              <a:t>Envoie un nombre aléatoire d’actualisation a l’historique + écran de veille dynamique</a:t>
+            </a:r>
+          </a:p>
+        </p:txBody>
+      </p:sp>
+      <p:sp>
+        <p:nvSpPr>
+          <p:cNvPr id="15" name="Rectangle 14"/>
+          <p:cNvSpPr/>
+          <p:nvPr/>
+        </p:nvSpPr>
+        <p:spPr>
+          <a:xfrm>
+            <a:off x="404298" y="2881746"/>
+            <a:ext cx="3267816" cy="877453"/>
+          </a:xfrm>
+          <a:prstGeom prst="rect">
+            <a:avLst/>
+          </a:prstGeom>
+          <a:solidFill>
+            <a:schemeClr val="accent2"/>
+          </a:solidFill>
+        </p:spPr>
+        <p:style>
+          <a:lnRef idx="2">
+            <a:schemeClr val="accent1">
+              <a:shade val="50000"/>
+            </a:schemeClr>
+          </a:lnRef>
+          <a:fillRef idx="1">
+            <a:schemeClr val="accent1"/>
+          </a:fillRef>
+          <a:effectRef idx="0">
+            <a:schemeClr val="accent1"/>
+          </a:effectRef>
+          <a:fontRef idx="minor">
+            <a:schemeClr val="lt1"/>
+          </a:fontRef>
+        </p:style>
+        <p:txBody>
+          <a:bodyPr rtlCol="0" anchor="ctr"/>
+          <a:lstStyle/>
+          <a:p>
+            <a:pPr algn="ctr"/>
+            <a:r>
+              <a:rPr lang="fr-FR" dirty="0"/>
+              <a:t>Choisit une image aléatoirement  et l’envoie a l’historique + écran de veille statique</a:t>
+            </a:r>
+          </a:p>
+        </p:txBody>
+      </p:sp>
+      <p:cxnSp>
+        <p:nvCxnSpPr>
+          <p:cNvPr id="19" name="Connecteur : en angle 18"/>
+          <p:cNvCxnSpPr>
+            <a:stCxn id="12" idx="3"/>
+            <a:endCxn id="13" idx="0"/>
+          </p:cNvCxnSpPr>
+          <p:nvPr/>
+        </p:nvCxnSpPr>
+        <p:spPr>
+          <a:xfrm>
+            <a:off x="8063736" y="1942545"/>
+            <a:ext cx="2193276" cy="939202"/>
+          </a:xfrm>
+          <a:prstGeom prst="bentConnector2">
+            <a:avLst/>
+          </a:prstGeom>
+          <a:ln w="63500">
+            <a:tailEnd type="triangle"/>
+          </a:ln>
+        </p:spPr>
+        <p:style>
+          <a:lnRef idx="1">
+            <a:schemeClr val="accent1"/>
+          </a:lnRef>
+          <a:fillRef idx="0">
+            <a:schemeClr val="accent1"/>
+          </a:fillRef>
+          <a:effectRef idx="0">
+            <a:schemeClr val="accent1"/>
+          </a:effectRef>
+          <a:fontRef idx="minor">
+            <a:schemeClr val="tx1"/>
+          </a:fontRef>
+        </p:style>
+      </p:cxnSp>
+      <p:cxnSp>
+        <p:nvCxnSpPr>
+          <p:cNvPr id="21" name="Connecteur : en angle 20"/>
+          <p:cNvCxnSpPr>
+            <a:stCxn id="12" idx="1"/>
+            <a:endCxn id="15" idx="0"/>
+          </p:cNvCxnSpPr>
+          <p:nvPr/>
+        </p:nvCxnSpPr>
+        <p:spPr>
+          <a:xfrm rot="10800000" flipV="1">
+            <a:off x="2038207" y="1942544"/>
+            <a:ext cx="2090057" cy="939201"/>
+          </a:xfrm>
+          <a:prstGeom prst="bentConnector2">
+            <a:avLst/>
+          </a:prstGeom>
+          <a:ln w="63500">
+            <a:tailEnd type="triangle"/>
+          </a:ln>
+        </p:spPr>
+        <p:style>
+          <a:lnRef idx="1">
+            <a:schemeClr val="accent1"/>
+          </a:lnRef>
+          <a:fillRef idx="0">
+            <a:schemeClr val="accent1"/>
+          </a:fillRef>
+          <a:effectRef idx="0">
+            <a:schemeClr val="accent1"/>
+          </a:effectRef>
+          <a:fontRef idx="minor">
+            <a:schemeClr val="tx1"/>
+          </a:fontRef>
+        </p:style>
+      </p:cxnSp>
+      <p:cxnSp>
+        <p:nvCxnSpPr>
+          <p:cNvPr id="23" name="Connecteur droit avec flèche 22"/>
+          <p:cNvCxnSpPr>
+            <a:stCxn id="12" idx="2"/>
+            <a:endCxn id="14" idx="0"/>
+          </p:cNvCxnSpPr>
+          <p:nvPr/>
+        </p:nvCxnSpPr>
+        <p:spPr>
+          <a:xfrm flipH="1">
+            <a:off x="6095999" y="2293257"/>
+            <a:ext cx="1" cy="588490"/>
+          </a:xfrm>
+          <a:prstGeom prst="straightConnector1">
+            <a:avLst/>
+          </a:prstGeom>
+          <a:ln w="63500">
+            <a:tailEnd type="triangle"/>
+          </a:ln>
+        </p:spPr>
+        <p:style>
+          <a:lnRef idx="1">
+            <a:schemeClr val="accent1"/>
+          </a:lnRef>
+          <a:fillRef idx="0">
+            <a:schemeClr val="accent1"/>
+          </a:fillRef>
+          <a:effectRef idx="0">
+            <a:schemeClr val="accent1"/>
+          </a:effectRef>
+          <a:fontRef idx="minor">
+            <a:schemeClr val="tx1"/>
+          </a:fontRef>
+        </p:style>
+      </p:cxnSp>
+      <p:sp>
+        <p:nvSpPr>
+          <p:cNvPr id="30" name="Rectangle 29"/>
+          <p:cNvSpPr/>
+          <p:nvPr/>
+        </p:nvSpPr>
+        <p:spPr>
+          <a:xfrm>
+            <a:off x="4128261" y="4285865"/>
+            <a:ext cx="3935473" cy="701424"/>
+          </a:xfrm>
+          <a:prstGeom prst="rect">
+            <a:avLst/>
+          </a:prstGeom>
+          <a:solidFill>
+            <a:schemeClr val="accent2"/>
+          </a:solidFill>
+        </p:spPr>
+        <p:style>
+          <a:lnRef idx="2">
+            <a:schemeClr val="accent1">
+              <a:shade val="50000"/>
+            </a:schemeClr>
+          </a:lnRef>
+          <a:fillRef idx="1">
+            <a:schemeClr val="accent1"/>
+          </a:fillRef>
+          <a:effectRef idx="0">
+            <a:schemeClr val="accent1"/>
+          </a:effectRef>
+          <a:fontRef idx="minor">
+            <a:schemeClr val="lt1"/>
+          </a:fontRef>
+        </p:style>
+        <p:txBody>
+          <a:bodyPr rtlCol="0" anchor="ctr"/>
+          <a:lstStyle/>
+          <a:p>
+            <a:pPr algn="ctr"/>
+            <a:r>
+              <a:rPr lang="fr-FR" dirty="0"/>
+              <a:t>Affiche un menu pour accéder a l’historique </a:t>
+            </a:r>
+            <a:r>
+              <a:rPr lang="fr-FR" i="1" dirty="0"/>
+              <a:t>(Expliquer historique)</a:t>
+            </a:r>
+            <a:endParaRPr lang="fr-FR" dirty="0"/>
+          </a:p>
+        </p:txBody>
+      </p:sp>
+      <p:cxnSp>
+        <p:nvCxnSpPr>
+          <p:cNvPr id="32" name="Connecteur : en angle 31"/>
+          <p:cNvCxnSpPr>
+            <a:stCxn id="12" idx="1"/>
+            <a:endCxn id="30" idx="1"/>
+          </p:cNvCxnSpPr>
+          <p:nvPr/>
+        </p:nvCxnSpPr>
+        <p:spPr>
+          <a:xfrm rot="10800000" flipV="1">
+            <a:off x="4128261" y="1942545"/>
+            <a:ext cx="2" cy="2694032"/>
+          </a:xfrm>
+          <a:prstGeom prst="bentConnector3">
+            <a:avLst>
+              <a:gd name="adj1" fmla="val 11430100000"/>
+            </a:avLst>
+          </a:prstGeom>
+          <a:ln w="63500">
+            <a:tailEnd type="triangle"/>
+          </a:ln>
+        </p:spPr>
+        <p:style>
+          <a:lnRef idx="1">
+            <a:schemeClr val="accent1"/>
+          </a:lnRef>
+          <a:fillRef idx="0">
+            <a:schemeClr val="accent1"/>
+          </a:fillRef>
+          <a:effectRef idx="0">
+            <a:schemeClr val="accent1"/>
+          </a:effectRef>
+          <a:fontRef idx="minor">
+            <a:schemeClr val="tx1"/>
+          </a:fontRef>
+        </p:style>
+      </p:cxnSp>
+    </p:spTree>
+    <p:extLst>
+      <p:ext uri="{BB962C8B-B14F-4D97-AF65-F5344CB8AC3E}">
+        <p14:creationId xmlns:p14="http://schemas.microsoft.com/office/powerpoint/2010/main" val="3091919727"/>
+      </p:ext>
+    </p:extLst>
+  </p:cSld>
+  <p:clrMapOvr>
+    <a:masterClrMapping/>
+  </p:clrMapOvr>
+</p:sld>
+</file>
+
+<file path=ppt/slides/slide18.xml><?xml version="1.0" encoding="utf-8"?>
+<p:sld xmlns:a="http://schemas.openxmlformats.org/drawingml/2006/main" xmlns:r="http://schemas.openxmlformats.org/officeDocument/2006/relationships" xmlns:p="http://schemas.openxmlformats.org/presentationml/2006/main">
+  <p:cSld>
+    <p:spTree>
+      <p:nvGrpSpPr>
+        <p:cNvPr id="1" name=""/>
+        <p:cNvGrpSpPr/>
+        <p:nvPr/>
+      </p:nvGrpSpPr>
+      <p:grpSpPr>
+        <a:xfrm>
+          <a:off x="0" y="0"/>
+          <a:ext cx="0" cy="0"/>
+          <a:chOff x="0" y="0"/>
+          <a:chExt cx="0" cy="0"/>
+        </a:xfrm>
+      </p:grpSpPr>
+      <p:sp>
+        <p:nvSpPr>
+          <p:cNvPr id="2" name="Title 1"/>
+          <p:cNvSpPr>
+            <a:spLocks noGrp="1"/>
+          </p:cNvSpPr>
+          <p:nvPr>
+            <p:ph type="ctrTitle"/>
+          </p:nvPr>
+        </p:nvSpPr>
+        <p:spPr>
+          <a:xfrm>
+            <a:off x="1581665" y="337751"/>
+            <a:ext cx="9144000" cy="916331"/>
+          </a:xfrm>
+        </p:spPr>
+        <p:txBody>
+          <a:bodyPr>
+            <a:normAutofit/>
+          </a:bodyPr>
+          <a:lstStyle/>
+          <a:p>
+            <a:r>
+              <a:rPr lang="fr-FR" sz="3600" b="1" dirty="0">
+                <a:solidFill>
+                  <a:srgbClr val="FF0000"/>
+                </a:solidFill>
+              </a:rPr>
+              <a:t>La preuve en image</a:t>
+            </a:r>
+            <a:endParaRPr lang="fr-FR" sz="3200" b="1" dirty="0">
+              <a:solidFill>
+                <a:srgbClr val="FF0000"/>
+              </a:solidFill>
+            </a:endParaRPr>
+          </a:p>
+        </p:txBody>
+      </p:sp>
+      <p:pic>
+        <p:nvPicPr>
+          <p:cNvPr id="4" name="Picture 3"/>
+          <p:cNvPicPr>
+            <a:picLocks noChangeAspect="1"/>
+          </p:cNvPicPr>
+          <p:nvPr/>
+        </p:nvPicPr>
+        <p:blipFill>
+          <a:blip r:embed="rId2">
+            <a:extLst>
+              <a:ext uri="{28A0092B-C50C-407E-A947-70E740481C1C}">
+                <a14:useLocalDpi xmlns:a14="http://schemas.microsoft.com/office/drawing/2010/main" val="0"/>
+              </a:ext>
+            </a:extLst>
+          </a:blip>
+          <a:stretch>
+            <a:fillRect/>
+          </a:stretch>
+        </p:blipFill>
+        <p:spPr>
+          <a:xfrm>
+            <a:off x="404298" y="463507"/>
+            <a:ext cx="1514475" cy="790575"/>
+          </a:xfrm>
+          <a:prstGeom prst="rect">
+            <a:avLst/>
+          </a:prstGeom>
+        </p:spPr>
+      </p:pic>
+      <p:sp>
+        <p:nvSpPr>
+          <p:cNvPr id="5" name="Rectangle 4"/>
+          <p:cNvSpPr/>
+          <p:nvPr/>
+        </p:nvSpPr>
+        <p:spPr>
+          <a:xfrm>
+            <a:off x="0" y="0"/>
+            <a:ext cx="12192000" cy="337751"/>
+          </a:xfrm>
+          <a:prstGeom prst="rect">
+            <a:avLst/>
+          </a:prstGeom>
+          <a:solidFill>
+            <a:srgbClr val="FF0000"/>
+          </a:solidFill>
+          <a:effectLst/>
+        </p:spPr>
+        <p:style>
+          <a:lnRef idx="2">
+            <a:schemeClr val="accent1">
+              <a:shade val="50000"/>
+            </a:schemeClr>
+          </a:lnRef>
+          <a:fillRef idx="1">
+            <a:schemeClr val="accent1"/>
+          </a:fillRef>
+          <a:effectRef idx="0">
+            <a:schemeClr val="accent1"/>
+          </a:effectRef>
+          <a:fontRef idx="minor">
+            <a:schemeClr val="lt1"/>
+          </a:fontRef>
+        </p:style>
+        <p:txBody>
+          <a:bodyPr rtlCol="0" anchor="ctr"/>
+          <a:lstStyle/>
+          <a:p>
+            <a:pPr algn="ctr"/>
+            <a:endParaRPr lang="en-US" dirty="0"/>
+          </a:p>
+        </p:txBody>
+      </p:sp>
+      <p:pic>
+        <p:nvPicPr>
+          <p:cNvPr id="6" name="Image 5"/>
+          <p:cNvPicPr>
+            <a:picLocks noChangeAspect="1"/>
+          </p:cNvPicPr>
+          <p:nvPr/>
+        </p:nvPicPr>
+        <p:blipFill>
+          <a:blip r:embed="rId3"/>
+          <a:stretch>
+            <a:fillRect/>
+          </a:stretch>
+        </p:blipFill>
+        <p:spPr>
+          <a:xfrm>
+            <a:off x="257690" y="6244480"/>
+            <a:ext cx="1323975" cy="409575"/>
+          </a:xfrm>
+          <a:prstGeom prst="rect">
+            <a:avLst/>
+          </a:prstGeom>
+        </p:spPr>
+      </p:pic>
+      <p:sp>
+        <p:nvSpPr>
+          <p:cNvPr id="8" name="Espace réservé du pied de page 7"/>
+          <p:cNvSpPr>
+            <a:spLocks noGrp="1"/>
+          </p:cNvSpPr>
+          <p:nvPr>
+            <p:ph type="ftr" sz="quarter" idx="11"/>
+          </p:nvPr>
+        </p:nvSpPr>
+        <p:spPr/>
+        <p:txBody>
+          <a:bodyPr/>
+          <a:lstStyle/>
+          <a:p>
+            <a:r>
+              <a:rPr lang="fr-FR" dirty="0"/>
+              <a:t>VAUBOURG Mandel          CHAMPAULT Quentin</a:t>
+            </a:r>
+            <a:endParaRPr lang="en-US" dirty="0"/>
+          </a:p>
+        </p:txBody>
+      </p:sp>
+      <p:sp>
+        <p:nvSpPr>
+          <p:cNvPr id="9" name="Espace réservé du numéro de diapositive 8"/>
+          <p:cNvSpPr>
+            <a:spLocks noGrp="1"/>
+          </p:cNvSpPr>
+          <p:nvPr>
+            <p:ph type="sldNum" sz="quarter" idx="12"/>
+          </p:nvPr>
+        </p:nvSpPr>
+        <p:spPr/>
+        <p:txBody>
+          <a:bodyPr/>
+          <a:lstStyle/>
+          <a:p>
+            <a:fld id="{875A9697-78C3-4880-8D51-4C990C6F0385}" type="slidenum">
+              <a:rPr lang="en-US" smtClean="0"/>
+              <a:t>18</a:t>
+            </a:fld>
+            <a:endParaRPr lang="en-US" dirty="0"/>
+          </a:p>
+        </p:txBody>
+      </p:sp>
+      <p:sp>
+        <p:nvSpPr>
+          <p:cNvPr id="10" name="ZoneTexte 9"/>
+          <p:cNvSpPr txBox="1"/>
+          <p:nvPr/>
+        </p:nvSpPr>
+        <p:spPr>
+          <a:xfrm>
+            <a:off x="10610335" y="337751"/>
+            <a:ext cx="1581665" cy="369332"/>
+          </a:xfrm>
+          <a:prstGeom prst="rect">
+            <a:avLst/>
+          </a:prstGeom>
+          <a:noFill/>
+        </p:spPr>
+        <p:txBody>
+          <a:bodyPr wrap="square" rtlCol="0">
+            <a:spAutoFit/>
+          </a:bodyPr>
+          <a:lstStyle/>
+          <a:p>
+            <a:r>
+              <a:rPr lang="fr-FR" dirty="0">
+                <a:solidFill>
+                  <a:srgbClr val="FF0000"/>
+                </a:solidFill>
+              </a:rPr>
+              <a:t>Système projet</a:t>
+            </a:r>
+          </a:p>
+        </p:txBody>
+      </p:sp>
+      <p:pic>
+        <p:nvPicPr>
+          <p:cNvPr id="11" name="Image 10" descr="C:\Users\Vaubourg\AppData\Local\Microsoft\Windows\INetCacheContent.Word\static.png"/>
+          <p:cNvPicPr/>
+          <p:nvPr/>
+        </p:nvPicPr>
+        <p:blipFill>
+          <a:blip r:embed="rId4">
+            <a:extLst>
+              <a:ext uri="{28A0092B-C50C-407E-A947-70E740481C1C}">
+                <a14:useLocalDpi xmlns:a14="http://schemas.microsoft.com/office/drawing/2010/main" val="0"/>
+              </a:ext>
+            </a:extLst>
+          </a:blip>
+          <a:srcRect/>
+          <a:stretch>
+            <a:fillRect/>
+          </a:stretch>
+        </p:blipFill>
+        <p:spPr bwMode="auto">
+          <a:xfrm>
+            <a:off x="3105393" y="1591833"/>
+            <a:ext cx="6096544" cy="4068738"/>
+          </a:xfrm>
+          <a:prstGeom prst="rect">
+            <a:avLst/>
+          </a:prstGeom>
+          <a:noFill/>
+          <a:ln>
+            <a:noFill/>
+          </a:ln>
+        </p:spPr>
+      </p:pic>
+    </p:spTree>
+    <p:extLst>
+      <p:ext uri="{BB962C8B-B14F-4D97-AF65-F5344CB8AC3E}">
+        <p14:creationId xmlns:p14="http://schemas.microsoft.com/office/powerpoint/2010/main" val="1290115897"/>
       </p:ext>
     </p:extLst>
   </p:cSld>
@@ -3758,7 +9258,7 @@
         </p:spPr>
         <p:txBody>
           <a:bodyPr>
-            <a:normAutofit fontScale="85000" lnSpcReduction="20000"/>
+            <a:normAutofit fontScale="92500" lnSpcReduction="20000"/>
           </a:bodyPr>
           <a:lstStyle/>
           <a:p>
@@ -3931,18 +9431,11 @@
             </a:pPr>
             <a:r>
               <a:rPr lang="en-US" dirty="0" err="1"/>
-              <a:t>L’historique</a:t>
-            </a:r>
-            <a:endParaRPr lang="en-US" dirty="0"/>
-          </a:p>
-          <a:p>
-            <a:pPr marL="342900" indent="-342900" algn="l">
-              <a:buFontTx/>
-              <a:buChar char="-"/>
-            </a:pPr>
+              <a:t>Démonstration</a:t>
+            </a:r>
             <a:r>
               <a:rPr lang="en-US" dirty="0"/>
-              <a:t>Demonstration finale</a:t>
+              <a:t> finale</a:t>
             </a:r>
           </a:p>
         </p:txBody>
@@ -4149,7 +9642,7 @@
                   <a:srgbClr val="FF0000"/>
                 </a:solidFill>
               </a:rPr>
-              <a:t>Contrainte techniques</a:t>
+              <a:t>Le contexte du projet</a:t>
             </a:r>
             <a:endParaRPr lang="fr-FR" sz="3200" b="1" dirty="0">
               <a:solidFill>
@@ -4336,10 +9829,34 @@
           </a:p>
         </p:txBody>
       </p:sp>
+      <p:pic>
+        <p:nvPicPr>
+          <p:cNvPr id="7" name="Image 6"/>
+          <p:cNvPicPr>
+            <a:picLocks noChangeAspect="1"/>
+          </p:cNvPicPr>
+          <p:nvPr/>
+        </p:nvPicPr>
+        <p:blipFill>
+          <a:blip r:embed="rId4"/>
+          <a:stretch>
+            <a:fillRect/>
+          </a:stretch>
+        </p:blipFill>
+        <p:spPr>
+          <a:xfrm>
+            <a:off x="2746717" y="1824871"/>
+            <a:ext cx="6698566" cy="3413692"/>
+          </a:xfrm>
+          <a:prstGeom prst="rect">
+            <a:avLst/>
+          </a:prstGeom>
+        </p:spPr>
+      </p:pic>
     </p:spTree>
     <p:extLst>
       <p:ext uri="{BB962C8B-B14F-4D97-AF65-F5344CB8AC3E}">
-        <p14:creationId xmlns:p14="http://schemas.microsoft.com/office/powerpoint/2010/main" val="2265625277"/>
+        <p14:creationId xmlns:p14="http://schemas.microsoft.com/office/powerpoint/2010/main" val="3057876097"/>
       </p:ext>
     </p:extLst>
   </p:cSld>
@@ -4394,7 +9911,7 @@
                   <a:srgbClr val="FF0000"/>
                 </a:solidFill>
               </a:rPr>
-              <a:t>Amélioration du cahier des charges</a:t>
+              <a:t>Contrainte techniques</a:t>
             </a:r>
             <a:endParaRPr lang="fr-FR" sz="3200" b="1" dirty="0">
               <a:solidFill>
@@ -4581,10 +10098,217 @@
           </a:p>
         </p:txBody>
       </p:sp>
+      <p:sp>
+        <p:nvSpPr>
+          <p:cNvPr id="7" name="ZoneTexte 6"/>
+          <p:cNvSpPr txBox="1"/>
+          <p:nvPr/>
+        </p:nvSpPr>
+        <p:spPr>
+          <a:xfrm>
+            <a:off x="1807884" y="1965555"/>
+            <a:ext cx="8691562" cy="4524315"/>
+          </a:xfrm>
+          <a:prstGeom prst="rect">
+            <a:avLst/>
+          </a:prstGeom>
+          <a:noFill/>
+        </p:spPr>
+        <p:txBody>
+          <a:bodyPr wrap="square" rtlCol="0">
+            <a:spAutoFit/>
+          </a:bodyPr>
+          <a:lstStyle/>
+          <a:p>
+            <a:pPr marL="285750" indent="-285750">
+              <a:buFontTx/>
+              <a:buChar char="-"/>
+            </a:pPr>
+            <a:r>
+              <a:rPr lang="fr-FR" sz="2400" dirty="0"/>
+              <a:t>Les images doivent être des fichiers PBM</a:t>
+            </a:r>
+          </a:p>
+          <a:p>
+            <a:pPr marL="285750" indent="-285750">
+              <a:buFontTx/>
+              <a:buChar char="-"/>
+            </a:pPr>
+            <a:endParaRPr lang="fr-FR" sz="2400" dirty="0"/>
+          </a:p>
+          <a:p>
+            <a:pPr marL="285750" indent="-285750">
+              <a:buFontTx/>
+              <a:buChar char="-"/>
+            </a:pPr>
+            <a:endParaRPr lang="fr-FR" sz="2400" dirty="0"/>
+          </a:p>
+          <a:p>
+            <a:pPr marL="285750" indent="-285750">
+              <a:buFontTx/>
+              <a:buChar char="-"/>
+            </a:pPr>
+            <a:endParaRPr lang="fr-FR" sz="2400" dirty="0"/>
+          </a:p>
+          <a:p>
+            <a:pPr marL="285750" indent="-285750">
+              <a:buFontTx/>
+              <a:buChar char="-"/>
+            </a:pPr>
+            <a:endParaRPr lang="fr-FR" sz="2400" dirty="0"/>
+          </a:p>
+          <a:p>
+            <a:pPr marL="285750" indent="-285750">
+              <a:buFontTx/>
+              <a:buChar char="-"/>
+            </a:pPr>
+            <a:r>
+              <a:rPr lang="fr-FR" sz="2400" dirty="0"/>
+              <a:t>Les images doivent être centrée dans la console</a:t>
+            </a:r>
+          </a:p>
+          <a:p>
+            <a:pPr marL="285750" indent="-285750">
+              <a:buFontTx/>
+              <a:buChar char="-"/>
+            </a:pPr>
+            <a:endParaRPr lang="fr-FR" sz="2400" dirty="0"/>
+          </a:p>
+          <a:p>
+            <a:pPr marL="285750" indent="-285750">
+              <a:buFontTx/>
+              <a:buChar char="-"/>
+            </a:pPr>
+            <a:endParaRPr lang="fr-FR" sz="2400" dirty="0"/>
+          </a:p>
+          <a:p>
+            <a:pPr marL="285750" indent="-285750">
+              <a:buFontTx/>
+              <a:buChar char="-"/>
+            </a:pPr>
+            <a:endParaRPr lang="fr-FR" sz="2400" dirty="0"/>
+          </a:p>
+          <a:p>
+            <a:endParaRPr lang="fr-FR" sz="2400" dirty="0"/>
+          </a:p>
+          <a:p>
+            <a:pPr marL="285750" indent="-285750">
+              <a:buFontTx/>
+              <a:buChar char="-"/>
+            </a:pPr>
+            <a:endParaRPr lang="fr-FR" sz="2400" dirty="0"/>
+          </a:p>
+          <a:p>
+            <a:pPr marL="285750" indent="-285750">
+              <a:buFontTx/>
+              <a:buChar char="-"/>
+            </a:pPr>
+            <a:r>
+              <a:rPr lang="fr-FR" sz="2400" dirty="0"/>
+              <a:t>Primitives obligatoire (</a:t>
+            </a:r>
+            <a:r>
+              <a:rPr lang="fr-FR" sz="2400" dirty="0" err="1"/>
+              <a:t>fprintf</a:t>
+            </a:r>
+            <a:r>
+              <a:rPr lang="fr-FR" sz="2400" dirty="0"/>
+              <a:t>/</a:t>
+            </a:r>
+            <a:r>
+              <a:rPr lang="fr-FR" sz="2400" dirty="0" err="1"/>
+              <a:t>opendir</a:t>
+            </a:r>
+            <a:r>
+              <a:rPr lang="fr-FR" sz="2400" dirty="0"/>
+              <a:t>/</a:t>
+            </a:r>
+            <a:r>
+              <a:rPr lang="fr-FR" sz="2400" dirty="0" err="1"/>
+              <a:t>sscanf</a:t>
+            </a:r>
+            <a:r>
+              <a:rPr lang="fr-FR" sz="2400" dirty="0"/>
+              <a:t>/</a:t>
+            </a:r>
+            <a:r>
+              <a:rPr lang="fr-FR" sz="2400" dirty="0" err="1"/>
+              <a:t>malloc</a:t>
+            </a:r>
+            <a:r>
+              <a:rPr lang="fr-FR" sz="2400" dirty="0"/>
+              <a:t>/free…)</a:t>
+            </a:r>
+          </a:p>
+        </p:txBody>
+      </p:sp>
+      <p:pic>
+        <p:nvPicPr>
+          <p:cNvPr id="11" name="Image 10"/>
+          <p:cNvPicPr/>
+          <p:nvPr/>
+        </p:nvPicPr>
+        <p:blipFill>
+          <a:blip r:embed="rId4"/>
+          <a:stretch>
+            <a:fillRect/>
+          </a:stretch>
+        </p:blipFill>
+        <p:spPr>
+          <a:xfrm>
+            <a:off x="8153400" y="1254082"/>
+            <a:ext cx="1990725" cy="2600466"/>
+          </a:xfrm>
+          <a:prstGeom prst="rect">
+            <a:avLst/>
+          </a:prstGeom>
+        </p:spPr>
+      </p:pic>
+      <p:pic>
+        <p:nvPicPr>
+          <p:cNvPr id="12" name="Picture 2" descr="horloge.png (628×387)"/>
+          <p:cNvPicPr>
+            <a:picLocks noChangeAspect="1" noChangeArrowheads="1"/>
+          </p:cNvPicPr>
+          <p:nvPr/>
+        </p:nvPicPr>
+        <p:blipFill>
+          <a:blip r:embed="rId5">
+            <a:extLst>
+              <a:ext uri="{28A0092B-C50C-407E-A947-70E740481C1C}">
+                <a14:useLocalDpi xmlns:a14="http://schemas.microsoft.com/office/drawing/2010/main" val="0"/>
+              </a:ext>
+            </a:extLst>
+          </a:blip>
+          <a:srcRect/>
+          <a:stretch>
+            <a:fillRect/>
+          </a:stretch>
+        </p:blipFill>
+        <p:spPr bwMode="auto">
+          <a:xfrm>
+            <a:off x="1918773" y="4227712"/>
+            <a:ext cx="2882756" cy="1776475"/>
+          </a:xfrm>
+          <a:prstGeom prst="rect">
+            <a:avLst/>
+          </a:prstGeom>
+          <a:noFill/>
+          <a:extLst>
+            <a:ext uri="{909E8E84-426E-40DD-AFC4-6F175D3DCCD1}">
+              <a14:hiddenFill xmlns:a14="http://schemas.microsoft.com/office/drawing/2010/main">
+                <a:solidFill>
+                  <a:srgbClr val="FFFFFF"/>
+                </a:solidFill>
+              </a14:hiddenFill>
+            </a:ext>
+          </a:extLst>
+        </p:spPr>
+      </p:pic>
     </p:spTree>
     <p:extLst>
       <p:ext uri="{BB962C8B-B14F-4D97-AF65-F5344CB8AC3E}">
-        <p14:creationId xmlns:p14="http://schemas.microsoft.com/office/powerpoint/2010/main" val="75575179"/>
+        <p14:creationId xmlns:p14="http://schemas.microsoft.com/office/powerpoint/2010/main" val="2265625277"/>
       </p:ext>
     </p:extLst>
   </p:cSld>
@@ -4639,7 +10363,7 @@
                   <a:srgbClr val="FF0000"/>
                 </a:solidFill>
               </a:rPr>
-              <a:t>Lecture des fichiers</a:t>
+              <a:t>Amélioration du cahier des charges</a:t>
             </a:r>
             <a:endParaRPr lang="fr-FR" sz="3200" b="1" dirty="0">
               <a:solidFill>
@@ -4826,10 +10550,101 @@
           </a:p>
         </p:txBody>
       </p:sp>
+      <p:sp>
+        <p:nvSpPr>
+          <p:cNvPr id="3" name="ZoneTexte 2"/>
+          <p:cNvSpPr txBox="1"/>
+          <p:nvPr/>
+        </p:nvSpPr>
+        <p:spPr>
+          <a:xfrm>
+            <a:off x="1581665" y="1591833"/>
+            <a:ext cx="9433338" cy="3785652"/>
+          </a:xfrm>
+          <a:prstGeom prst="rect">
+            <a:avLst/>
+          </a:prstGeom>
+          <a:noFill/>
+        </p:spPr>
+        <p:txBody>
+          <a:bodyPr wrap="square" rtlCol="0">
+            <a:spAutoFit/>
+          </a:bodyPr>
+          <a:lstStyle/>
+          <a:p>
+            <a:pPr marL="285750" indent="-285750">
+              <a:buFontTx/>
+              <a:buChar char="-"/>
+            </a:pPr>
+            <a:r>
+              <a:rPr lang="fr-FR" sz="3600" dirty="0"/>
+              <a:t>Processus fils remplacer par thread</a:t>
+            </a:r>
+          </a:p>
+          <a:p>
+            <a:pPr marL="285750" indent="-285750">
+              <a:buFontTx/>
+              <a:buChar char="-"/>
+            </a:pPr>
+            <a:r>
+              <a:rPr lang="fr-FR" sz="2800" dirty="0"/>
+              <a:t>Pipe / Partage de mémoire</a:t>
+            </a:r>
+          </a:p>
+          <a:p>
+            <a:pPr marL="285750" indent="-285750">
+              <a:buFontTx/>
+              <a:buChar char="-"/>
+            </a:pPr>
+            <a:endParaRPr lang="fr-FR" sz="2800" dirty="0"/>
+          </a:p>
+          <a:p>
+            <a:pPr marL="285750" indent="-285750">
+              <a:buFontTx/>
+              <a:buChar char="-"/>
+            </a:pPr>
+            <a:endParaRPr lang="fr-FR" sz="2800" dirty="0"/>
+          </a:p>
+          <a:p>
+            <a:pPr marL="285750" indent="-285750">
+              <a:buFontTx/>
+              <a:buChar char="-"/>
+            </a:pPr>
+            <a:endParaRPr lang="fr-FR" sz="2800" dirty="0"/>
+          </a:p>
+          <a:p>
+            <a:pPr marL="285750" indent="-285750">
+              <a:buFontTx/>
+              <a:buChar char="-"/>
+            </a:pPr>
+            <a:endParaRPr lang="fr-FR" sz="2800" dirty="0"/>
+          </a:p>
+          <a:p>
+            <a:pPr marL="285750" indent="-285750">
+              <a:buFontTx/>
+              <a:buChar char="-"/>
+            </a:pPr>
+            <a:r>
+              <a:rPr lang="fr-FR" sz="3600" dirty="0"/>
+              <a:t>L’avion avance sans appuyer sur ENTER</a:t>
+            </a:r>
+          </a:p>
+          <a:p>
+            <a:pPr marL="285750" indent="-285750">
+              <a:buFontTx/>
+              <a:buChar char="-"/>
+            </a:pPr>
+            <a:r>
+              <a:rPr lang="fr-FR" sz="2800" dirty="0"/>
+              <a:t>Simple envie d’écran plus dynamique</a:t>
+            </a:r>
+          </a:p>
+        </p:txBody>
+      </p:sp>
     </p:spTree>
     <p:extLst>
       <p:ext uri="{BB962C8B-B14F-4D97-AF65-F5344CB8AC3E}">
-        <p14:creationId xmlns:p14="http://schemas.microsoft.com/office/powerpoint/2010/main" val="2446163581"/>
+        <p14:creationId xmlns:p14="http://schemas.microsoft.com/office/powerpoint/2010/main" val="75575179"/>
       </p:ext>
     </p:extLst>
   </p:cSld>
@@ -4884,7 +10699,7 @@
                   <a:srgbClr val="FF0000"/>
                 </a:solidFill>
               </a:rPr>
-              <a:t>Le contexte du projet</a:t>
+              <a:t>Fichiers PBM</a:t>
             </a:r>
             <a:endParaRPr lang="fr-FR" sz="3200" b="1" dirty="0">
               <a:solidFill>
@@ -5071,10 +10886,1514 @@
           </a:p>
         </p:txBody>
       </p:sp>
+      <p:pic>
+        <p:nvPicPr>
+          <p:cNvPr id="11" name="Image 10"/>
+          <p:cNvPicPr/>
+          <p:nvPr/>
+        </p:nvPicPr>
+        <p:blipFill>
+          <a:blip r:embed="rId4"/>
+          <a:stretch>
+            <a:fillRect/>
+          </a:stretch>
+        </p:blipFill>
+        <p:spPr>
+          <a:xfrm>
+            <a:off x="4569619" y="1499991"/>
+            <a:ext cx="3052762" cy="4498579"/>
+          </a:xfrm>
+          <a:prstGeom prst="rect">
+            <a:avLst/>
+          </a:prstGeom>
+        </p:spPr>
+      </p:pic>
     </p:spTree>
     <p:extLst>
       <p:ext uri="{BB962C8B-B14F-4D97-AF65-F5344CB8AC3E}">
-        <p14:creationId xmlns:p14="http://schemas.microsoft.com/office/powerpoint/2010/main" val="3057876097"/>
+        <p14:creationId xmlns:p14="http://schemas.microsoft.com/office/powerpoint/2010/main" val="2446163581"/>
+      </p:ext>
+    </p:extLst>
+  </p:cSld>
+  <p:clrMapOvr>
+    <a:masterClrMapping/>
+  </p:clrMapOvr>
+</p:sld>
+</file>
+
+<file path=ppt/slides/slide7.xml><?xml version="1.0" encoding="utf-8"?>
+<p:sld xmlns:a="http://schemas.openxmlformats.org/drawingml/2006/main" xmlns:r="http://schemas.openxmlformats.org/officeDocument/2006/relationships" xmlns:p="http://schemas.openxmlformats.org/presentationml/2006/main">
+  <p:cSld>
+    <p:spTree>
+      <p:nvGrpSpPr>
+        <p:cNvPr id="1" name=""/>
+        <p:cNvGrpSpPr/>
+        <p:nvPr/>
+      </p:nvGrpSpPr>
+      <p:grpSpPr>
+        <a:xfrm>
+          <a:off x="0" y="0"/>
+          <a:ext cx="0" cy="0"/>
+          <a:chOff x="0" y="0"/>
+          <a:chExt cx="0" cy="0"/>
+        </a:xfrm>
+      </p:grpSpPr>
+      <p:sp>
+        <p:nvSpPr>
+          <p:cNvPr id="2" name="Title 1"/>
+          <p:cNvSpPr>
+            <a:spLocks noGrp="1"/>
+          </p:cNvSpPr>
+          <p:nvPr>
+            <p:ph type="ctrTitle"/>
+          </p:nvPr>
+        </p:nvSpPr>
+        <p:spPr>
+          <a:xfrm>
+            <a:off x="1581665" y="337751"/>
+            <a:ext cx="9144000" cy="916331"/>
+          </a:xfrm>
+        </p:spPr>
+        <p:txBody>
+          <a:bodyPr>
+            <a:normAutofit/>
+          </a:bodyPr>
+          <a:lstStyle/>
+          <a:p>
+            <a:r>
+              <a:rPr lang="fr-FR" sz="3600" b="1" dirty="0">
+                <a:solidFill>
+                  <a:srgbClr val="FF0000"/>
+                </a:solidFill>
+              </a:rPr>
+              <a:t>Lecture des fichiers</a:t>
+            </a:r>
+            <a:endParaRPr lang="fr-FR" sz="3200" b="1" dirty="0">
+              <a:solidFill>
+                <a:srgbClr val="FF0000"/>
+              </a:solidFill>
+            </a:endParaRPr>
+          </a:p>
+        </p:txBody>
+      </p:sp>
+      <p:pic>
+        <p:nvPicPr>
+          <p:cNvPr id="4" name="Picture 3"/>
+          <p:cNvPicPr>
+            <a:picLocks noChangeAspect="1"/>
+          </p:cNvPicPr>
+          <p:nvPr/>
+        </p:nvPicPr>
+        <p:blipFill>
+          <a:blip r:embed="rId2">
+            <a:extLst>
+              <a:ext uri="{28A0092B-C50C-407E-A947-70E740481C1C}">
+                <a14:useLocalDpi xmlns:a14="http://schemas.microsoft.com/office/drawing/2010/main" val="0"/>
+              </a:ext>
+            </a:extLst>
+          </a:blip>
+          <a:stretch>
+            <a:fillRect/>
+          </a:stretch>
+        </p:blipFill>
+        <p:spPr>
+          <a:xfrm>
+            <a:off x="404298" y="463507"/>
+            <a:ext cx="1514475" cy="790575"/>
+          </a:xfrm>
+          <a:prstGeom prst="rect">
+            <a:avLst/>
+          </a:prstGeom>
+        </p:spPr>
+      </p:pic>
+      <p:sp>
+        <p:nvSpPr>
+          <p:cNvPr id="5" name="Rectangle 4"/>
+          <p:cNvSpPr/>
+          <p:nvPr/>
+        </p:nvSpPr>
+        <p:spPr>
+          <a:xfrm>
+            <a:off x="0" y="0"/>
+            <a:ext cx="12192000" cy="337751"/>
+          </a:xfrm>
+          <a:prstGeom prst="rect">
+            <a:avLst/>
+          </a:prstGeom>
+          <a:solidFill>
+            <a:srgbClr val="FF0000"/>
+          </a:solidFill>
+          <a:effectLst/>
+        </p:spPr>
+        <p:style>
+          <a:lnRef idx="2">
+            <a:schemeClr val="accent1">
+              <a:shade val="50000"/>
+            </a:schemeClr>
+          </a:lnRef>
+          <a:fillRef idx="1">
+            <a:schemeClr val="accent1"/>
+          </a:fillRef>
+          <a:effectRef idx="0">
+            <a:schemeClr val="accent1"/>
+          </a:effectRef>
+          <a:fontRef idx="minor">
+            <a:schemeClr val="lt1"/>
+          </a:fontRef>
+        </p:style>
+        <p:txBody>
+          <a:bodyPr rtlCol="0" anchor="ctr"/>
+          <a:lstStyle/>
+          <a:p>
+            <a:pPr algn="ctr"/>
+            <a:endParaRPr lang="en-US" dirty="0"/>
+          </a:p>
+        </p:txBody>
+      </p:sp>
+      <p:pic>
+        <p:nvPicPr>
+          <p:cNvPr id="6" name="Image 5"/>
+          <p:cNvPicPr>
+            <a:picLocks noChangeAspect="1"/>
+          </p:cNvPicPr>
+          <p:nvPr/>
+        </p:nvPicPr>
+        <p:blipFill>
+          <a:blip r:embed="rId3"/>
+          <a:stretch>
+            <a:fillRect/>
+          </a:stretch>
+        </p:blipFill>
+        <p:spPr>
+          <a:xfrm>
+            <a:off x="257690" y="6244480"/>
+            <a:ext cx="1323975" cy="409575"/>
+          </a:xfrm>
+          <a:prstGeom prst="rect">
+            <a:avLst/>
+          </a:prstGeom>
+        </p:spPr>
+      </p:pic>
+      <p:sp>
+        <p:nvSpPr>
+          <p:cNvPr id="8" name="Espace réservé du pied de page 7"/>
+          <p:cNvSpPr>
+            <a:spLocks noGrp="1"/>
+          </p:cNvSpPr>
+          <p:nvPr>
+            <p:ph type="ftr" sz="quarter" idx="11"/>
+          </p:nvPr>
+        </p:nvSpPr>
+        <p:spPr/>
+        <p:txBody>
+          <a:bodyPr/>
+          <a:lstStyle/>
+          <a:p>
+            <a:r>
+              <a:rPr lang="fr-FR" dirty="0"/>
+              <a:t>VAUBOURG Mandel          CHAMPAULT Quentin</a:t>
+            </a:r>
+            <a:endParaRPr lang="en-US" dirty="0"/>
+          </a:p>
+        </p:txBody>
+      </p:sp>
+      <p:sp>
+        <p:nvSpPr>
+          <p:cNvPr id="9" name="Espace réservé du numéro de diapositive 8"/>
+          <p:cNvSpPr>
+            <a:spLocks noGrp="1"/>
+          </p:cNvSpPr>
+          <p:nvPr>
+            <p:ph type="sldNum" sz="quarter" idx="12"/>
+          </p:nvPr>
+        </p:nvSpPr>
+        <p:spPr/>
+        <p:txBody>
+          <a:bodyPr/>
+          <a:lstStyle/>
+          <a:p>
+            <a:fld id="{875A9697-78C3-4880-8D51-4C990C6F0385}" type="slidenum">
+              <a:rPr lang="en-US" smtClean="0"/>
+              <a:t>7</a:t>
+            </a:fld>
+            <a:endParaRPr lang="en-US" dirty="0"/>
+          </a:p>
+        </p:txBody>
+      </p:sp>
+      <p:sp>
+        <p:nvSpPr>
+          <p:cNvPr id="10" name="ZoneTexte 9"/>
+          <p:cNvSpPr txBox="1"/>
+          <p:nvPr/>
+        </p:nvSpPr>
+        <p:spPr>
+          <a:xfrm>
+            <a:off x="10610335" y="337751"/>
+            <a:ext cx="1581665" cy="369332"/>
+          </a:xfrm>
+          <a:prstGeom prst="rect">
+            <a:avLst/>
+          </a:prstGeom>
+          <a:noFill/>
+        </p:spPr>
+        <p:txBody>
+          <a:bodyPr wrap="square" rtlCol="0">
+            <a:spAutoFit/>
+          </a:bodyPr>
+          <a:lstStyle/>
+          <a:p>
+            <a:r>
+              <a:rPr lang="fr-FR" dirty="0">
+                <a:solidFill>
+                  <a:srgbClr val="FF0000"/>
+                </a:solidFill>
+              </a:rPr>
+              <a:t>Système projet</a:t>
+            </a:r>
+          </a:p>
+        </p:txBody>
+      </p:sp>
+      <p:pic>
+        <p:nvPicPr>
+          <p:cNvPr id="11" name="Image 10"/>
+          <p:cNvPicPr/>
+          <p:nvPr/>
+        </p:nvPicPr>
+        <p:blipFill>
+          <a:blip r:embed="rId4"/>
+          <a:stretch>
+            <a:fillRect/>
+          </a:stretch>
+        </p:blipFill>
+        <p:spPr>
+          <a:xfrm>
+            <a:off x="257688" y="2430461"/>
+            <a:ext cx="3361885" cy="2396806"/>
+          </a:xfrm>
+          <a:prstGeom prst="rect">
+            <a:avLst/>
+          </a:prstGeom>
+        </p:spPr>
+      </p:pic>
+      <p:pic>
+        <p:nvPicPr>
+          <p:cNvPr id="12" name="Image 11"/>
+          <p:cNvPicPr/>
+          <p:nvPr/>
+        </p:nvPicPr>
+        <p:blipFill>
+          <a:blip r:embed="rId5"/>
+          <a:stretch>
+            <a:fillRect/>
+          </a:stretch>
+        </p:blipFill>
+        <p:spPr>
+          <a:xfrm>
+            <a:off x="257689" y="1591832"/>
+            <a:ext cx="3361885" cy="500879"/>
+          </a:xfrm>
+          <a:prstGeom prst="rect">
+            <a:avLst/>
+          </a:prstGeom>
+        </p:spPr>
+      </p:pic>
+      <p:sp>
+        <p:nvSpPr>
+          <p:cNvPr id="33" name="Rectangle 32"/>
+          <p:cNvSpPr/>
+          <p:nvPr/>
+        </p:nvSpPr>
+        <p:spPr>
+          <a:xfrm>
+            <a:off x="5500467" y="1569269"/>
+            <a:ext cx="4023361" cy="838629"/>
+          </a:xfrm>
+          <a:prstGeom prst="rect">
+            <a:avLst/>
+          </a:prstGeom>
+          <a:solidFill>
+            <a:schemeClr val="accent2"/>
+          </a:solidFill>
+        </p:spPr>
+        <p:style>
+          <a:lnRef idx="2">
+            <a:schemeClr val="accent1">
+              <a:shade val="50000"/>
+            </a:schemeClr>
+          </a:lnRef>
+          <a:fillRef idx="1">
+            <a:schemeClr val="accent1"/>
+          </a:fillRef>
+          <a:effectRef idx="0">
+            <a:schemeClr val="accent1"/>
+          </a:effectRef>
+          <a:fontRef idx="minor">
+            <a:schemeClr val="lt1"/>
+          </a:fontRef>
+        </p:style>
+        <p:txBody>
+          <a:bodyPr rtlCol="0" anchor="ctr"/>
+          <a:lstStyle/>
+          <a:p>
+            <a:pPr algn="ctr"/>
+            <a:r>
+              <a:rPr lang="fr-FR" dirty="0"/>
+              <a:t>Réception de la structure du fichier PBM</a:t>
+            </a:r>
+          </a:p>
+        </p:txBody>
+      </p:sp>
+      <p:sp>
+        <p:nvSpPr>
+          <p:cNvPr id="34" name="Rectangle 33"/>
+          <p:cNvSpPr/>
+          <p:nvPr/>
+        </p:nvSpPr>
+        <p:spPr>
+          <a:xfrm>
+            <a:off x="5500468" y="2745648"/>
+            <a:ext cx="4023360" cy="838629"/>
+          </a:xfrm>
+          <a:prstGeom prst="rect">
+            <a:avLst/>
+          </a:prstGeom>
+          <a:solidFill>
+            <a:schemeClr val="accent2"/>
+          </a:solidFill>
+        </p:spPr>
+        <p:style>
+          <a:lnRef idx="2">
+            <a:schemeClr val="accent1">
+              <a:shade val="50000"/>
+            </a:schemeClr>
+          </a:lnRef>
+          <a:fillRef idx="1">
+            <a:schemeClr val="accent1"/>
+          </a:fillRef>
+          <a:effectRef idx="0">
+            <a:schemeClr val="accent1"/>
+          </a:effectRef>
+          <a:fontRef idx="minor">
+            <a:schemeClr val="lt1"/>
+          </a:fontRef>
+        </p:style>
+        <p:txBody>
+          <a:bodyPr rtlCol="0" anchor="ctr"/>
+          <a:lstStyle/>
+          <a:p>
+            <a:pPr algn="ctr"/>
+            <a:r>
+              <a:rPr lang="fr-FR" dirty="0"/>
+              <a:t>Ouvre le fichier PBM en lecture seule</a:t>
+            </a:r>
+          </a:p>
+        </p:txBody>
+      </p:sp>
+      <p:cxnSp>
+        <p:nvCxnSpPr>
+          <p:cNvPr id="36" name="Connecteur droit avec flèche 35"/>
+          <p:cNvCxnSpPr>
+            <a:cxnSpLocks/>
+            <a:stCxn id="33" idx="2"/>
+            <a:endCxn id="34" idx="0"/>
+          </p:cNvCxnSpPr>
+          <p:nvPr/>
+        </p:nvCxnSpPr>
+        <p:spPr>
+          <a:xfrm>
+            <a:off x="7512148" y="2407898"/>
+            <a:ext cx="0" cy="337750"/>
+          </a:xfrm>
+          <a:prstGeom prst="straightConnector1">
+            <a:avLst/>
+          </a:prstGeom>
+          <a:ln w="63500">
+            <a:tailEnd type="triangle"/>
+          </a:ln>
+        </p:spPr>
+        <p:style>
+          <a:lnRef idx="1">
+            <a:schemeClr val="accent1"/>
+          </a:lnRef>
+          <a:fillRef idx="0">
+            <a:schemeClr val="accent1"/>
+          </a:fillRef>
+          <a:effectRef idx="0">
+            <a:schemeClr val="accent1"/>
+          </a:effectRef>
+          <a:fontRef idx="minor">
+            <a:schemeClr val="tx1"/>
+          </a:fontRef>
+        </p:style>
+      </p:cxnSp>
+      <p:sp>
+        <p:nvSpPr>
+          <p:cNvPr id="38" name="Rectangle 37"/>
+          <p:cNvSpPr/>
+          <p:nvPr/>
+        </p:nvSpPr>
+        <p:spPr>
+          <a:xfrm>
+            <a:off x="5500467" y="3922027"/>
+            <a:ext cx="4023361" cy="838629"/>
+          </a:xfrm>
+          <a:prstGeom prst="rect">
+            <a:avLst/>
+          </a:prstGeom>
+          <a:solidFill>
+            <a:schemeClr val="accent2"/>
+          </a:solidFill>
+        </p:spPr>
+        <p:style>
+          <a:lnRef idx="2">
+            <a:schemeClr val="accent1">
+              <a:shade val="50000"/>
+            </a:schemeClr>
+          </a:lnRef>
+          <a:fillRef idx="1">
+            <a:schemeClr val="accent1"/>
+          </a:fillRef>
+          <a:effectRef idx="0">
+            <a:schemeClr val="accent1"/>
+          </a:effectRef>
+          <a:fontRef idx="minor">
+            <a:schemeClr val="lt1"/>
+          </a:fontRef>
+        </p:style>
+        <p:txBody>
+          <a:bodyPr rtlCol="0" anchor="ctr"/>
+          <a:lstStyle/>
+          <a:p>
+            <a:pPr algn="ctr"/>
+            <a:r>
+              <a:rPr lang="fr-FR" dirty="0"/>
+              <a:t>Lecture des données du fichiers PBM</a:t>
+            </a:r>
+          </a:p>
+        </p:txBody>
+      </p:sp>
+      <p:cxnSp>
+        <p:nvCxnSpPr>
+          <p:cNvPr id="41" name="Connecteur droit avec flèche 40"/>
+          <p:cNvCxnSpPr>
+            <a:cxnSpLocks/>
+            <a:stCxn id="34" idx="2"/>
+            <a:endCxn id="38" idx="0"/>
+          </p:cNvCxnSpPr>
+          <p:nvPr/>
+        </p:nvCxnSpPr>
+        <p:spPr>
+          <a:xfrm>
+            <a:off x="7512148" y="3584277"/>
+            <a:ext cx="0" cy="337750"/>
+          </a:xfrm>
+          <a:prstGeom prst="straightConnector1">
+            <a:avLst/>
+          </a:prstGeom>
+          <a:ln w="63500">
+            <a:tailEnd type="triangle"/>
+          </a:ln>
+        </p:spPr>
+        <p:style>
+          <a:lnRef idx="1">
+            <a:schemeClr val="accent1"/>
+          </a:lnRef>
+          <a:fillRef idx="0">
+            <a:schemeClr val="accent1"/>
+          </a:fillRef>
+          <a:effectRef idx="0">
+            <a:schemeClr val="accent1"/>
+          </a:effectRef>
+          <a:fontRef idx="minor">
+            <a:schemeClr val="tx1"/>
+          </a:fontRef>
+        </p:style>
+      </p:cxnSp>
+      <p:sp>
+        <p:nvSpPr>
+          <p:cNvPr id="45" name="Rectangle 44"/>
+          <p:cNvSpPr/>
+          <p:nvPr/>
+        </p:nvSpPr>
+        <p:spPr>
+          <a:xfrm>
+            <a:off x="5500467" y="5098406"/>
+            <a:ext cx="4023361" cy="861254"/>
+          </a:xfrm>
+          <a:prstGeom prst="rect">
+            <a:avLst/>
+          </a:prstGeom>
+          <a:solidFill>
+            <a:schemeClr val="accent2"/>
+          </a:solidFill>
+        </p:spPr>
+        <p:style>
+          <a:lnRef idx="2">
+            <a:schemeClr val="accent1">
+              <a:shade val="50000"/>
+            </a:schemeClr>
+          </a:lnRef>
+          <a:fillRef idx="1">
+            <a:schemeClr val="accent1"/>
+          </a:fillRef>
+          <a:effectRef idx="0">
+            <a:schemeClr val="accent1"/>
+          </a:effectRef>
+          <a:fontRef idx="minor">
+            <a:schemeClr val="lt1"/>
+          </a:fontRef>
+        </p:style>
+        <p:txBody>
+          <a:bodyPr rtlCol="0" anchor="ctr"/>
+          <a:lstStyle/>
+          <a:p>
+            <a:pPr algn="ctr"/>
+            <a:r>
+              <a:rPr lang="fr-FR" dirty="0"/>
+              <a:t>On récupère les données dans le tableau DATA</a:t>
+            </a:r>
+          </a:p>
+        </p:txBody>
+      </p:sp>
+      <p:cxnSp>
+        <p:nvCxnSpPr>
+          <p:cNvPr id="48" name="Connecteur droit avec flèche 47"/>
+          <p:cNvCxnSpPr>
+            <a:cxnSpLocks/>
+            <a:stCxn id="38" idx="2"/>
+            <a:endCxn id="45" idx="0"/>
+          </p:cNvCxnSpPr>
+          <p:nvPr/>
+        </p:nvCxnSpPr>
+        <p:spPr>
+          <a:xfrm>
+            <a:off x="7512148" y="4760656"/>
+            <a:ext cx="0" cy="337750"/>
+          </a:xfrm>
+          <a:prstGeom prst="straightConnector1">
+            <a:avLst/>
+          </a:prstGeom>
+          <a:ln w="63500">
+            <a:tailEnd type="triangle"/>
+          </a:ln>
+        </p:spPr>
+        <p:style>
+          <a:lnRef idx="1">
+            <a:schemeClr val="accent1"/>
+          </a:lnRef>
+          <a:fillRef idx="0">
+            <a:schemeClr val="accent1"/>
+          </a:fillRef>
+          <a:effectRef idx="0">
+            <a:schemeClr val="accent1"/>
+          </a:effectRef>
+          <a:fontRef idx="minor">
+            <a:schemeClr val="tx1"/>
+          </a:fontRef>
+        </p:style>
+      </p:cxnSp>
+    </p:spTree>
+    <p:extLst>
+      <p:ext uri="{BB962C8B-B14F-4D97-AF65-F5344CB8AC3E}">
+        <p14:creationId xmlns:p14="http://schemas.microsoft.com/office/powerpoint/2010/main" val="3575706022"/>
+      </p:ext>
+    </p:extLst>
+  </p:cSld>
+  <p:clrMapOvr>
+    <a:masterClrMapping/>
+  </p:clrMapOvr>
+</p:sld>
+</file>
+
+<file path=ppt/slides/slide8.xml><?xml version="1.0" encoding="utf-8"?>
+<p:sld xmlns:a="http://schemas.openxmlformats.org/drawingml/2006/main" xmlns:r="http://schemas.openxmlformats.org/officeDocument/2006/relationships" xmlns:p="http://schemas.openxmlformats.org/presentationml/2006/main">
+  <p:cSld>
+    <p:spTree>
+      <p:nvGrpSpPr>
+        <p:cNvPr id="1" name=""/>
+        <p:cNvGrpSpPr/>
+        <p:nvPr/>
+      </p:nvGrpSpPr>
+      <p:grpSpPr>
+        <a:xfrm>
+          <a:off x="0" y="0"/>
+          <a:ext cx="0" cy="0"/>
+          <a:chOff x="0" y="0"/>
+          <a:chExt cx="0" cy="0"/>
+        </a:xfrm>
+      </p:grpSpPr>
+      <p:sp>
+        <p:nvSpPr>
+          <p:cNvPr id="2" name="Title 1"/>
+          <p:cNvSpPr>
+            <a:spLocks noGrp="1"/>
+          </p:cNvSpPr>
+          <p:nvPr>
+            <p:ph type="ctrTitle"/>
+          </p:nvPr>
+        </p:nvSpPr>
+        <p:spPr>
+          <a:xfrm>
+            <a:off x="1581665" y="337751"/>
+            <a:ext cx="9144000" cy="916331"/>
+          </a:xfrm>
+        </p:spPr>
+        <p:txBody>
+          <a:bodyPr>
+            <a:normAutofit/>
+          </a:bodyPr>
+          <a:lstStyle/>
+          <a:p>
+            <a:r>
+              <a:rPr lang="fr-FR" sz="3600" b="1" dirty="0">
+                <a:solidFill>
+                  <a:srgbClr val="FF0000"/>
+                </a:solidFill>
+              </a:rPr>
+              <a:t>Ouverture / Lecture de répertoire</a:t>
+            </a:r>
+            <a:endParaRPr lang="fr-FR" sz="3200" b="1" dirty="0">
+              <a:solidFill>
+                <a:srgbClr val="FF0000"/>
+              </a:solidFill>
+            </a:endParaRPr>
+          </a:p>
+        </p:txBody>
+      </p:sp>
+      <p:pic>
+        <p:nvPicPr>
+          <p:cNvPr id="4" name="Picture 3"/>
+          <p:cNvPicPr>
+            <a:picLocks noChangeAspect="1"/>
+          </p:cNvPicPr>
+          <p:nvPr/>
+        </p:nvPicPr>
+        <p:blipFill>
+          <a:blip r:embed="rId2">
+            <a:extLst>
+              <a:ext uri="{28A0092B-C50C-407E-A947-70E740481C1C}">
+                <a14:useLocalDpi xmlns:a14="http://schemas.microsoft.com/office/drawing/2010/main" val="0"/>
+              </a:ext>
+            </a:extLst>
+          </a:blip>
+          <a:stretch>
+            <a:fillRect/>
+          </a:stretch>
+        </p:blipFill>
+        <p:spPr>
+          <a:xfrm>
+            <a:off x="404298" y="463507"/>
+            <a:ext cx="1514475" cy="790575"/>
+          </a:xfrm>
+          <a:prstGeom prst="rect">
+            <a:avLst/>
+          </a:prstGeom>
+        </p:spPr>
+      </p:pic>
+      <p:sp>
+        <p:nvSpPr>
+          <p:cNvPr id="5" name="Rectangle 4"/>
+          <p:cNvSpPr/>
+          <p:nvPr/>
+        </p:nvSpPr>
+        <p:spPr>
+          <a:xfrm>
+            <a:off x="0" y="0"/>
+            <a:ext cx="12192000" cy="337751"/>
+          </a:xfrm>
+          <a:prstGeom prst="rect">
+            <a:avLst/>
+          </a:prstGeom>
+          <a:solidFill>
+            <a:srgbClr val="FF0000"/>
+          </a:solidFill>
+          <a:effectLst/>
+        </p:spPr>
+        <p:style>
+          <a:lnRef idx="2">
+            <a:schemeClr val="accent1">
+              <a:shade val="50000"/>
+            </a:schemeClr>
+          </a:lnRef>
+          <a:fillRef idx="1">
+            <a:schemeClr val="accent1"/>
+          </a:fillRef>
+          <a:effectRef idx="0">
+            <a:schemeClr val="accent1"/>
+          </a:effectRef>
+          <a:fontRef idx="minor">
+            <a:schemeClr val="lt1"/>
+          </a:fontRef>
+        </p:style>
+        <p:txBody>
+          <a:bodyPr rtlCol="0" anchor="ctr"/>
+          <a:lstStyle/>
+          <a:p>
+            <a:pPr algn="ctr"/>
+            <a:endParaRPr lang="en-US" dirty="0"/>
+          </a:p>
+        </p:txBody>
+      </p:sp>
+      <p:pic>
+        <p:nvPicPr>
+          <p:cNvPr id="6" name="Image 5"/>
+          <p:cNvPicPr>
+            <a:picLocks noChangeAspect="1"/>
+          </p:cNvPicPr>
+          <p:nvPr/>
+        </p:nvPicPr>
+        <p:blipFill>
+          <a:blip r:embed="rId3"/>
+          <a:stretch>
+            <a:fillRect/>
+          </a:stretch>
+        </p:blipFill>
+        <p:spPr>
+          <a:xfrm>
+            <a:off x="257690" y="6244480"/>
+            <a:ext cx="1323975" cy="409575"/>
+          </a:xfrm>
+          <a:prstGeom prst="rect">
+            <a:avLst/>
+          </a:prstGeom>
+        </p:spPr>
+      </p:pic>
+      <p:sp>
+        <p:nvSpPr>
+          <p:cNvPr id="8" name="Espace réservé du pied de page 7"/>
+          <p:cNvSpPr>
+            <a:spLocks noGrp="1"/>
+          </p:cNvSpPr>
+          <p:nvPr>
+            <p:ph type="ftr" sz="quarter" idx="11"/>
+          </p:nvPr>
+        </p:nvSpPr>
+        <p:spPr/>
+        <p:txBody>
+          <a:bodyPr/>
+          <a:lstStyle/>
+          <a:p>
+            <a:r>
+              <a:rPr lang="fr-FR" dirty="0"/>
+              <a:t>VAUBOURG Mandel          CHAMPAULT Quentin</a:t>
+            </a:r>
+            <a:endParaRPr lang="en-US" dirty="0"/>
+          </a:p>
+        </p:txBody>
+      </p:sp>
+      <p:sp>
+        <p:nvSpPr>
+          <p:cNvPr id="9" name="Espace réservé du numéro de diapositive 8"/>
+          <p:cNvSpPr>
+            <a:spLocks noGrp="1"/>
+          </p:cNvSpPr>
+          <p:nvPr>
+            <p:ph type="sldNum" sz="quarter" idx="12"/>
+          </p:nvPr>
+        </p:nvSpPr>
+        <p:spPr/>
+        <p:txBody>
+          <a:bodyPr/>
+          <a:lstStyle/>
+          <a:p>
+            <a:fld id="{875A9697-78C3-4880-8D51-4C990C6F0385}" type="slidenum">
+              <a:rPr lang="en-US" smtClean="0"/>
+              <a:t>8</a:t>
+            </a:fld>
+            <a:endParaRPr lang="en-US" dirty="0"/>
+          </a:p>
+        </p:txBody>
+      </p:sp>
+      <p:sp>
+        <p:nvSpPr>
+          <p:cNvPr id="10" name="ZoneTexte 9"/>
+          <p:cNvSpPr txBox="1"/>
+          <p:nvPr/>
+        </p:nvSpPr>
+        <p:spPr>
+          <a:xfrm>
+            <a:off x="10610335" y="337751"/>
+            <a:ext cx="1581665" cy="369332"/>
+          </a:xfrm>
+          <a:prstGeom prst="rect">
+            <a:avLst/>
+          </a:prstGeom>
+          <a:noFill/>
+        </p:spPr>
+        <p:txBody>
+          <a:bodyPr wrap="square" rtlCol="0">
+            <a:spAutoFit/>
+          </a:bodyPr>
+          <a:lstStyle/>
+          <a:p>
+            <a:r>
+              <a:rPr lang="fr-FR" dirty="0">
+                <a:solidFill>
+                  <a:srgbClr val="FF0000"/>
+                </a:solidFill>
+              </a:rPr>
+              <a:t>Système projet</a:t>
+            </a:r>
+          </a:p>
+        </p:txBody>
+      </p:sp>
+      <p:pic>
+        <p:nvPicPr>
+          <p:cNvPr id="11" name="Image 10"/>
+          <p:cNvPicPr/>
+          <p:nvPr/>
+        </p:nvPicPr>
+        <p:blipFill>
+          <a:blip r:embed="rId4"/>
+          <a:stretch>
+            <a:fillRect/>
+          </a:stretch>
+        </p:blipFill>
+        <p:spPr>
+          <a:xfrm>
+            <a:off x="257688" y="2418320"/>
+            <a:ext cx="3245165" cy="2066857"/>
+          </a:xfrm>
+          <a:prstGeom prst="rect">
+            <a:avLst/>
+          </a:prstGeom>
+        </p:spPr>
+      </p:pic>
+      <p:pic>
+        <p:nvPicPr>
+          <p:cNvPr id="12" name="Image 11"/>
+          <p:cNvPicPr/>
+          <p:nvPr/>
+        </p:nvPicPr>
+        <p:blipFill>
+          <a:blip r:embed="rId5"/>
+          <a:stretch>
+            <a:fillRect/>
+          </a:stretch>
+        </p:blipFill>
+        <p:spPr>
+          <a:xfrm>
+            <a:off x="257689" y="1591833"/>
+            <a:ext cx="3245165" cy="488736"/>
+          </a:xfrm>
+          <a:prstGeom prst="rect">
+            <a:avLst/>
+          </a:prstGeom>
+        </p:spPr>
+      </p:pic>
+      <p:sp>
+        <p:nvSpPr>
+          <p:cNvPr id="14" name="Rectangle 13"/>
+          <p:cNvSpPr/>
+          <p:nvPr/>
+        </p:nvSpPr>
+        <p:spPr>
+          <a:xfrm>
+            <a:off x="5500467" y="1569269"/>
+            <a:ext cx="4023361" cy="838629"/>
+          </a:xfrm>
+          <a:prstGeom prst="rect">
+            <a:avLst/>
+          </a:prstGeom>
+          <a:solidFill>
+            <a:schemeClr val="accent2"/>
+          </a:solidFill>
+        </p:spPr>
+        <p:style>
+          <a:lnRef idx="2">
+            <a:schemeClr val="accent1">
+              <a:shade val="50000"/>
+            </a:schemeClr>
+          </a:lnRef>
+          <a:fillRef idx="1">
+            <a:schemeClr val="accent1"/>
+          </a:fillRef>
+          <a:effectRef idx="0">
+            <a:schemeClr val="accent1"/>
+          </a:effectRef>
+          <a:fontRef idx="minor">
+            <a:schemeClr val="lt1"/>
+          </a:fontRef>
+        </p:style>
+        <p:txBody>
+          <a:bodyPr rtlCol="0" anchor="ctr"/>
+          <a:lstStyle/>
+          <a:p>
+            <a:pPr algn="ctr"/>
+            <a:r>
+              <a:rPr lang="fr-FR" dirty="0"/>
+              <a:t>Réception du répertoire a lire</a:t>
+            </a:r>
+          </a:p>
+        </p:txBody>
+      </p:sp>
+      <p:sp>
+        <p:nvSpPr>
+          <p:cNvPr id="15" name="Rectangle 14"/>
+          <p:cNvSpPr/>
+          <p:nvPr/>
+        </p:nvSpPr>
+        <p:spPr>
+          <a:xfrm>
+            <a:off x="5500466" y="2723085"/>
+            <a:ext cx="4023361" cy="838629"/>
+          </a:xfrm>
+          <a:prstGeom prst="rect">
+            <a:avLst/>
+          </a:prstGeom>
+          <a:solidFill>
+            <a:schemeClr val="accent2"/>
+          </a:solidFill>
+        </p:spPr>
+        <p:style>
+          <a:lnRef idx="2">
+            <a:schemeClr val="accent1">
+              <a:shade val="50000"/>
+            </a:schemeClr>
+          </a:lnRef>
+          <a:fillRef idx="1">
+            <a:schemeClr val="accent1"/>
+          </a:fillRef>
+          <a:effectRef idx="0">
+            <a:schemeClr val="accent1"/>
+          </a:effectRef>
+          <a:fontRef idx="minor">
+            <a:schemeClr val="lt1"/>
+          </a:fontRef>
+        </p:style>
+        <p:txBody>
+          <a:bodyPr rtlCol="0" anchor="ctr"/>
+          <a:lstStyle/>
+          <a:p>
+            <a:pPr algn="ctr"/>
+            <a:r>
+              <a:rPr lang="fr-FR" dirty="0"/>
+              <a:t>Ouverture et lecture du répertoire choisi</a:t>
+            </a:r>
+          </a:p>
+        </p:txBody>
+      </p:sp>
+      <p:sp>
+        <p:nvSpPr>
+          <p:cNvPr id="16" name="Rectangle 15"/>
+          <p:cNvSpPr/>
+          <p:nvPr/>
+        </p:nvSpPr>
+        <p:spPr>
+          <a:xfrm>
+            <a:off x="5500465" y="3876901"/>
+            <a:ext cx="4023361" cy="838629"/>
+          </a:xfrm>
+          <a:prstGeom prst="rect">
+            <a:avLst/>
+          </a:prstGeom>
+          <a:solidFill>
+            <a:schemeClr val="accent2"/>
+          </a:solidFill>
+        </p:spPr>
+        <p:style>
+          <a:lnRef idx="2">
+            <a:schemeClr val="accent1">
+              <a:shade val="50000"/>
+            </a:schemeClr>
+          </a:lnRef>
+          <a:fillRef idx="1">
+            <a:schemeClr val="accent1"/>
+          </a:fillRef>
+          <a:effectRef idx="0">
+            <a:schemeClr val="accent1"/>
+          </a:effectRef>
+          <a:fontRef idx="minor">
+            <a:schemeClr val="lt1"/>
+          </a:fontRef>
+        </p:style>
+        <p:txBody>
+          <a:bodyPr rtlCol="0" anchor="ctr"/>
+          <a:lstStyle/>
+          <a:p>
+            <a:pPr algn="ctr"/>
+            <a:r>
+              <a:rPr lang="fr-FR" dirty="0"/>
+              <a:t>Recensement du nombre de fichiers </a:t>
+            </a:r>
+          </a:p>
+        </p:txBody>
+      </p:sp>
+      <p:sp>
+        <p:nvSpPr>
+          <p:cNvPr id="17" name="Rectangle 16"/>
+          <p:cNvSpPr/>
+          <p:nvPr/>
+        </p:nvSpPr>
+        <p:spPr>
+          <a:xfrm>
+            <a:off x="5500465" y="5030717"/>
+            <a:ext cx="4023361" cy="838629"/>
+          </a:xfrm>
+          <a:prstGeom prst="rect">
+            <a:avLst/>
+          </a:prstGeom>
+          <a:solidFill>
+            <a:schemeClr val="accent2"/>
+          </a:solidFill>
+        </p:spPr>
+        <p:style>
+          <a:lnRef idx="2">
+            <a:schemeClr val="accent1">
+              <a:shade val="50000"/>
+            </a:schemeClr>
+          </a:lnRef>
+          <a:fillRef idx="1">
+            <a:schemeClr val="accent1"/>
+          </a:fillRef>
+          <a:effectRef idx="0">
+            <a:schemeClr val="accent1"/>
+          </a:effectRef>
+          <a:fontRef idx="minor">
+            <a:schemeClr val="lt1"/>
+          </a:fontRef>
+        </p:style>
+        <p:txBody>
+          <a:bodyPr rtlCol="0" anchor="ctr"/>
+          <a:lstStyle/>
+          <a:p>
+            <a:pPr algn="ctr"/>
+            <a:r>
+              <a:rPr lang="fr-FR" dirty="0"/>
+              <a:t>Remplissage du tableau avec le nom des fichiers</a:t>
+            </a:r>
+          </a:p>
+        </p:txBody>
+      </p:sp>
+      <p:cxnSp>
+        <p:nvCxnSpPr>
+          <p:cNvPr id="18" name="Connecteur droit avec flèche 17"/>
+          <p:cNvCxnSpPr>
+            <a:stCxn id="14" idx="2"/>
+            <a:endCxn id="15" idx="0"/>
+          </p:cNvCxnSpPr>
+          <p:nvPr/>
+        </p:nvCxnSpPr>
+        <p:spPr>
+          <a:xfrm flipH="1">
+            <a:off x="7512147" y="2407898"/>
+            <a:ext cx="1" cy="315187"/>
+          </a:xfrm>
+          <a:prstGeom prst="straightConnector1">
+            <a:avLst/>
+          </a:prstGeom>
+          <a:ln w="63500">
+            <a:tailEnd type="triangle"/>
+          </a:ln>
+        </p:spPr>
+        <p:style>
+          <a:lnRef idx="1">
+            <a:schemeClr val="accent1"/>
+          </a:lnRef>
+          <a:fillRef idx="0">
+            <a:schemeClr val="accent1"/>
+          </a:fillRef>
+          <a:effectRef idx="0">
+            <a:schemeClr val="accent1"/>
+          </a:effectRef>
+          <a:fontRef idx="minor">
+            <a:schemeClr val="tx1"/>
+          </a:fontRef>
+        </p:style>
+      </p:cxnSp>
+      <p:cxnSp>
+        <p:nvCxnSpPr>
+          <p:cNvPr id="21" name="Connecteur droit avec flèche 20"/>
+          <p:cNvCxnSpPr>
+            <a:cxnSpLocks/>
+            <a:stCxn id="15" idx="2"/>
+            <a:endCxn id="16" idx="0"/>
+          </p:cNvCxnSpPr>
+          <p:nvPr/>
+        </p:nvCxnSpPr>
+        <p:spPr>
+          <a:xfrm flipH="1">
+            <a:off x="7512146" y="3561714"/>
+            <a:ext cx="1" cy="315187"/>
+          </a:xfrm>
+          <a:prstGeom prst="straightConnector1">
+            <a:avLst/>
+          </a:prstGeom>
+          <a:ln w="63500">
+            <a:tailEnd type="triangle"/>
+          </a:ln>
+        </p:spPr>
+        <p:style>
+          <a:lnRef idx="1">
+            <a:schemeClr val="accent1"/>
+          </a:lnRef>
+          <a:fillRef idx="0">
+            <a:schemeClr val="accent1"/>
+          </a:fillRef>
+          <a:effectRef idx="0">
+            <a:schemeClr val="accent1"/>
+          </a:effectRef>
+          <a:fontRef idx="minor">
+            <a:schemeClr val="tx1"/>
+          </a:fontRef>
+        </p:style>
+      </p:cxnSp>
+      <p:cxnSp>
+        <p:nvCxnSpPr>
+          <p:cNvPr id="22" name="Connecteur droit avec flèche 21"/>
+          <p:cNvCxnSpPr>
+            <a:cxnSpLocks/>
+            <a:stCxn id="16" idx="2"/>
+            <a:endCxn id="17" idx="0"/>
+          </p:cNvCxnSpPr>
+          <p:nvPr/>
+        </p:nvCxnSpPr>
+        <p:spPr>
+          <a:xfrm>
+            <a:off x="7512146" y="4715530"/>
+            <a:ext cx="0" cy="315187"/>
+          </a:xfrm>
+          <a:prstGeom prst="straightConnector1">
+            <a:avLst/>
+          </a:prstGeom>
+          <a:ln w="63500">
+            <a:tailEnd type="triangle"/>
+          </a:ln>
+        </p:spPr>
+        <p:style>
+          <a:lnRef idx="1">
+            <a:schemeClr val="accent1"/>
+          </a:lnRef>
+          <a:fillRef idx="0">
+            <a:schemeClr val="accent1"/>
+          </a:fillRef>
+          <a:effectRef idx="0">
+            <a:schemeClr val="accent1"/>
+          </a:effectRef>
+          <a:fontRef idx="minor">
+            <a:schemeClr val="tx1"/>
+          </a:fontRef>
+        </p:style>
+      </p:cxnSp>
+    </p:spTree>
+    <p:extLst>
+      <p:ext uri="{BB962C8B-B14F-4D97-AF65-F5344CB8AC3E}">
+        <p14:creationId xmlns:p14="http://schemas.microsoft.com/office/powerpoint/2010/main" val="4047098402"/>
+      </p:ext>
+    </p:extLst>
+  </p:cSld>
+  <p:clrMapOvr>
+    <a:masterClrMapping/>
+  </p:clrMapOvr>
+</p:sld>
+</file>
+
+<file path=ppt/slides/slide9.xml><?xml version="1.0" encoding="utf-8"?>
+<p:sld xmlns:a="http://schemas.openxmlformats.org/drawingml/2006/main" xmlns:r="http://schemas.openxmlformats.org/officeDocument/2006/relationships" xmlns:p="http://schemas.openxmlformats.org/presentationml/2006/main">
+  <p:cSld>
+    <p:spTree>
+      <p:nvGrpSpPr>
+        <p:cNvPr id="1" name=""/>
+        <p:cNvGrpSpPr/>
+        <p:nvPr/>
+      </p:nvGrpSpPr>
+      <p:grpSpPr>
+        <a:xfrm>
+          <a:off x="0" y="0"/>
+          <a:ext cx="0" cy="0"/>
+          <a:chOff x="0" y="0"/>
+          <a:chExt cx="0" cy="0"/>
+        </a:xfrm>
+      </p:grpSpPr>
+      <p:sp>
+        <p:nvSpPr>
+          <p:cNvPr id="2" name="Title 1"/>
+          <p:cNvSpPr>
+            <a:spLocks noGrp="1"/>
+          </p:cNvSpPr>
+          <p:nvPr>
+            <p:ph type="ctrTitle"/>
+          </p:nvPr>
+        </p:nvSpPr>
+        <p:spPr>
+          <a:xfrm>
+            <a:off x="1581665" y="337751"/>
+            <a:ext cx="9144000" cy="916331"/>
+          </a:xfrm>
+        </p:spPr>
+        <p:txBody>
+          <a:bodyPr>
+            <a:normAutofit/>
+          </a:bodyPr>
+          <a:lstStyle/>
+          <a:p>
+            <a:r>
+              <a:rPr lang="fr-FR" sz="3600" b="1" dirty="0">
+                <a:solidFill>
+                  <a:srgbClr val="FF0000"/>
+                </a:solidFill>
+              </a:rPr>
+              <a:t>Fonctionnement des fonds d’écran</a:t>
+            </a:r>
+            <a:endParaRPr lang="fr-FR" sz="3200" b="1" dirty="0">
+              <a:solidFill>
+                <a:srgbClr val="FF0000"/>
+              </a:solidFill>
+            </a:endParaRPr>
+          </a:p>
+        </p:txBody>
+      </p:sp>
+      <p:pic>
+        <p:nvPicPr>
+          <p:cNvPr id="4" name="Picture 3"/>
+          <p:cNvPicPr>
+            <a:picLocks noChangeAspect="1"/>
+          </p:cNvPicPr>
+          <p:nvPr/>
+        </p:nvPicPr>
+        <p:blipFill>
+          <a:blip r:embed="rId2">
+            <a:extLst>
+              <a:ext uri="{28A0092B-C50C-407E-A947-70E740481C1C}">
+                <a14:useLocalDpi xmlns:a14="http://schemas.microsoft.com/office/drawing/2010/main" val="0"/>
+              </a:ext>
+            </a:extLst>
+          </a:blip>
+          <a:stretch>
+            <a:fillRect/>
+          </a:stretch>
+        </p:blipFill>
+        <p:spPr>
+          <a:xfrm>
+            <a:off x="404298" y="463507"/>
+            <a:ext cx="1514475" cy="790575"/>
+          </a:xfrm>
+          <a:prstGeom prst="rect">
+            <a:avLst/>
+          </a:prstGeom>
+        </p:spPr>
+      </p:pic>
+      <p:sp>
+        <p:nvSpPr>
+          <p:cNvPr id="5" name="Rectangle 4"/>
+          <p:cNvSpPr/>
+          <p:nvPr/>
+        </p:nvSpPr>
+        <p:spPr>
+          <a:xfrm>
+            <a:off x="0" y="0"/>
+            <a:ext cx="12192000" cy="337751"/>
+          </a:xfrm>
+          <a:prstGeom prst="rect">
+            <a:avLst/>
+          </a:prstGeom>
+          <a:solidFill>
+            <a:srgbClr val="FF0000"/>
+          </a:solidFill>
+          <a:effectLst/>
+        </p:spPr>
+        <p:style>
+          <a:lnRef idx="2">
+            <a:schemeClr val="accent1">
+              <a:shade val="50000"/>
+            </a:schemeClr>
+          </a:lnRef>
+          <a:fillRef idx="1">
+            <a:schemeClr val="accent1"/>
+          </a:fillRef>
+          <a:effectRef idx="0">
+            <a:schemeClr val="accent1"/>
+          </a:effectRef>
+          <a:fontRef idx="minor">
+            <a:schemeClr val="lt1"/>
+          </a:fontRef>
+        </p:style>
+        <p:txBody>
+          <a:bodyPr rtlCol="0" anchor="ctr"/>
+          <a:lstStyle/>
+          <a:p>
+            <a:pPr algn="ctr"/>
+            <a:endParaRPr lang="en-US" dirty="0"/>
+          </a:p>
+        </p:txBody>
+      </p:sp>
+      <p:pic>
+        <p:nvPicPr>
+          <p:cNvPr id="6" name="Image 5"/>
+          <p:cNvPicPr>
+            <a:picLocks noChangeAspect="1"/>
+          </p:cNvPicPr>
+          <p:nvPr/>
+        </p:nvPicPr>
+        <p:blipFill>
+          <a:blip r:embed="rId3"/>
+          <a:stretch>
+            <a:fillRect/>
+          </a:stretch>
+        </p:blipFill>
+        <p:spPr>
+          <a:xfrm>
+            <a:off x="257690" y="6244480"/>
+            <a:ext cx="1323975" cy="409575"/>
+          </a:xfrm>
+          <a:prstGeom prst="rect">
+            <a:avLst/>
+          </a:prstGeom>
+        </p:spPr>
+      </p:pic>
+      <p:sp>
+        <p:nvSpPr>
+          <p:cNvPr id="8" name="Espace réservé du pied de page 7"/>
+          <p:cNvSpPr>
+            <a:spLocks noGrp="1"/>
+          </p:cNvSpPr>
+          <p:nvPr>
+            <p:ph type="ftr" sz="quarter" idx="11"/>
+          </p:nvPr>
+        </p:nvSpPr>
+        <p:spPr/>
+        <p:txBody>
+          <a:bodyPr/>
+          <a:lstStyle/>
+          <a:p>
+            <a:r>
+              <a:rPr lang="fr-FR" dirty="0"/>
+              <a:t>VAUBOURG Mandel          CHAMPAULT Quentin</a:t>
+            </a:r>
+            <a:endParaRPr lang="en-US" dirty="0"/>
+          </a:p>
+        </p:txBody>
+      </p:sp>
+      <p:sp>
+        <p:nvSpPr>
+          <p:cNvPr id="9" name="Espace réservé du numéro de diapositive 8"/>
+          <p:cNvSpPr>
+            <a:spLocks noGrp="1"/>
+          </p:cNvSpPr>
+          <p:nvPr>
+            <p:ph type="sldNum" sz="quarter" idx="12"/>
+          </p:nvPr>
+        </p:nvSpPr>
+        <p:spPr/>
+        <p:txBody>
+          <a:bodyPr/>
+          <a:lstStyle/>
+          <a:p>
+            <a:fld id="{875A9697-78C3-4880-8D51-4C990C6F0385}" type="slidenum">
+              <a:rPr lang="en-US" smtClean="0"/>
+              <a:t>9</a:t>
+            </a:fld>
+            <a:endParaRPr lang="en-US" dirty="0"/>
+          </a:p>
+        </p:txBody>
+      </p:sp>
+      <p:sp>
+        <p:nvSpPr>
+          <p:cNvPr id="10" name="ZoneTexte 9"/>
+          <p:cNvSpPr txBox="1"/>
+          <p:nvPr/>
+        </p:nvSpPr>
+        <p:spPr>
+          <a:xfrm>
+            <a:off x="10610335" y="337751"/>
+            <a:ext cx="1581665" cy="369332"/>
+          </a:xfrm>
+          <a:prstGeom prst="rect">
+            <a:avLst/>
+          </a:prstGeom>
+          <a:noFill/>
+        </p:spPr>
+        <p:txBody>
+          <a:bodyPr wrap="square" rtlCol="0">
+            <a:spAutoFit/>
+          </a:bodyPr>
+          <a:lstStyle/>
+          <a:p>
+            <a:r>
+              <a:rPr lang="fr-FR" dirty="0">
+                <a:solidFill>
+                  <a:srgbClr val="FF0000"/>
+                </a:solidFill>
+              </a:rPr>
+              <a:t>Système projet</a:t>
+            </a:r>
+          </a:p>
+        </p:txBody>
+      </p:sp>
+      <p:sp>
+        <p:nvSpPr>
+          <p:cNvPr id="3" name="ZoneTexte 2"/>
+          <p:cNvSpPr txBox="1"/>
+          <p:nvPr/>
+        </p:nvSpPr>
+        <p:spPr>
+          <a:xfrm flipH="1">
+            <a:off x="3452667" y="1747413"/>
+            <a:ext cx="5401994" cy="1446550"/>
+          </a:xfrm>
+          <a:prstGeom prst="rect">
+            <a:avLst/>
+          </a:prstGeom>
+          <a:noFill/>
+        </p:spPr>
+        <p:txBody>
+          <a:bodyPr wrap="square" rtlCol="0">
+            <a:spAutoFit/>
+          </a:bodyPr>
+          <a:lstStyle/>
+          <a:p>
+            <a:r>
+              <a:rPr lang="fr-FR" sz="2200" dirty="0"/>
+              <a:t>Programmation modulaire, </a:t>
+            </a:r>
+          </a:p>
+          <a:p>
+            <a:pPr marL="285750" indent="-285750">
+              <a:buFontTx/>
+              <a:buChar char="-"/>
+            </a:pPr>
+            <a:r>
+              <a:rPr lang="fr-FR" sz="2200" dirty="0"/>
+              <a:t>Adaptation de la taille en temps réel</a:t>
+            </a:r>
+          </a:p>
+          <a:p>
+            <a:endParaRPr lang="fr-FR" sz="2200" dirty="0"/>
+          </a:p>
+          <a:p>
+            <a:r>
+              <a:rPr lang="fr-FR" sz="2200" dirty="0"/>
+              <a:t>Il y a trois fonctions pour gérer le fond d’écran</a:t>
+            </a:r>
+          </a:p>
+        </p:txBody>
+      </p:sp>
+      <p:pic>
+        <p:nvPicPr>
+          <p:cNvPr id="11" name="Image 10"/>
+          <p:cNvPicPr/>
+          <p:nvPr/>
+        </p:nvPicPr>
+        <p:blipFill>
+          <a:blip r:embed="rId4"/>
+          <a:stretch>
+            <a:fillRect/>
+          </a:stretch>
+        </p:blipFill>
+        <p:spPr>
+          <a:xfrm>
+            <a:off x="1624454" y="3387019"/>
+            <a:ext cx="9058421" cy="1860230"/>
+          </a:xfrm>
+          <a:prstGeom prst="rect">
+            <a:avLst/>
+          </a:prstGeom>
+        </p:spPr>
+      </p:pic>
+    </p:spTree>
+    <p:extLst>
+      <p:ext uri="{BB962C8B-B14F-4D97-AF65-F5344CB8AC3E}">
+        <p14:creationId xmlns:p14="http://schemas.microsoft.com/office/powerpoint/2010/main" val="26858805"/>
       </p:ext>
     </p:extLst>
   </p:cSld>

--- a/Rapport de fin + Powerpoint/exia.pptx
+++ b/Rapport de fin + Powerpoint/exia.pptx
@@ -240,7 +240,7 @@
           <a:p>
             <a:fld id="{FCC55111-7B30-4744-B30F-9E51635E7297}" type="datetimeFigureOut">
               <a:rPr lang="fr-FR" smtClean="0"/>
-              <a:t>15/12/2016</a:t>
+              <a:t>16/12/2016</a:t>
             </a:fld>
             <a:endParaRPr lang="fr-FR"/>
           </a:p>
@@ -636,7 +636,7 @@
           <a:p>
             <a:fld id="{327DE6A6-3469-41C7-ACB7-15A2E6E0CAB0}" type="datetime1">
               <a:rPr lang="en-US" smtClean="0"/>
-              <a:t>12/15/2016</a:t>
+              <a:t>12/16/2016</a:t>
             </a:fld>
             <a:endParaRPr lang="en-US" dirty="0"/>
           </a:p>
@@ -808,7 +808,7 @@
           <a:p>
             <a:fld id="{6B8F4074-35DD-4E98-9A1E-486D7D085A07}" type="datetime1">
               <a:rPr lang="en-US" smtClean="0"/>
-              <a:t>12/15/2016</a:t>
+              <a:t>12/16/2016</a:t>
             </a:fld>
             <a:endParaRPr lang="en-US" dirty="0"/>
           </a:p>
@@ -990,7 +990,7 @@
           <a:p>
             <a:fld id="{56AA034A-1516-40ED-B7DA-62265E041279}" type="datetime1">
               <a:rPr lang="en-US" smtClean="0"/>
-              <a:t>12/15/2016</a:t>
+              <a:t>12/16/2016</a:t>
             </a:fld>
             <a:endParaRPr lang="en-US" dirty="0"/>
           </a:p>
@@ -1162,7 +1162,7 @@
           <a:p>
             <a:fld id="{59F55EE7-4A93-455D-BB05-78B2E2E787D5}" type="datetime1">
               <a:rPr lang="en-US" smtClean="0"/>
-              <a:t>12/15/2016</a:t>
+              <a:t>12/16/2016</a:t>
             </a:fld>
             <a:endParaRPr lang="en-US" dirty="0"/>
           </a:p>
@@ -1411,7 +1411,7 @@
           <a:p>
             <a:fld id="{A4CFEC75-1AF1-45E3-B0A7-E7F0EDB5AE9C}" type="datetime1">
               <a:rPr lang="en-US" smtClean="0"/>
-              <a:t>12/15/2016</a:t>
+              <a:t>12/16/2016</a:t>
             </a:fld>
             <a:endParaRPr lang="en-US" dirty="0"/>
           </a:p>
@@ -1644,7 +1644,7 @@
           <a:p>
             <a:fld id="{0FF5C7FD-4B60-436B-B06F-605600CB10C4}" type="datetime1">
               <a:rPr lang="en-US" smtClean="0"/>
-              <a:t>12/15/2016</a:t>
+              <a:t>12/16/2016</a:t>
             </a:fld>
             <a:endParaRPr lang="en-US" dirty="0"/>
           </a:p>
@@ -2012,7 +2012,7 @@
           <a:p>
             <a:fld id="{40615B71-802B-4BF4-8D4F-E6280AA9D4C6}" type="datetime1">
               <a:rPr lang="en-US" smtClean="0"/>
-              <a:t>12/15/2016</a:t>
+              <a:t>12/16/2016</a:t>
             </a:fld>
             <a:endParaRPr lang="en-US" dirty="0"/>
           </a:p>
@@ -2133,7 +2133,7 @@
           <a:p>
             <a:fld id="{000CBABA-351D-4E10-BE57-A21A6285E38A}" type="datetime1">
               <a:rPr lang="en-US" smtClean="0"/>
-              <a:t>12/15/2016</a:t>
+              <a:t>12/16/2016</a:t>
             </a:fld>
             <a:endParaRPr lang="en-US" dirty="0"/>
           </a:p>
@@ -2232,7 +2232,7 @@
           <a:p>
             <a:fld id="{1B3D58BD-22F9-4237-A51D-B0040538D95A}" type="datetime1">
               <a:rPr lang="en-US" smtClean="0"/>
-              <a:t>12/15/2016</a:t>
+              <a:t>12/16/2016</a:t>
             </a:fld>
             <a:endParaRPr lang="en-US" dirty="0"/>
           </a:p>
@@ -2511,7 +2511,7 @@
           <a:p>
             <a:fld id="{32AA8639-15CB-45E8-8DBB-6E2A5015C0C1}" type="datetime1">
               <a:rPr lang="en-US" smtClean="0"/>
-              <a:t>12/15/2016</a:t>
+              <a:t>12/16/2016</a:t>
             </a:fld>
             <a:endParaRPr lang="en-US" dirty="0"/>
           </a:p>
@@ -2767,7 +2767,7 @@
           <a:p>
             <a:fld id="{425F2DB2-B979-4FEE-A089-C99A76B66FF6}" type="datetime1">
               <a:rPr lang="en-US" smtClean="0"/>
-              <a:t>12/15/2016</a:t>
+              <a:t>12/16/2016</a:t>
             </a:fld>
             <a:endParaRPr lang="en-US" dirty="0"/>
           </a:p>
@@ -2982,7 +2982,7 @@
           <a:p>
             <a:fld id="{9C5C9AA1-D838-4CD6-AF08-948DF349CA4D}" type="datetime1">
               <a:rPr lang="en-US" smtClean="0"/>
-              <a:t>12/15/2016</a:t>
+              <a:t>12/16/2016</a:t>
             </a:fld>
             <a:endParaRPr lang="en-US" dirty="0"/>
           </a:p>
@@ -7955,7 +7955,7 @@
             <a:pPr algn="ctr"/>
             <a:r>
               <a:rPr lang="fr-FR" dirty="0"/>
-              <a:t>Trie des positions de l’avion, et on sélectionne la bonne</a:t>
+              <a:t>Tri des positions de l’avion, et on sélectionne la bonne</a:t>
             </a:r>
           </a:p>
         </p:txBody>
